--- a/oreilly_programming_with_sql.pptx
+++ b/oreilly_programming_with_sql.pptx
@@ -5,10 +5,10 @@
     <p:sldMasterId id="2147483660" r:id="rId1"/>
   </p:sldMasterIdLst>
   <p:notesMasterIdLst>
-    <p:notesMasterId r:id="rId21"/>
+    <p:notesMasterId r:id="rId36"/>
   </p:notesMasterIdLst>
   <p:handoutMasterIdLst>
-    <p:handoutMasterId r:id="rId22"/>
+    <p:handoutMasterId r:id="rId37"/>
   </p:handoutMasterIdLst>
   <p:sldIdLst>
     <p:sldId id="256" r:id="rId2"/>
@@ -30,6 +30,21 @@
     <p:sldId id="529" r:id="rId18"/>
     <p:sldId id="530" r:id="rId19"/>
     <p:sldId id="522" r:id="rId20"/>
+    <p:sldId id="531" r:id="rId21"/>
+    <p:sldId id="532" r:id="rId22"/>
+    <p:sldId id="533" r:id="rId23"/>
+    <p:sldId id="535" r:id="rId24"/>
+    <p:sldId id="534" r:id="rId25"/>
+    <p:sldId id="346" r:id="rId26"/>
+    <p:sldId id="347" r:id="rId27"/>
+    <p:sldId id="350" r:id="rId28"/>
+    <p:sldId id="351" r:id="rId29"/>
+    <p:sldId id="536" r:id="rId30"/>
+    <p:sldId id="537" r:id="rId31"/>
+    <p:sldId id="538" r:id="rId32"/>
+    <p:sldId id="539" r:id="rId33"/>
+    <p:sldId id="540" r:id="rId34"/>
+    <p:sldId id="352" r:id="rId35"/>
   </p:sldIdLst>
   <p:sldSz cx="12192000" cy="6858000"/>
   <p:notesSz cx="6858000" cy="9144000"/>
@@ -260,7 +275,7 @@
           <a:p>
             <a:fld id="{80680FBE-A8DF-4758-9AC4-3A9E1039168F}" type="datetimeFigureOut">
               <a:rPr lang="en-US" smtClean="0"/>
-              <a:t>2/24/2020</a:t>
+              <a:t>2/25/2020</a:t>
             </a:fld>
             <a:endParaRPr lang="en-US"/>
           </a:p>
@@ -425,7 +440,7 @@
           <a:p>
             <a:fld id="{EC13577B-6902-467D-A26C-08A0DD5E4E03}" type="datetimeFigureOut">
               <a:rPr lang="en-US" smtClean="0"/>
-              <a:t>2/24/2020</a:t>
+              <a:t>2/25/2020</a:t>
             </a:fld>
             <a:endParaRPr lang="en-US"/>
           </a:p>
@@ -1575,7 +1590,7 @@
             <a:fld id="{8BEEBAAA-29B5-4AF5-BC5F-7E580C29002D}" type="datetimeFigureOut">
               <a:rPr lang="en-US" smtClean="0"/>
               <a:pPr/>
-              <a:t>2/24/2020</a:t>
+              <a:t>2/25/2020</a:t>
             </a:fld>
             <a:endParaRPr lang="en-US" dirty="0"/>
           </a:p>
@@ -2000,6 +2015,351 @@
 </p:sldLayout>
 </file>
 
+<file path=ppt/slideLayouts/slideLayout4.xml><?xml version="1.0" encoding="utf-8"?>
+<p:sldLayout xmlns:a="http://schemas.openxmlformats.org/drawingml/2006/main" xmlns:r="http://schemas.openxmlformats.org/officeDocument/2006/relationships" xmlns:p="http://schemas.openxmlformats.org/presentationml/2006/main" userDrawn="1">
+  <p:cSld name="1_Title and Content">
+    <p:spTree>
+      <p:nvGrpSpPr>
+        <p:cNvPr id="1" name=""/>
+        <p:cNvGrpSpPr/>
+        <p:nvPr/>
+      </p:nvGrpSpPr>
+      <p:grpSpPr>
+        <a:xfrm>
+          <a:off x="0" y="0"/>
+          <a:ext cx="0" cy="0"/>
+          <a:chOff x="0" y="0"/>
+          <a:chExt cx="0" cy="0"/>
+        </a:xfrm>
+      </p:grpSpPr>
+      <p:sp>
+        <p:nvSpPr>
+          <p:cNvPr id="9" name="Rectangle 8"/>
+          <p:cNvSpPr/>
+          <p:nvPr userDrawn="1"/>
+        </p:nvSpPr>
+        <p:spPr>
+          <a:xfrm>
+            <a:off x="256034" y="265177"/>
+            <a:ext cx="11683049" cy="6332433"/>
+          </a:xfrm>
+          <a:prstGeom prst="rect">
+            <a:avLst/>
+          </a:prstGeom>
+          <a:solidFill>
+            <a:srgbClr val="F5F5F5"/>
+          </a:solidFill>
+          <a:ln>
+            <a:noFill/>
+          </a:ln>
+        </p:spPr>
+        <p:style>
+          <a:lnRef idx="2">
+            <a:schemeClr val="accent1">
+              <a:shade val="50000"/>
+            </a:schemeClr>
+          </a:lnRef>
+          <a:fillRef idx="1">
+            <a:schemeClr val="accent1"/>
+          </a:fillRef>
+          <a:effectRef idx="0">
+            <a:schemeClr val="accent1"/>
+          </a:effectRef>
+          <a:fontRef idx="minor">
+            <a:schemeClr val="lt1"/>
+          </a:fontRef>
+        </p:style>
+        <p:txBody>
+          <a:bodyPr rtlCol="0" anchor="b" anchorCtr="0"/>
+          <a:lstStyle/>
+          <a:p>
+            <a:pPr algn="ctr"/>
+            <a:endParaRPr lang="en-US" sz="1800" dirty="0"/>
+          </a:p>
+        </p:txBody>
+      </p:sp>
+      <p:cxnSp>
+        <p:nvCxnSpPr>
+          <p:cNvPr id="12" name="Straight Connector 11"/>
+          <p:cNvCxnSpPr/>
+          <p:nvPr userDrawn="1"/>
+        </p:nvCxnSpPr>
+        <p:spPr>
+          <a:xfrm>
+            <a:off x="604435" y="1196392"/>
+            <a:ext cx="10983132" cy="0"/>
+          </a:xfrm>
+          <a:prstGeom prst="line">
+            <a:avLst/>
+          </a:prstGeom>
+          <a:ln w="25400">
+            <a:solidFill>
+              <a:srgbClr val="D24726"/>
+            </a:solidFill>
+          </a:ln>
+        </p:spPr>
+        <p:style>
+          <a:lnRef idx="1">
+            <a:schemeClr val="accent1"/>
+          </a:lnRef>
+          <a:fillRef idx="0">
+            <a:schemeClr val="accent1"/>
+          </a:fillRef>
+          <a:effectRef idx="0">
+            <a:schemeClr val="accent1"/>
+          </a:effectRef>
+          <a:fontRef idx="minor">
+            <a:schemeClr val="tx1"/>
+          </a:fontRef>
+        </p:style>
+      </p:cxnSp>
+      <p:sp>
+        <p:nvSpPr>
+          <p:cNvPr id="14" name="Content Placeholder 3"/>
+          <p:cNvSpPr>
+            <a:spLocks noGrp="1"/>
+          </p:cNvSpPr>
+          <p:nvPr>
+            <p:ph sz="half" idx="2" hasCustomPrompt="1"/>
+          </p:nvPr>
+        </p:nvSpPr>
+        <p:spPr>
+          <a:xfrm>
+            <a:off x="541612" y="1431014"/>
+            <a:ext cx="4413627" cy="3978275"/>
+          </a:xfrm>
+        </p:spPr>
+        <p:txBody>
+          <a:bodyPr vert="horz" lIns="91440" tIns="45720" rIns="91440" bIns="45720" rtlCol="0">
+            <a:normAutofit/>
+          </a:bodyPr>
+          <a:lstStyle>
+            <a:lvl1pPr>
+              <a:lnSpc>
+                <a:spcPts val="1800"/>
+              </a:lnSpc>
+              <a:spcBef>
+                <a:spcPts val="1000"/>
+              </a:spcBef>
+              <a:spcAft>
+                <a:spcPts val="1000"/>
+              </a:spcAft>
+              <a:defRPr lang="en-US" sz="1800" smtClean="0">
+                <a:solidFill>
+                  <a:schemeClr val="tx1">
+                    <a:lumMod val="75000"/>
+                    <a:lumOff val="25000"/>
+                  </a:schemeClr>
+                </a:solidFill>
+              </a:defRPr>
+            </a:lvl1pPr>
+            <a:lvl2pPr>
+              <a:lnSpc>
+                <a:spcPts val="1800"/>
+              </a:lnSpc>
+              <a:spcBef>
+                <a:spcPts val="1000"/>
+              </a:spcBef>
+              <a:spcAft>
+                <a:spcPts val="1000"/>
+              </a:spcAft>
+              <a:defRPr lang="en-US" sz="1200" smtClean="0">
+                <a:solidFill>
+                  <a:schemeClr val="tx1">
+                    <a:lumMod val="75000"/>
+                    <a:lumOff val="25000"/>
+                  </a:schemeClr>
+                </a:solidFill>
+              </a:defRPr>
+            </a:lvl2pPr>
+            <a:lvl3pPr>
+              <a:lnSpc>
+                <a:spcPts val="1800"/>
+              </a:lnSpc>
+              <a:spcBef>
+                <a:spcPts val="1000"/>
+              </a:spcBef>
+              <a:spcAft>
+                <a:spcPts val="1000"/>
+              </a:spcAft>
+              <a:defRPr lang="en-US" sz="1200" smtClean="0">
+                <a:solidFill>
+                  <a:schemeClr val="tx1">
+                    <a:lumMod val="75000"/>
+                    <a:lumOff val="25000"/>
+                  </a:schemeClr>
+                </a:solidFill>
+              </a:defRPr>
+            </a:lvl3pPr>
+            <a:lvl4pPr>
+              <a:lnSpc>
+                <a:spcPts val="1800"/>
+              </a:lnSpc>
+              <a:spcBef>
+                <a:spcPts val="1000"/>
+              </a:spcBef>
+              <a:spcAft>
+                <a:spcPts val="1000"/>
+              </a:spcAft>
+              <a:defRPr lang="en-US" sz="1200" smtClean="0">
+                <a:solidFill>
+                  <a:schemeClr val="tx1">
+                    <a:lumMod val="75000"/>
+                    <a:lumOff val="25000"/>
+                  </a:schemeClr>
+                </a:solidFill>
+              </a:defRPr>
+            </a:lvl4pPr>
+            <a:lvl5pPr>
+              <a:lnSpc>
+                <a:spcPts val="1800"/>
+              </a:lnSpc>
+              <a:spcBef>
+                <a:spcPts val="1000"/>
+              </a:spcBef>
+              <a:spcAft>
+                <a:spcPts val="1000"/>
+              </a:spcAft>
+              <a:defRPr lang="en-US" sz="1200">
+                <a:solidFill>
+                  <a:schemeClr val="tx1">
+                    <a:lumMod val="75000"/>
+                    <a:lumOff val="25000"/>
+                  </a:schemeClr>
+                </a:solidFill>
+              </a:defRPr>
+            </a:lvl5pPr>
+          </a:lstStyle>
+          <a:p>
+            <a:pPr marL="0" lvl="0" indent="0">
+              <a:lnSpc>
+                <a:spcPct val="150000"/>
+              </a:lnSpc>
+              <a:spcAft>
+                <a:spcPts val="1200"/>
+              </a:spcAft>
+              <a:buNone/>
+            </a:pPr>
+            <a:r>
+              <a:rPr lang="en-US" dirty="0"/>
+              <a:t>Click to edit Master text styles</a:t>
+            </a:r>
+          </a:p>
+          <a:p>
+            <a:pPr marL="0" lvl="1" indent="0">
+              <a:lnSpc>
+                <a:spcPct val="150000"/>
+              </a:lnSpc>
+              <a:spcAft>
+                <a:spcPts val="1200"/>
+              </a:spcAft>
+              <a:buNone/>
+            </a:pPr>
+            <a:r>
+              <a:rPr lang="en-US" dirty="0"/>
+              <a:t>Second level</a:t>
+            </a:r>
+          </a:p>
+          <a:p>
+            <a:pPr marL="0" lvl="2" indent="0">
+              <a:lnSpc>
+                <a:spcPct val="150000"/>
+              </a:lnSpc>
+              <a:spcAft>
+                <a:spcPts val="1200"/>
+              </a:spcAft>
+              <a:buNone/>
+            </a:pPr>
+            <a:r>
+              <a:rPr lang="en-US" dirty="0"/>
+              <a:t>Third level</a:t>
+            </a:r>
+          </a:p>
+          <a:p>
+            <a:pPr marL="0" lvl="3" indent="0">
+              <a:lnSpc>
+                <a:spcPct val="150000"/>
+              </a:lnSpc>
+              <a:spcAft>
+                <a:spcPts val="1200"/>
+              </a:spcAft>
+              <a:buNone/>
+            </a:pPr>
+            <a:r>
+              <a:rPr lang="en-US" dirty="0"/>
+              <a:t>Fourth level</a:t>
+            </a:r>
+          </a:p>
+          <a:p>
+            <a:pPr marL="0" lvl="4" indent="0">
+              <a:lnSpc>
+                <a:spcPct val="150000"/>
+              </a:lnSpc>
+              <a:spcAft>
+                <a:spcPts val="1200"/>
+              </a:spcAft>
+              <a:buNone/>
+            </a:pPr>
+            <a:r>
+              <a:rPr lang="en-US" dirty="0"/>
+              <a:t>Fifth level</a:t>
+            </a:r>
+          </a:p>
+        </p:txBody>
+      </p:sp>
+      <p:sp>
+        <p:nvSpPr>
+          <p:cNvPr id="4" name="Title 3"/>
+          <p:cNvSpPr>
+            <a:spLocks noGrp="1"/>
+          </p:cNvSpPr>
+          <p:nvPr>
+            <p:ph type="title"/>
+          </p:nvPr>
+        </p:nvSpPr>
+        <p:spPr>
+          <a:xfrm>
+            <a:off x="521208" y="448056"/>
+            <a:ext cx="6117336" cy="640080"/>
+          </a:xfrm>
+        </p:spPr>
+        <p:txBody>
+          <a:bodyPr anchor="b" anchorCtr="0">
+            <a:normAutofit/>
+          </a:bodyPr>
+          <a:lstStyle>
+            <a:lvl1pPr>
+              <a:defRPr sz="2800">
+                <a:solidFill>
+                  <a:schemeClr val="bg2">
+                    <a:lumMod val="25000"/>
+                  </a:schemeClr>
+                </a:solidFill>
+              </a:defRPr>
+            </a:lvl1pPr>
+          </a:lstStyle>
+          <a:p>
+            <a:r>
+              <a:rPr lang="en-US"/>
+              <a:t>Click to edit Master title style</a:t>
+            </a:r>
+            <a:endParaRPr lang="en-US" dirty="0"/>
+          </a:p>
+        </p:txBody>
+      </p:sp>
+    </p:spTree>
+    <p:extLst>
+      <p:ext uri="{BB962C8B-B14F-4D97-AF65-F5344CB8AC3E}">
+        <p14:creationId xmlns:p14="http://schemas.microsoft.com/office/powerpoint/2010/main" val="608673247"/>
+      </p:ext>
+    </p:extLst>
+  </p:cSld>
+  <p:clrMapOvr>
+    <a:masterClrMapping/>
+  </p:clrMapOvr>
+</p:sldLayout>
+</file>
+
 <file path=ppt/slideMasters/slideMaster1.xml><?xml version="1.0" encoding="utf-8"?>
 <p:sldMaster xmlns:a="http://schemas.openxmlformats.org/drawingml/2006/main" xmlns:r="http://schemas.openxmlformats.org/officeDocument/2006/relationships" xmlns:p="http://schemas.openxmlformats.org/presentationml/2006/main">
   <p:cSld>
@@ -2235,7 +2595,7 @@
             <a:fld id="{8BEEBAAA-29B5-4AF5-BC5F-7E580C29002D}" type="datetimeFigureOut">
               <a:rPr lang="en-US" smtClean="0"/>
               <a:pPr/>
-              <a:t>2/24/2020</a:t>
+              <a:t>2/25/2020</a:t>
             </a:fld>
             <a:endParaRPr lang="en-US" dirty="0"/>
           </a:p>
@@ -2369,6 +2729,7 @@
     <p:sldLayoutId id="2147483661" r:id="rId1"/>
     <p:sldLayoutId id="2147483662" r:id="rId2"/>
     <p:sldLayoutId id="2147483663" r:id="rId3"/>
+    <p:sldLayoutId id="2147483664" r:id="rId4"/>
   </p:sldLayoutIdLst>
   <p:txStyles>
     <p:titleStyle>
@@ -5742,6 +6103,2538 @@
 </p:sld>
 </file>
 
+<file path=ppt/slides/slide20.xml><?xml version="1.0" encoding="utf-8"?>
+<p:sld xmlns:a="http://schemas.openxmlformats.org/drawingml/2006/main" xmlns:r="http://schemas.openxmlformats.org/officeDocument/2006/relationships" xmlns:p="http://schemas.openxmlformats.org/presentationml/2006/main">
+  <p:cSld>
+    <p:spTree>
+      <p:nvGrpSpPr>
+        <p:cNvPr id="1" name=""/>
+        <p:cNvGrpSpPr/>
+        <p:nvPr/>
+      </p:nvGrpSpPr>
+      <p:grpSpPr>
+        <a:xfrm>
+          <a:off x="0" y="0"/>
+          <a:ext cx="0" cy="0"/>
+          <a:chOff x="0" y="0"/>
+          <a:chExt cx="0" cy="0"/>
+        </a:xfrm>
+      </p:grpSpPr>
+      <p:sp>
+        <p:nvSpPr>
+          <p:cNvPr id="2" name="Title 1">
+            <a:extLst>
+              <a:ext uri="{FF2B5EF4-FFF2-40B4-BE49-F238E27FC236}">
+                <a16:creationId xmlns:a16="http://schemas.microsoft.com/office/drawing/2014/main" id="{F15CB6D8-4255-4F62-996A-B3FFC4B4551A}"/>
+              </a:ext>
+            </a:extLst>
+          </p:cNvPr>
+          <p:cNvSpPr>
+            <a:spLocks noGrp="1"/>
+          </p:cNvSpPr>
+          <p:nvPr>
+            <p:ph type="title"/>
+          </p:nvPr>
+        </p:nvSpPr>
+        <p:spPr/>
+        <p:txBody>
+          <a:bodyPr/>
+          <a:lstStyle/>
+          <a:p>
+            <a:r>
+              <a:rPr lang="en-US" dirty="0"/>
+              <a:t>Design Strategy - Onus of Work</a:t>
+            </a:r>
+          </a:p>
+        </p:txBody>
+      </p:sp>
+      <p:sp>
+        <p:nvSpPr>
+          <p:cNvPr id="3" name="Content Placeholder 2">
+            <a:extLst>
+              <a:ext uri="{FF2B5EF4-FFF2-40B4-BE49-F238E27FC236}">
+                <a16:creationId xmlns:a16="http://schemas.microsoft.com/office/drawing/2014/main" id="{6F8F6454-7291-4F62-9B61-DCB263E594D7}"/>
+              </a:ext>
+            </a:extLst>
+          </p:cNvPr>
+          <p:cNvSpPr>
+            <a:spLocks noGrp="1"/>
+          </p:cNvSpPr>
+          <p:nvPr>
+            <p:ph sz="quarter" idx="10"/>
+          </p:nvPr>
+        </p:nvSpPr>
+        <p:spPr>
+          <a:xfrm>
+            <a:off x="539495" y="1435608"/>
+            <a:ext cx="8002621" cy="5422392"/>
+          </a:xfrm>
+        </p:spPr>
+        <p:txBody>
+          <a:bodyPr>
+            <a:normAutofit fontScale="70000" lnSpcReduction="20000"/>
+          </a:bodyPr>
+          <a:lstStyle/>
+          <a:p>
+            <a:r>
+              <a:rPr lang="en-US" b="1" dirty="0"/>
+              <a:t>When using SQL with a programming platform like Python, Java, or R, you will constantly be making a decision where the onus of processing will happen.</a:t>
+            </a:r>
+          </a:p>
+          <a:p>
+            <a:r>
+              <a:rPr lang="en-US" b="1" dirty="0"/>
+              <a:t>Should the database engine do the computation work, or the programming platform?</a:t>
+            </a:r>
+          </a:p>
+          <a:p>
+            <a:pPr marL="383540" lvl="1"/>
+            <a:r>
+              <a:rPr lang="en-US" dirty="0"/>
+              <a:t>You can simply pull in data and have your Python/Java/R codebase do the heavy-lifting.</a:t>
+            </a:r>
+          </a:p>
+          <a:p>
+            <a:pPr marL="383540" lvl="1"/>
+            <a:r>
+              <a:rPr lang="en-US" dirty="0"/>
+              <a:t>You can also leverage more complex SQL against the database, and have Python/Java/R consume the results.</a:t>
+            </a:r>
+          </a:p>
+          <a:p>
+            <a:pPr marL="383540" lvl="1"/>
+            <a:r>
+              <a:rPr lang="en-US" dirty="0"/>
+              <a:t>With a very large, expensive and calculated dataset you can save it to a temporary table and use it to support your Python/R/Java application.</a:t>
+            </a:r>
+          </a:p>
+          <a:p>
+            <a:r>
+              <a:rPr lang="en-US" b="1" dirty="0"/>
+              <a:t>A good rule of thumb: start with the simplest solution with minimal code/SQL that liberally hits the database as-needed, and gradually introduce caching strategies as performance starts to warrant it.</a:t>
+            </a:r>
+          </a:p>
+          <a:p>
+            <a:r>
+              <a:rPr lang="en-US" b="1" dirty="0"/>
+              <a:t>Never concatenate parameters, and use established SQL libraries to inject parameters safely to prevent SQL injection.</a:t>
+            </a:r>
+          </a:p>
+          <a:p>
+            <a:endParaRPr lang="en-US" dirty="0"/>
+          </a:p>
+          <a:p>
+            <a:pPr marL="383540" lvl="1"/>
+            <a:endParaRPr lang="en-US" dirty="0"/>
+          </a:p>
+        </p:txBody>
+      </p:sp>
+      <p:pic>
+        <p:nvPicPr>
+          <p:cNvPr id="6" name="Picture 5" descr="A circuit board&#10;&#10;Description automatically generated">
+            <a:extLst>
+              <a:ext uri="{FF2B5EF4-FFF2-40B4-BE49-F238E27FC236}">
+                <a16:creationId xmlns:a16="http://schemas.microsoft.com/office/drawing/2014/main" id="{EC62D3EE-0C85-47DD-BE9D-CE16B99F3DF6}"/>
+              </a:ext>
+            </a:extLst>
+          </p:cNvPr>
+          <p:cNvPicPr>
+            <a:picLocks noChangeAspect="1"/>
+          </p:cNvPicPr>
+          <p:nvPr/>
+        </p:nvPicPr>
+        <p:blipFill>
+          <a:blip r:embed="rId2" cstate="print">
+            <a:extLst>
+              <a:ext uri="{28A0092B-C50C-407E-A947-70E740481C1C}">
+                <a14:useLocalDpi xmlns:a14="http://schemas.microsoft.com/office/drawing/2010/main" val="0"/>
+              </a:ext>
+            </a:extLst>
+          </a:blip>
+          <a:stretch>
+            <a:fillRect/>
+          </a:stretch>
+        </p:blipFill>
+        <p:spPr>
+          <a:xfrm>
+            <a:off x="8731169" y="1299258"/>
+            <a:ext cx="2839656" cy="4259484"/>
+          </a:xfrm>
+          <a:prstGeom prst="rect">
+            <a:avLst/>
+          </a:prstGeom>
+        </p:spPr>
+      </p:pic>
+    </p:spTree>
+    <p:extLst>
+      <p:ext uri="{BB962C8B-B14F-4D97-AF65-F5344CB8AC3E}">
+        <p14:creationId xmlns:p14="http://schemas.microsoft.com/office/powerpoint/2010/main" val="1154975376"/>
+      </p:ext>
+    </p:extLst>
+  </p:cSld>
+  <p:clrMapOvr>
+    <a:masterClrMapping/>
+  </p:clrMapOvr>
+  <p:timing>
+    <p:tnLst>
+      <p:par>
+        <p:cTn id="1" dur="indefinite" restart="never" nodeType="tmRoot">
+          <p:childTnLst>
+            <p:seq concurrent="1" nextAc="seek">
+              <p:cTn id="2" dur="indefinite" nodeType="mainSeq">
+                <p:childTnLst>
+                  <p:par>
+                    <p:cTn id="3" fill="hold">
+                      <p:stCondLst>
+                        <p:cond delay="indefinite"/>
+                      </p:stCondLst>
+                      <p:childTnLst>
+                        <p:par>
+                          <p:cTn id="4" fill="hold">
+                            <p:stCondLst>
+                              <p:cond delay="0"/>
+                            </p:stCondLst>
+                            <p:childTnLst>
+                              <p:par>
+                                <p:cTn id="5" presetID="1" presetClass="entr" presetSubtype="0" fill="hold" grpId="0" nodeType="clickEffect">
+                                  <p:stCondLst>
+                                    <p:cond delay="0"/>
+                                  </p:stCondLst>
+                                  <p:childTnLst>
+                                    <p:set>
+                                      <p:cBhvr>
+                                        <p:cTn id="6" dur="1" fill="hold">
+                                          <p:stCondLst>
+                                            <p:cond delay="0"/>
+                                          </p:stCondLst>
+                                        </p:cTn>
+                                        <p:tgtEl>
+                                          <p:spTgt spid="3">
+                                            <p:txEl>
+                                              <p:pRg st="0" end="0"/>
+                                            </p:txEl>
+                                          </p:spTgt>
+                                        </p:tgtEl>
+                                        <p:attrNameLst>
+                                          <p:attrName>style.visibility</p:attrName>
+                                        </p:attrNameLst>
+                                      </p:cBhvr>
+                                      <p:to>
+                                        <p:strVal val="visible"/>
+                                      </p:to>
+                                    </p:set>
+                                  </p:childTnLst>
+                                </p:cTn>
+                              </p:par>
+                            </p:childTnLst>
+                          </p:cTn>
+                        </p:par>
+                      </p:childTnLst>
+                    </p:cTn>
+                  </p:par>
+                  <p:par>
+                    <p:cTn id="7" fill="hold">
+                      <p:stCondLst>
+                        <p:cond delay="indefinite"/>
+                      </p:stCondLst>
+                      <p:childTnLst>
+                        <p:par>
+                          <p:cTn id="8" fill="hold">
+                            <p:stCondLst>
+                              <p:cond delay="0"/>
+                            </p:stCondLst>
+                            <p:childTnLst>
+                              <p:par>
+                                <p:cTn id="9" presetID="1" presetClass="entr" presetSubtype="0" fill="hold" grpId="0" nodeType="clickEffect">
+                                  <p:stCondLst>
+                                    <p:cond delay="0"/>
+                                  </p:stCondLst>
+                                  <p:childTnLst>
+                                    <p:set>
+                                      <p:cBhvr>
+                                        <p:cTn id="10" dur="1" fill="hold">
+                                          <p:stCondLst>
+                                            <p:cond delay="0"/>
+                                          </p:stCondLst>
+                                        </p:cTn>
+                                        <p:tgtEl>
+                                          <p:spTgt spid="3">
+                                            <p:txEl>
+                                              <p:pRg st="1" end="1"/>
+                                            </p:txEl>
+                                          </p:spTgt>
+                                        </p:tgtEl>
+                                        <p:attrNameLst>
+                                          <p:attrName>style.visibility</p:attrName>
+                                        </p:attrNameLst>
+                                      </p:cBhvr>
+                                      <p:to>
+                                        <p:strVal val="visible"/>
+                                      </p:to>
+                                    </p:set>
+                                  </p:childTnLst>
+                                </p:cTn>
+                              </p:par>
+                              <p:par>
+                                <p:cTn id="11" presetID="1" presetClass="entr" presetSubtype="0" fill="hold" grpId="0" nodeType="withEffect">
+                                  <p:stCondLst>
+                                    <p:cond delay="0"/>
+                                  </p:stCondLst>
+                                  <p:childTnLst>
+                                    <p:set>
+                                      <p:cBhvr>
+                                        <p:cTn id="12" dur="1" fill="hold">
+                                          <p:stCondLst>
+                                            <p:cond delay="0"/>
+                                          </p:stCondLst>
+                                        </p:cTn>
+                                        <p:tgtEl>
+                                          <p:spTgt spid="3">
+                                            <p:txEl>
+                                              <p:pRg st="2" end="2"/>
+                                            </p:txEl>
+                                          </p:spTgt>
+                                        </p:tgtEl>
+                                        <p:attrNameLst>
+                                          <p:attrName>style.visibility</p:attrName>
+                                        </p:attrNameLst>
+                                      </p:cBhvr>
+                                      <p:to>
+                                        <p:strVal val="visible"/>
+                                      </p:to>
+                                    </p:set>
+                                  </p:childTnLst>
+                                </p:cTn>
+                              </p:par>
+                              <p:par>
+                                <p:cTn id="13" presetID="1" presetClass="entr" presetSubtype="0" fill="hold" grpId="0" nodeType="withEffect">
+                                  <p:stCondLst>
+                                    <p:cond delay="0"/>
+                                  </p:stCondLst>
+                                  <p:childTnLst>
+                                    <p:set>
+                                      <p:cBhvr>
+                                        <p:cTn id="14" dur="1" fill="hold">
+                                          <p:stCondLst>
+                                            <p:cond delay="0"/>
+                                          </p:stCondLst>
+                                        </p:cTn>
+                                        <p:tgtEl>
+                                          <p:spTgt spid="3">
+                                            <p:txEl>
+                                              <p:pRg st="3" end="3"/>
+                                            </p:txEl>
+                                          </p:spTgt>
+                                        </p:tgtEl>
+                                        <p:attrNameLst>
+                                          <p:attrName>style.visibility</p:attrName>
+                                        </p:attrNameLst>
+                                      </p:cBhvr>
+                                      <p:to>
+                                        <p:strVal val="visible"/>
+                                      </p:to>
+                                    </p:set>
+                                  </p:childTnLst>
+                                </p:cTn>
+                              </p:par>
+                              <p:par>
+                                <p:cTn id="15" presetID="1" presetClass="entr" presetSubtype="0" fill="hold" grpId="0" nodeType="withEffect">
+                                  <p:stCondLst>
+                                    <p:cond delay="0"/>
+                                  </p:stCondLst>
+                                  <p:childTnLst>
+                                    <p:set>
+                                      <p:cBhvr>
+                                        <p:cTn id="16" dur="1" fill="hold">
+                                          <p:stCondLst>
+                                            <p:cond delay="0"/>
+                                          </p:stCondLst>
+                                        </p:cTn>
+                                        <p:tgtEl>
+                                          <p:spTgt spid="3">
+                                            <p:txEl>
+                                              <p:pRg st="4" end="4"/>
+                                            </p:txEl>
+                                          </p:spTgt>
+                                        </p:tgtEl>
+                                        <p:attrNameLst>
+                                          <p:attrName>style.visibility</p:attrName>
+                                        </p:attrNameLst>
+                                      </p:cBhvr>
+                                      <p:to>
+                                        <p:strVal val="visible"/>
+                                      </p:to>
+                                    </p:set>
+                                  </p:childTnLst>
+                                </p:cTn>
+                              </p:par>
+                            </p:childTnLst>
+                          </p:cTn>
+                        </p:par>
+                      </p:childTnLst>
+                    </p:cTn>
+                  </p:par>
+                  <p:par>
+                    <p:cTn id="17" fill="hold">
+                      <p:stCondLst>
+                        <p:cond delay="indefinite"/>
+                      </p:stCondLst>
+                      <p:childTnLst>
+                        <p:par>
+                          <p:cTn id="18" fill="hold">
+                            <p:stCondLst>
+                              <p:cond delay="0"/>
+                            </p:stCondLst>
+                            <p:childTnLst>
+                              <p:par>
+                                <p:cTn id="19" presetID="1" presetClass="entr" presetSubtype="0" fill="hold" grpId="0" nodeType="clickEffect">
+                                  <p:stCondLst>
+                                    <p:cond delay="0"/>
+                                  </p:stCondLst>
+                                  <p:childTnLst>
+                                    <p:set>
+                                      <p:cBhvr>
+                                        <p:cTn id="20" dur="1" fill="hold">
+                                          <p:stCondLst>
+                                            <p:cond delay="0"/>
+                                          </p:stCondLst>
+                                        </p:cTn>
+                                        <p:tgtEl>
+                                          <p:spTgt spid="3">
+                                            <p:txEl>
+                                              <p:pRg st="5" end="5"/>
+                                            </p:txEl>
+                                          </p:spTgt>
+                                        </p:tgtEl>
+                                        <p:attrNameLst>
+                                          <p:attrName>style.visibility</p:attrName>
+                                        </p:attrNameLst>
+                                      </p:cBhvr>
+                                      <p:to>
+                                        <p:strVal val="visible"/>
+                                      </p:to>
+                                    </p:set>
+                                  </p:childTnLst>
+                                </p:cTn>
+                              </p:par>
+                            </p:childTnLst>
+                          </p:cTn>
+                        </p:par>
+                      </p:childTnLst>
+                    </p:cTn>
+                  </p:par>
+                  <p:par>
+                    <p:cTn id="21" fill="hold">
+                      <p:stCondLst>
+                        <p:cond delay="indefinite"/>
+                      </p:stCondLst>
+                      <p:childTnLst>
+                        <p:par>
+                          <p:cTn id="22" fill="hold">
+                            <p:stCondLst>
+                              <p:cond delay="0"/>
+                            </p:stCondLst>
+                            <p:childTnLst>
+                              <p:par>
+                                <p:cTn id="23" presetID="1" presetClass="entr" presetSubtype="0" fill="hold" grpId="0" nodeType="clickEffect">
+                                  <p:stCondLst>
+                                    <p:cond delay="0"/>
+                                  </p:stCondLst>
+                                  <p:childTnLst>
+                                    <p:set>
+                                      <p:cBhvr>
+                                        <p:cTn id="24" dur="1" fill="hold">
+                                          <p:stCondLst>
+                                            <p:cond delay="0"/>
+                                          </p:stCondLst>
+                                        </p:cTn>
+                                        <p:tgtEl>
+                                          <p:spTgt spid="3">
+                                            <p:txEl>
+                                              <p:pRg st="6" end="6"/>
+                                            </p:txEl>
+                                          </p:spTgt>
+                                        </p:tgtEl>
+                                        <p:attrNameLst>
+                                          <p:attrName>style.visibility</p:attrName>
+                                        </p:attrNameLst>
+                                      </p:cBhvr>
+                                      <p:to>
+                                        <p:strVal val="visible"/>
+                                      </p:to>
+                                    </p:set>
+                                  </p:childTnLst>
+                                </p:cTn>
+                              </p:par>
+                            </p:childTnLst>
+                          </p:cTn>
+                        </p:par>
+                      </p:childTnLst>
+                    </p:cTn>
+                  </p:par>
+                </p:childTnLst>
+              </p:cTn>
+              <p:prevCondLst>
+                <p:cond evt="onPrev" delay="0">
+                  <p:tgtEl>
+                    <p:sldTgt/>
+                  </p:tgtEl>
+                </p:cond>
+              </p:prevCondLst>
+              <p:nextCondLst>
+                <p:cond evt="onNext" delay="0">
+                  <p:tgtEl>
+                    <p:sldTgt/>
+                  </p:tgtEl>
+                </p:cond>
+              </p:nextCondLst>
+            </p:seq>
+          </p:childTnLst>
+        </p:cTn>
+      </p:par>
+    </p:tnLst>
+    <p:bldLst>
+      <p:bldP spid="3" grpId="0" build="p"/>
+    </p:bldLst>
+  </p:timing>
+</p:sld>
+</file>
+
+<file path=ppt/slides/slide21.xml><?xml version="1.0" encoding="utf-8"?>
+<p:sld xmlns:a="http://schemas.openxmlformats.org/drawingml/2006/main" xmlns:r="http://schemas.openxmlformats.org/officeDocument/2006/relationships" xmlns:p="http://schemas.openxmlformats.org/presentationml/2006/main">
+  <p:cSld>
+    <p:spTree>
+      <p:nvGrpSpPr>
+        <p:cNvPr id="1" name=""/>
+        <p:cNvGrpSpPr/>
+        <p:nvPr/>
+      </p:nvGrpSpPr>
+      <p:grpSpPr>
+        <a:xfrm>
+          <a:off x="0" y="0"/>
+          <a:ext cx="0" cy="0"/>
+          <a:chOff x="0" y="0"/>
+          <a:chExt cx="0" cy="0"/>
+        </a:xfrm>
+      </p:grpSpPr>
+      <p:sp>
+        <p:nvSpPr>
+          <p:cNvPr id="2" name="Title 1">
+            <a:extLst>
+              <a:ext uri="{FF2B5EF4-FFF2-40B4-BE49-F238E27FC236}">
+                <a16:creationId xmlns:a16="http://schemas.microsoft.com/office/drawing/2014/main" id="{200B01C7-4215-4BB1-8432-A1F9A6785CF3}"/>
+              </a:ext>
+            </a:extLst>
+          </p:cNvPr>
+          <p:cNvSpPr>
+            <a:spLocks noGrp="1"/>
+          </p:cNvSpPr>
+          <p:nvPr>
+            <p:ph type="title"/>
+          </p:nvPr>
+        </p:nvSpPr>
+        <p:spPr/>
+        <p:txBody>
+          <a:bodyPr/>
+          <a:lstStyle/>
+          <a:p>
+            <a:r>
+              <a:rPr lang="en-US" dirty="0"/>
+              <a:t>Design Strategy – Connection Pooling</a:t>
+            </a:r>
+          </a:p>
+        </p:txBody>
+      </p:sp>
+      <p:sp>
+        <p:nvSpPr>
+          <p:cNvPr id="3" name="Content Placeholder 2">
+            <a:extLst>
+              <a:ext uri="{FF2B5EF4-FFF2-40B4-BE49-F238E27FC236}">
+                <a16:creationId xmlns:a16="http://schemas.microsoft.com/office/drawing/2014/main" id="{D80A5A31-96D4-4B0B-AC8D-634022A4FA22}"/>
+              </a:ext>
+            </a:extLst>
+          </p:cNvPr>
+          <p:cNvSpPr>
+            <a:spLocks noGrp="1"/>
+          </p:cNvSpPr>
+          <p:nvPr>
+            <p:ph sz="quarter" idx="10"/>
+          </p:nvPr>
+        </p:nvSpPr>
+        <p:spPr>
+          <a:xfrm>
+            <a:off x="539495" y="1435608"/>
+            <a:ext cx="7429675" cy="4974336"/>
+          </a:xfrm>
+        </p:spPr>
+        <p:txBody>
+          <a:bodyPr>
+            <a:normAutofit fontScale="85000" lnSpcReduction="20000"/>
+          </a:bodyPr>
+          <a:lstStyle/>
+          <a:p>
+            <a:r>
+              <a:rPr lang="en-US" b="1" dirty="0"/>
+              <a:t>Modern applications (whether they are client side or server side), can be enormously complex. </a:t>
+            </a:r>
+          </a:p>
+          <a:p>
+            <a:pPr marL="285750" indent="-285750">
+              <a:buFont typeface="Arial" panose="020B0604020202020204" pitchFamily="34" charset="0"/>
+              <a:buChar char="•"/>
+            </a:pPr>
+            <a:r>
+              <a:rPr lang="en-US" dirty="0"/>
+              <a:t>Code design and modules change.</a:t>
+            </a:r>
+          </a:p>
+          <a:p>
+            <a:pPr marL="285750" indent="-285750">
+              <a:buFont typeface="Arial" panose="020B0604020202020204" pitchFamily="34" charset="0"/>
+              <a:buChar char="•"/>
+            </a:pPr>
+            <a:r>
+              <a:rPr lang="en-US" dirty="0"/>
+              <a:t>Several services can be running simultaneously.</a:t>
+            </a:r>
+          </a:p>
+          <a:p>
+            <a:r>
+              <a:rPr lang="en-US" b="1" dirty="0"/>
+              <a:t>Typically multiple threads are executing code simultaneously to parallelize work. </a:t>
+            </a:r>
+          </a:p>
+          <a:p>
+            <a:pPr marL="285750" indent="-285750">
+              <a:buFont typeface="Arial" panose="020B0604020202020204" pitchFamily="34" charset="0"/>
+              <a:buChar char="•"/>
+            </a:pPr>
+            <a:r>
+              <a:rPr lang="en-US" dirty="0"/>
+              <a:t>Having multiple threads accessing a single database connection can be hazardous, unless only one thread accesses and uses the connection at a time. </a:t>
+            </a:r>
+          </a:p>
+          <a:p>
+            <a:pPr marL="285750" indent="-285750">
+              <a:buFont typeface="Arial" panose="020B0604020202020204" pitchFamily="34" charset="0"/>
+              <a:buChar char="•"/>
+            </a:pPr>
+            <a:r>
+              <a:rPr lang="en-US" dirty="0"/>
+              <a:t>It can be helpful to have multiple connections to support multiple threads safely.</a:t>
+            </a:r>
+          </a:p>
+          <a:p>
+            <a:pPr marL="285750" indent="-285750">
+              <a:buFont typeface="Arial" panose="020B0604020202020204" pitchFamily="34" charset="0"/>
+              <a:buChar char="•"/>
+            </a:pPr>
+            <a:r>
+              <a:rPr lang="en-US" dirty="0"/>
+              <a:t>It is more efficient to reuse a connection rather than create/dispose it for each task.</a:t>
+            </a:r>
+          </a:p>
+          <a:p>
+            <a:endParaRPr lang="en-US" dirty="0"/>
+          </a:p>
+        </p:txBody>
+      </p:sp>
+      <p:pic>
+        <p:nvPicPr>
+          <p:cNvPr id="9" name="Picture 8" descr="A picture containing cable, blue, table, sitting&#10;&#10;Description automatically generated">
+            <a:extLst>
+              <a:ext uri="{FF2B5EF4-FFF2-40B4-BE49-F238E27FC236}">
+                <a16:creationId xmlns:a16="http://schemas.microsoft.com/office/drawing/2014/main" id="{8481146B-3FA7-405B-A434-D0F694386A3A}"/>
+              </a:ext>
+            </a:extLst>
+          </p:cNvPr>
+          <p:cNvPicPr>
+            <a:picLocks noChangeAspect="1"/>
+          </p:cNvPicPr>
+          <p:nvPr/>
+        </p:nvPicPr>
+        <p:blipFill>
+          <a:blip r:embed="rId2" cstate="print">
+            <a:extLst>
+              <a:ext uri="{28A0092B-C50C-407E-A947-70E740481C1C}">
+                <a14:useLocalDpi xmlns:a14="http://schemas.microsoft.com/office/drawing/2010/main" val="0"/>
+              </a:ext>
+            </a:extLst>
+          </a:blip>
+          <a:stretch>
+            <a:fillRect/>
+          </a:stretch>
+        </p:blipFill>
+        <p:spPr>
+          <a:xfrm>
+            <a:off x="8169576" y="1435608"/>
+            <a:ext cx="3374221" cy="2245489"/>
+          </a:xfrm>
+          <a:prstGeom prst="rect">
+            <a:avLst/>
+          </a:prstGeom>
+        </p:spPr>
+      </p:pic>
+    </p:spTree>
+    <p:extLst>
+      <p:ext uri="{BB962C8B-B14F-4D97-AF65-F5344CB8AC3E}">
+        <p14:creationId xmlns:p14="http://schemas.microsoft.com/office/powerpoint/2010/main" val="104626546"/>
+      </p:ext>
+    </p:extLst>
+  </p:cSld>
+  <p:clrMapOvr>
+    <a:masterClrMapping/>
+  </p:clrMapOvr>
+</p:sld>
+</file>
+
+<file path=ppt/slides/slide22.xml><?xml version="1.0" encoding="utf-8"?>
+<p:sld xmlns:a="http://schemas.openxmlformats.org/drawingml/2006/main" xmlns:r="http://schemas.openxmlformats.org/officeDocument/2006/relationships" xmlns:p="http://schemas.openxmlformats.org/presentationml/2006/main">
+  <p:cSld>
+    <p:spTree>
+      <p:nvGrpSpPr>
+        <p:cNvPr id="1" name=""/>
+        <p:cNvGrpSpPr/>
+        <p:nvPr/>
+      </p:nvGrpSpPr>
+      <p:grpSpPr>
+        <a:xfrm>
+          <a:off x="0" y="0"/>
+          <a:ext cx="0" cy="0"/>
+          <a:chOff x="0" y="0"/>
+          <a:chExt cx="0" cy="0"/>
+        </a:xfrm>
+      </p:grpSpPr>
+      <p:sp>
+        <p:nvSpPr>
+          <p:cNvPr id="2" name="Title 1">
+            <a:extLst>
+              <a:ext uri="{FF2B5EF4-FFF2-40B4-BE49-F238E27FC236}">
+                <a16:creationId xmlns:a16="http://schemas.microsoft.com/office/drawing/2014/main" id="{200B01C7-4215-4BB1-8432-A1F9A6785CF3}"/>
+              </a:ext>
+            </a:extLst>
+          </p:cNvPr>
+          <p:cNvSpPr>
+            <a:spLocks noGrp="1"/>
+          </p:cNvSpPr>
+          <p:nvPr>
+            <p:ph type="title"/>
+          </p:nvPr>
+        </p:nvSpPr>
+        <p:spPr/>
+        <p:txBody>
+          <a:bodyPr/>
+          <a:lstStyle/>
+          <a:p>
+            <a:r>
+              <a:rPr lang="en-US" dirty="0"/>
+              <a:t>Design Strategy – Connection Pooling</a:t>
+            </a:r>
+          </a:p>
+        </p:txBody>
+      </p:sp>
+      <p:sp>
+        <p:nvSpPr>
+          <p:cNvPr id="3" name="Content Placeholder 2">
+            <a:extLst>
+              <a:ext uri="{FF2B5EF4-FFF2-40B4-BE49-F238E27FC236}">
+                <a16:creationId xmlns:a16="http://schemas.microsoft.com/office/drawing/2014/main" id="{D80A5A31-96D4-4B0B-AC8D-634022A4FA22}"/>
+              </a:ext>
+            </a:extLst>
+          </p:cNvPr>
+          <p:cNvSpPr>
+            <a:spLocks noGrp="1"/>
+          </p:cNvSpPr>
+          <p:nvPr>
+            <p:ph sz="quarter" idx="10"/>
+          </p:nvPr>
+        </p:nvSpPr>
+        <p:spPr>
+          <a:xfrm>
+            <a:off x="539495" y="1435608"/>
+            <a:ext cx="7504910" cy="5277708"/>
+          </a:xfrm>
+        </p:spPr>
+        <p:txBody>
+          <a:bodyPr>
+            <a:normAutofit fontScale="70000" lnSpcReduction="20000"/>
+          </a:bodyPr>
+          <a:lstStyle/>
+          <a:p>
+            <a:r>
+              <a:rPr lang="en-US" b="1" dirty="0"/>
+              <a:t>Because most applications are </a:t>
+            </a:r>
+            <a:r>
+              <a:rPr lang="en-US" b="1" dirty="0">
+                <a:solidFill>
+                  <a:srgbClr val="FF0000"/>
+                </a:solidFill>
+              </a:rPr>
+              <a:t>multithreaded</a:t>
+            </a:r>
+            <a:r>
+              <a:rPr lang="en-US" b="1" dirty="0"/>
+              <a:t>, or running several tasks simultaneously, it can be necessary to use a </a:t>
+            </a:r>
+            <a:r>
+              <a:rPr lang="en-US" b="1" dirty="0">
+                <a:solidFill>
+                  <a:srgbClr val="FF0000"/>
+                </a:solidFill>
+              </a:rPr>
+              <a:t>connection pool </a:t>
+            </a:r>
+            <a:r>
+              <a:rPr lang="en-US" b="1" dirty="0"/>
+              <a:t>that maintains several threads. </a:t>
+            </a:r>
+          </a:p>
+          <a:p>
+            <a:pPr marL="285750" indent="-285750">
+              <a:buFont typeface="Arial" panose="020B0604020202020204" pitchFamily="34" charset="0"/>
+              <a:buChar char="•"/>
+            </a:pPr>
+            <a:r>
+              <a:rPr lang="en-US" dirty="0"/>
+              <a:t>Connection pools are set up to maintain a fixed number of connections, and reuse them as needed.</a:t>
+            </a:r>
+          </a:p>
+          <a:p>
+            <a:pPr marL="285750" indent="-285750">
+              <a:buFont typeface="Arial" panose="020B0604020202020204" pitchFamily="34" charset="0"/>
+              <a:buChar char="•"/>
+            </a:pPr>
+            <a:r>
+              <a:rPr lang="en-US" dirty="0"/>
+              <a:t>Of course, threads and database connections are expensive, so we must be conservative in how many we allow. </a:t>
+            </a:r>
+          </a:p>
+          <a:p>
+            <a:pPr marL="285750" indent="-285750">
+              <a:buFont typeface="Arial" panose="020B0604020202020204" pitchFamily="34" charset="0"/>
+              <a:buChar char="•"/>
+            </a:pPr>
+            <a:r>
+              <a:rPr lang="en-US" dirty="0"/>
+              <a:t>If there are more threads than there are connections, then threads may be queued to wait for an available database connection.</a:t>
+            </a:r>
+          </a:p>
+          <a:p>
+            <a:pPr marL="285750" indent="-285750">
+              <a:buFont typeface="Arial" panose="020B0604020202020204" pitchFamily="34" charset="0"/>
+              <a:buChar char="•"/>
+            </a:pPr>
+            <a:r>
+              <a:rPr lang="en-US" dirty="0"/>
+              <a:t>If a connection expires, the thread pool will dispose and replace it. </a:t>
+            </a:r>
+          </a:p>
+          <a:p>
+            <a:r>
+              <a:rPr lang="en-US" b="1" dirty="0"/>
+              <a:t>For example, we can choose to have up to five database connections in </a:t>
+            </a:r>
+            <a:r>
+              <a:rPr lang="en-US" sz="1900" b="1" dirty="0"/>
+              <a:t>a connection pool, and have threads use them as needed.</a:t>
+            </a:r>
+            <a:endParaRPr lang="en-US" b="1" dirty="0"/>
+          </a:p>
+          <a:p>
+            <a:r>
+              <a:rPr lang="en-US" b="1" dirty="0"/>
+              <a:t>Connection pools can be set up dynamically to increase and decrease the number of connections based on needs.</a:t>
+            </a:r>
+          </a:p>
+        </p:txBody>
+      </p:sp>
+      <p:pic>
+        <p:nvPicPr>
+          <p:cNvPr id="9" name="Picture 8" descr="A picture containing cable, blue, table, sitting&#10;&#10;Description automatically generated">
+            <a:extLst>
+              <a:ext uri="{FF2B5EF4-FFF2-40B4-BE49-F238E27FC236}">
+                <a16:creationId xmlns:a16="http://schemas.microsoft.com/office/drawing/2014/main" id="{8481146B-3FA7-405B-A434-D0F694386A3A}"/>
+              </a:ext>
+            </a:extLst>
+          </p:cNvPr>
+          <p:cNvPicPr>
+            <a:picLocks noChangeAspect="1"/>
+          </p:cNvPicPr>
+          <p:nvPr/>
+        </p:nvPicPr>
+        <p:blipFill>
+          <a:blip r:embed="rId2" cstate="print">
+            <a:extLst>
+              <a:ext uri="{28A0092B-C50C-407E-A947-70E740481C1C}">
+                <a14:useLocalDpi xmlns:a14="http://schemas.microsoft.com/office/drawing/2010/main" val="0"/>
+              </a:ext>
+            </a:extLst>
+          </a:blip>
+          <a:stretch>
+            <a:fillRect/>
+          </a:stretch>
+        </p:blipFill>
+        <p:spPr>
+          <a:xfrm>
+            <a:off x="8169576" y="1435608"/>
+            <a:ext cx="3374221" cy="2245489"/>
+          </a:xfrm>
+          <a:prstGeom prst="rect">
+            <a:avLst/>
+          </a:prstGeom>
+        </p:spPr>
+      </p:pic>
+    </p:spTree>
+    <p:extLst>
+      <p:ext uri="{BB962C8B-B14F-4D97-AF65-F5344CB8AC3E}">
+        <p14:creationId xmlns:p14="http://schemas.microsoft.com/office/powerpoint/2010/main" val="1328373837"/>
+      </p:ext>
+    </p:extLst>
+  </p:cSld>
+  <p:clrMapOvr>
+    <a:masterClrMapping/>
+  </p:clrMapOvr>
+</p:sld>
+</file>
+
+<file path=ppt/slides/slide23.xml><?xml version="1.0" encoding="utf-8"?>
+<p:sld xmlns:a="http://schemas.openxmlformats.org/drawingml/2006/main" xmlns:r="http://schemas.openxmlformats.org/officeDocument/2006/relationships" xmlns:p="http://schemas.openxmlformats.org/presentationml/2006/main">
+  <p:cSld>
+    <p:spTree>
+      <p:nvGrpSpPr>
+        <p:cNvPr id="1" name=""/>
+        <p:cNvGrpSpPr/>
+        <p:nvPr/>
+      </p:nvGrpSpPr>
+      <p:grpSpPr>
+        <a:xfrm>
+          <a:off x="0" y="0"/>
+          <a:ext cx="0" cy="0"/>
+          <a:chOff x="0" y="0"/>
+          <a:chExt cx="0" cy="0"/>
+        </a:xfrm>
+      </p:grpSpPr>
+      <p:sp>
+        <p:nvSpPr>
+          <p:cNvPr id="2" name="Title 1">
+            <a:extLst>
+              <a:ext uri="{FF2B5EF4-FFF2-40B4-BE49-F238E27FC236}">
+                <a16:creationId xmlns:a16="http://schemas.microsoft.com/office/drawing/2014/main" id="{200B01C7-4215-4BB1-8432-A1F9A6785CF3}"/>
+              </a:ext>
+            </a:extLst>
+          </p:cNvPr>
+          <p:cNvSpPr>
+            <a:spLocks noGrp="1"/>
+          </p:cNvSpPr>
+          <p:nvPr>
+            <p:ph type="title"/>
+          </p:nvPr>
+        </p:nvSpPr>
+        <p:spPr/>
+        <p:txBody>
+          <a:bodyPr/>
+          <a:lstStyle/>
+          <a:p>
+            <a:r>
+              <a:rPr lang="en-US" dirty="0"/>
+              <a:t>Connection Pooling Libraries</a:t>
+            </a:r>
+          </a:p>
+        </p:txBody>
+      </p:sp>
+      <p:sp>
+        <p:nvSpPr>
+          <p:cNvPr id="3" name="Content Placeholder 2">
+            <a:extLst>
+              <a:ext uri="{FF2B5EF4-FFF2-40B4-BE49-F238E27FC236}">
+                <a16:creationId xmlns:a16="http://schemas.microsoft.com/office/drawing/2014/main" id="{D80A5A31-96D4-4B0B-AC8D-634022A4FA22}"/>
+              </a:ext>
+            </a:extLst>
+          </p:cNvPr>
+          <p:cNvSpPr>
+            <a:spLocks noGrp="1"/>
+          </p:cNvSpPr>
+          <p:nvPr>
+            <p:ph sz="quarter" idx="10"/>
+          </p:nvPr>
+        </p:nvSpPr>
+        <p:spPr>
+          <a:xfrm>
+            <a:off x="539495" y="1435608"/>
+            <a:ext cx="7429675" cy="4974336"/>
+          </a:xfrm>
+        </p:spPr>
+        <p:txBody>
+          <a:bodyPr>
+            <a:normAutofit/>
+          </a:bodyPr>
+          <a:lstStyle/>
+          <a:p>
+            <a:r>
+              <a:rPr lang="en-US" b="1" dirty="0"/>
+              <a:t>Java – </a:t>
+            </a:r>
+            <a:r>
+              <a:rPr lang="en-US" dirty="0" err="1"/>
+              <a:t>HikariCP</a:t>
+            </a:r>
+            <a:r>
+              <a:rPr lang="en-US" dirty="0"/>
+              <a:t> (fastest and recommended), </a:t>
+            </a:r>
+            <a:r>
+              <a:rPr lang="en-US" dirty="0" err="1"/>
+              <a:t>Vibur</a:t>
+            </a:r>
+            <a:r>
+              <a:rPr lang="en-US" dirty="0"/>
+              <a:t>, </a:t>
+            </a:r>
+            <a:r>
+              <a:rPr lang="en-US" dirty="0" err="1"/>
+              <a:t>TomCat</a:t>
+            </a:r>
+            <a:r>
+              <a:rPr lang="en-US" dirty="0"/>
+              <a:t>, C3PO</a:t>
+            </a:r>
+          </a:p>
+          <a:p>
+            <a:r>
+              <a:rPr lang="en-US" b="1" dirty="0"/>
+              <a:t>Python- </a:t>
+            </a:r>
+            <a:r>
+              <a:rPr lang="en-US" dirty="0" err="1"/>
+              <a:t>SQLAlchemy</a:t>
+            </a:r>
+            <a:endParaRPr lang="en-US" dirty="0"/>
+          </a:p>
+          <a:p>
+            <a:r>
+              <a:rPr lang="en-US" b="1" dirty="0"/>
+              <a:t>R – </a:t>
+            </a:r>
+            <a:r>
+              <a:rPr lang="en-US" dirty="0"/>
+              <a:t>Pool</a:t>
+            </a:r>
+          </a:p>
+          <a:p>
+            <a:endParaRPr lang="en-US" b="1" dirty="0"/>
+          </a:p>
+          <a:p>
+            <a:endParaRPr lang="en-US" b="1" dirty="0"/>
+          </a:p>
+        </p:txBody>
+      </p:sp>
+    </p:spTree>
+    <p:extLst>
+      <p:ext uri="{BB962C8B-B14F-4D97-AF65-F5344CB8AC3E}">
+        <p14:creationId xmlns:p14="http://schemas.microsoft.com/office/powerpoint/2010/main" val="2499625412"/>
+      </p:ext>
+    </p:extLst>
+  </p:cSld>
+  <p:clrMapOvr>
+    <a:masterClrMapping/>
+  </p:clrMapOvr>
+</p:sld>
+</file>
+
+<file path=ppt/slides/slide24.xml><?xml version="1.0" encoding="utf-8"?>
+<p:sld xmlns:a="http://schemas.openxmlformats.org/drawingml/2006/main" xmlns:r="http://schemas.openxmlformats.org/officeDocument/2006/relationships" xmlns:p="http://schemas.openxmlformats.org/presentationml/2006/main">
+  <p:cSld>
+    <p:spTree>
+      <p:nvGrpSpPr>
+        <p:cNvPr id="1" name=""/>
+        <p:cNvGrpSpPr/>
+        <p:nvPr/>
+      </p:nvGrpSpPr>
+      <p:grpSpPr>
+        <a:xfrm>
+          <a:off x="0" y="0"/>
+          <a:ext cx="0" cy="0"/>
+          <a:chOff x="0" y="0"/>
+          <a:chExt cx="0" cy="0"/>
+        </a:xfrm>
+      </p:grpSpPr>
+      <p:sp>
+        <p:nvSpPr>
+          <p:cNvPr id="2" name="Title 1">
+            <a:extLst>
+              <a:ext uri="{FF2B5EF4-FFF2-40B4-BE49-F238E27FC236}">
+                <a16:creationId xmlns:a16="http://schemas.microsoft.com/office/drawing/2014/main" id="{39ED9B7A-5DAF-4AFD-BD86-0CAF9A3C3B81}"/>
+              </a:ext>
+            </a:extLst>
+          </p:cNvPr>
+          <p:cNvSpPr>
+            <a:spLocks noGrp="1"/>
+          </p:cNvSpPr>
+          <p:nvPr>
+            <p:ph type="title"/>
+          </p:nvPr>
+        </p:nvSpPr>
+        <p:spPr/>
+        <p:txBody>
+          <a:bodyPr/>
+          <a:lstStyle/>
+          <a:p>
+            <a:r>
+              <a:rPr lang="en-US" dirty="0"/>
+              <a:t>Design Strategy – Error Handling </a:t>
+            </a:r>
+          </a:p>
+        </p:txBody>
+      </p:sp>
+      <p:sp>
+        <p:nvSpPr>
+          <p:cNvPr id="3" name="Content Placeholder 2">
+            <a:extLst>
+              <a:ext uri="{FF2B5EF4-FFF2-40B4-BE49-F238E27FC236}">
+                <a16:creationId xmlns:a16="http://schemas.microsoft.com/office/drawing/2014/main" id="{5F6A5F1B-9BCF-4E0E-9255-754F2B0DD565}"/>
+              </a:ext>
+            </a:extLst>
+          </p:cNvPr>
+          <p:cNvSpPr>
+            <a:spLocks noGrp="1"/>
+          </p:cNvSpPr>
+          <p:nvPr>
+            <p:ph sz="quarter" idx="10"/>
+          </p:nvPr>
+        </p:nvSpPr>
+        <p:spPr>
+          <a:xfrm>
+            <a:off x="539496" y="1435607"/>
+            <a:ext cx="6568206" cy="5028853"/>
+          </a:xfrm>
+        </p:spPr>
+        <p:txBody>
+          <a:bodyPr/>
+          <a:lstStyle/>
+          <a:p>
+            <a:r>
+              <a:rPr lang="en-US" dirty="0"/>
+              <a:t>One thing we did not talk about is </a:t>
+            </a:r>
+            <a:r>
+              <a:rPr lang="en-US" b="1" dirty="0">
+                <a:solidFill>
+                  <a:srgbClr val="FF0000"/>
+                </a:solidFill>
+              </a:rPr>
+              <a:t>error handling</a:t>
+            </a:r>
+            <a:r>
+              <a:rPr lang="en-US" dirty="0"/>
+              <a:t>, and how this can cause connection leaks. </a:t>
+            </a:r>
+          </a:p>
+          <a:p>
+            <a:r>
+              <a:rPr lang="en-US" dirty="0"/>
+              <a:t>When a block of code fails using a database connection, it may skip over the line of code releasing the database connection.</a:t>
+            </a:r>
+          </a:p>
+          <a:p>
+            <a:r>
+              <a:rPr lang="en-US" dirty="0"/>
+              <a:t>To handle this, we can always make sure to dispose the connection in a </a:t>
+            </a:r>
+            <a:r>
+              <a:rPr lang="en-US" b="1" dirty="0"/>
+              <a:t>try-catch-finally</a:t>
+            </a:r>
+            <a:r>
+              <a:rPr lang="en-US" dirty="0"/>
+              <a:t> block so the connection is let go regardless if the operation is successful. </a:t>
+            </a:r>
+          </a:p>
+          <a:p>
+            <a:r>
+              <a:rPr lang="en-US" dirty="0"/>
+              <a:t>When available, libraries and specialized language features can automatically handle the disposal of connections in a block of code as well. </a:t>
+            </a:r>
+          </a:p>
+        </p:txBody>
+      </p:sp>
+      <p:pic>
+        <p:nvPicPr>
+          <p:cNvPr id="7" name="Picture 6" descr="A red car parked in a parking lot&#10;&#10;Description automatically generated">
+            <a:extLst>
+              <a:ext uri="{FF2B5EF4-FFF2-40B4-BE49-F238E27FC236}">
+                <a16:creationId xmlns:a16="http://schemas.microsoft.com/office/drawing/2014/main" id="{1460BFDA-37D9-4BD7-AD3B-8B68E69A5462}"/>
+              </a:ext>
+            </a:extLst>
+          </p:cNvPr>
+          <p:cNvPicPr>
+            <a:picLocks noChangeAspect="1"/>
+          </p:cNvPicPr>
+          <p:nvPr/>
+        </p:nvPicPr>
+        <p:blipFill>
+          <a:blip r:embed="rId2" cstate="print">
+            <a:extLst>
+              <a:ext uri="{28A0092B-C50C-407E-A947-70E740481C1C}">
+                <a14:useLocalDpi xmlns:a14="http://schemas.microsoft.com/office/drawing/2010/main" val="0"/>
+              </a:ext>
+            </a:extLst>
+          </a:blip>
+          <a:stretch>
+            <a:fillRect/>
+          </a:stretch>
+        </p:blipFill>
+        <p:spPr>
+          <a:xfrm>
+            <a:off x="7107702" y="1435608"/>
+            <a:ext cx="4437051" cy="2795286"/>
+          </a:xfrm>
+          <a:prstGeom prst="rect">
+            <a:avLst/>
+          </a:prstGeom>
+        </p:spPr>
+      </p:pic>
+    </p:spTree>
+    <p:extLst>
+      <p:ext uri="{BB962C8B-B14F-4D97-AF65-F5344CB8AC3E}">
+        <p14:creationId xmlns:p14="http://schemas.microsoft.com/office/powerpoint/2010/main" val="2145058992"/>
+      </p:ext>
+    </p:extLst>
+  </p:cSld>
+  <p:clrMapOvr>
+    <a:masterClrMapping/>
+  </p:clrMapOvr>
+</p:sld>
+</file>
+
+<file path=ppt/slides/slide25.xml><?xml version="1.0" encoding="utf-8"?>
+<p:sld xmlns:a="http://schemas.openxmlformats.org/drawingml/2006/main" xmlns:r="http://schemas.openxmlformats.org/officeDocument/2006/relationships" xmlns:p="http://schemas.openxmlformats.org/presentationml/2006/main">
+  <p:cSld>
+    <p:spTree>
+      <p:nvGrpSpPr>
+        <p:cNvPr id="1" name=""/>
+        <p:cNvGrpSpPr/>
+        <p:nvPr/>
+      </p:nvGrpSpPr>
+      <p:grpSpPr>
+        <a:xfrm>
+          <a:off x="0" y="0"/>
+          <a:ext cx="0" cy="0"/>
+          <a:chOff x="0" y="0"/>
+          <a:chExt cx="0" cy="0"/>
+        </a:xfrm>
+      </p:grpSpPr>
+      <p:sp>
+        <p:nvSpPr>
+          <p:cNvPr id="2" name="Content Placeholder 1"/>
+          <p:cNvSpPr>
+            <a:spLocks noGrp="1"/>
+          </p:cNvSpPr>
+          <p:nvPr>
+            <p:ph sz="half" idx="2"/>
+          </p:nvPr>
+        </p:nvSpPr>
+        <p:spPr>
+          <a:xfrm>
+            <a:off x="541612" y="1431014"/>
+            <a:ext cx="8644333" cy="3978275"/>
+          </a:xfrm>
+        </p:spPr>
+        <p:txBody>
+          <a:bodyPr/>
+          <a:lstStyle/>
+          <a:p>
+            <a:pPr lvl="0">
+              <a:tabLst>
+                <a:tab pos="0" algn="l"/>
+              </a:tabLst>
+            </a:pPr>
+            <a:r>
+              <a:rPr lang="en-US" dirty="0">
+                <a:solidFill>
+                  <a:srgbClr val="404040"/>
+                </a:solidFill>
+                <a:latin typeface="Segoe UI" pitchFamily="34"/>
+              </a:rPr>
+              <a:t>To prevent SQL injection, </a:t>
+            </a:r>
+            <a:r>
+              <a:rPr lang="en-US" i="1" dirty="0">
+                <a:solidFill>
+                  <a:srgbClr val="404040"/>
+                </a:solidFill>
+                <a:latin typeface="Segoe UI" pitchFamily="34"/>
+              </a:rPr>
+              <a:t>never</a:t>
+            </a:r>
+            <a:r>
+              <a:rPr lang="en-US" dirty="0">
+                <a:solidFill>
+                  <a:srgbClr val="404040"/>
+                </a:solidFill>
+                <a:latin typeface="Segoe UI" pitchFamily="34"/>
+              </a:rPr>
+              <a:t> concatenate a SQL string with parameters</a:t>
+            </a:r>
+          </a:p>
+          <a:p>
+            <a:pPr lvl="0">
+              <a:tabLst>
+                <a:tab pos="0" algn="l"/>
+              </a:tabLst>
+            </a:pPr>
+            <a:r>
+              <a:rPr lang="en-US" dirty="0">
+                <a:solidFill>
+                  <a:srgbClr val="404040"/>
+                </a:solidFill>
+                <a:latin typeface="Segoe UI" pitchFamily="34"/>
+              </a:rPr>
+              <a:t>Instead, use the right tools and libraries to safely inject parameters for you</a:t>
+            </a:r>
+          </a:p>
+          <a:p>
+            <a:pPr lvl="0">
+              <a:tabLst>
+                <a:tab pos="0" algn="l"/>
+              </a:tabLst>
+            </a:pPr>
+            <a:r>
+              <a:rPr lang="en-US" i="1" dirty="0">
+                <a:solidFill>
+                  <a:srgbClr val="404040"/>
+                </a:solidFill>
+                <a:latin typeface="Segoe UI" pitchFamily="34"/>
+              </a:rPr>
+              <a:t>For Python, use </a:t>
+            </a:r>
+            <a:r>
+              <a:rPr lang="en-US" i="1" dirty="0" err="1">
+                <a:solidFill>
+                  <a:srgbClr val="404040"/>
+                </a:solidFill>
+                <a:latin typeface="Segoe UI" pitchFamily="34"/>
+              </a:rPr>
+              <a:t>SQLAlchemy</a:t>
+            </a:r>
+            <a:endParaRPr lang="en-US" i="1" dirty="0">
+              <a:solidFill>
+                <a:srgbClr val="404040"/>
+              </a:solidFill>
+              <a:latin typeface="Segoe UI" pitchFamily="34"/>
+            </a:endParaRPr>
+          </a:p>
+          <a:p>
+            <a:endParaRPr lang="en-US" dirty="0"/>
+          </a:p>
+        </p:txBody>
+      </p:sp>
+      <p:sp>
+        <p:nvSpPr>
+          <p:cNvPr id="3" name="Title 2"/>
+          <p:cNvSpPr>
+            <a:spLocks noGrp="1"/>
+          </p:cNvSpPr>
+          <p:nvPr>
+            <p:ph type="title"/>
+          </p:nvPr>
+        </p:nvSpPr>
+        <p:spPr/>
+        <p:txBody>
+          <a:bodyPr/>
+          <a:lstStyle/>
+          <a:p>
+            <a:r>
+              <a:rPr lang="en-US" dirty="0"/>
+              <a:t>Preventing SQL Injection	</a:t>
+            </a:r>
+          </a:p>
+        </p:txBody>
+      </p:sp>
+      <p:pic>
+        <p:nvPicPr>
+          <p:cNvPr id="4" name="Picture 3"/>
+          <p:cNvPicPr>
+            <a:picLocks noChangeAspect="1"/>
+          </p:cNvPicPr>
+          <p:nvPr/>
+        </p:nvPicPr>
+        <p:blipFill>
+          <a:blip r:embed="rId2">
+            <a:lum/>
+            <a:alphaModFix/>
+          </a:blip>
+          <a:srcRect/>
+          <a:stretch>
+            <a:fillRect/>
+          </a:stretch>
+        </p:blipFill>
+        <p:spPr>
+          <a:xfrm>
+            <a:off x="1411198" y="2967418"/>
+            <a:ext cx="6905160" cy="2229839"/>
+          </a:xfrm>
+          <a:prstGeom prst="rect">
+            <a:avLst/>
+          </a:prstGeom>
+          <a:noFill/>
+          <a:ln>
+            <a:noFill/>
+          </a:ln>
+        </p:spPr>
+      </p:pic>
+      <p:pic>
+        <p:nvPicPr>
+          <p:cNvPr id="5" name="Picture 4"/>
+          <p:cNvPicPr>
+            <a:picLocks noChangeAspect="1"/>
+          </p:cNvPicPr>
+          <p:nvPr/>
+        </p:nvPicPr>
+        <p:blipFill>
+          <a:blip r:embed="rId3">
+            <a:lum/>
+            <a:alphaModFix/>
+          </a:blip>
+          <a:srcRect/>
+          <a:stretch>
+            <a:fillRect/>
+          </a:stretch>
+        </p:blipFill>
+        <p:spPr>
+          <a:xfrm>
+            <a:off x="9185944" y="2391417"/>
+            <a:ext cx="2138400" cy="2805840"/>
+          </a:xfrm>
+          <a:prstGeom prst="rect">
+            <a:avLst/>
+          </a:prstGeom>
+          <a:noFill/>
+          <a:ln>
+            <a:noFill/>
+          </a:ln>
+        </p:spPr>
+      </p:pic>
+      <p:sp>
+        <p:nvSpPr>
+          <p:cNvPr id="6" name="Rectangle 5"/>
+          <p:cNvSpPr/>
+          <p:nvPr/>
+        </p:nvSpPr>
+        <p:spPr>
+          <a:xfrm>
+            <a:off x="5335990" y="5224623"/>
+            <a:ext cx="2980368" cy="923330"/>
+          </a:xfrm>
+          <a:prstGeom prst="rect">
+            <a:avLst/>
+          </a:prstGeom>
+        </p:spPr>
+        <p:txBody>
+          <a:bodyPr wrap="none">
+            <a:spAutoFit/>
+          </a:bodyPr>
+          <a:lstStyle/>
+          <a:p>
+            <a:r>
+              <a:rPr lang="en-US" i="1" dirty="0"/>
+              <a:t>More info at: </a:t>
+            </a:r>
+            <a:endParaRPr lang="en-US" dirty="0"/>
+          </a:p>
+          <a:p>
+            <a:r>
+              <a:rPr lang="en-US" dirty="0">
+                <a:hlinkClick r:id="rId4"/>
+              </a:rPr>
+              <a:t>http://www.sqlalchemy.org/</a:t>
+            </a:r>
+            <a:endParaRPr lang="en-US" dirty="0"/>
+          </a:p>
+          <a:p>
+            <a:endParaRPr lang="en-US" dirty="0"/>
+          </a:p>
+        </p:txBody>
+      </p:sp>
+    </p:spTree>
+    <p:extLst>
+      <p:ext uri="{BB962C8B-B14F-4D97-AF65-F5344CB8AC3E}">
+        <p14:creationId xmlns:p14="http://schemas.microsoft.com/office/powerpoint/2010/main" val="343667891"/>
+      </p:ext>
+    </p:extLst>
+  </p:cSld>
+  <p:clrMapOvr>
+    <a:masterClrMapping/>
+  </p:clrMapOvr>
+  <p:timing>
+    <p:tnLst>
+      <p:par>
+        <p:cTn id="1" dur="indefinite" restart="never" nodeType="tmRoot">
+          <p:childTnLst>
+            <p:seq concurrent="1" nextAc="seek">
+              <p:cTn id="2" dur="indefinite" nodeType="mainSeq">
+                <p:childTnLst>
+                  <p:par>
+                    <p:cTn id="3" fill="hold">
+                      <p:stCondLst>
+                        <p:cond delay="indefinite"/>
+                      </p:stCondLst>
+                      <p:childTnLst>
+                        <p:par>
+                          <p:cTn id="4" fill="hold">
+                            <p:stCondLst>
+                              <p:cond delay="0"/>
+                            </p:stCondLst>
+                            <p:childTnLst>
+                              <p:par>
+                                <p:cTn id="5" presetID="1" presetClass="entr" presetSubtype="0" fill="hold" nodeType="clickEffect">
+                                  <p:stCondLst>
+                                    <p:cond delay="0"/>
+                                  </p:stCondLst>
+                                  <p:childTnLst>
+                                    <p:set>
+                                      <p:cBhvr>
+                                        <p:cTn id="6" dur="1" fill="hold">
+                                          <p:stCondLst>
+                                            <p:cond delay="0"/>
+                                          </p:stCondLst>
+                                        </p:cTn>
+                                        <p:tgtEl>
+                                          <p:spTgt spid="2">
+                                            <p:txEl>
+                                              <p:pRg st="0" end="0"/>
+                                            </p:txEl>
+                                          </p:spTgt>
+                                        </p:tgtEl>
+                                        <p:attrNameLst>
+                                          <p:attrName>style.visibility</p:attrName>
+                                        </p:attrNameLst>
+                                      </p:cBhvr>
+                                      <p:to>
+                                        <p:strVal val="visible"/>
+                                      </p:to>
+                                    </p:set>
+                                  </p:childTnLst>
+                                </p:cTn>
+                              </p:par>
+                            </p:childTnLst>
+                          </p:cTn>
+                        </p:par>
+                      </p:childTnLst>
+                    </p:cTn>
+                  </p:par>
+                  <p:par>
+                    <p:cTn id="7" fill="hold">
+                      <p:stCondLst>
+                        <p:cond delay="indefinite"/>
+                      </p:stCondLst>
+                      <p:childTnLst>
+                        <p:par>
+                          <p:cTn id="8" fill="hold">
+                            <p:stCondLst>
+                              <p:cond delay="0"/>
+                            </p:stCondLst>
+                            <p:childTnLst>
+                              <p:par>
+                                <p:cTn id="9" presetID="1" presetClass="entr" presetSubtype="0" fill="hold" nodeType="clickEffect">
+                                  <p:stCondLst>
+                                    <p:cond delay="0"/>
+                                  </p:stCondLst>
+                                  <p:childTnLst>
+                                    <p:set>
+                                      <p:cBhvr>
+                                        <p:cTn id="10" dur="1" fill="hold">
+                                          <p:stCondLst>
+                                            <p:cond delay="0"/>
+                                          </p:stCondLst>
+                                        </p:cTn>
+                                        <p:tgtEl>
+                                          <p:spTgt spid="2">
+                                            <p:txEl>
+                                              <p:pRg st="1" end="1"/>
+                                            </p:txEl>
+                                          </p:spTgt>
+                                        </p:tgtEl>
+                                        <p:attrNameLst>
+                                          <p:attrName>style.visibility</p:attrName>
+                                        </p:attrNameLst>
+                                      </p:cBhvr>
+                                      <p:to>
+                                        <p:strVal val="visible"/>
+                                      </p:to>
+                                    </p:set>
+                                  </p:childTnLst>
+                                </p:cTn>
+                              </p:par>
+                            </p:childTnLst>
+                          </p:cTn>
+                        </p:par>
+                      </p:childTnLst>
+                    </p:cTn>
+                  </p:par>
+                  <p:par>
+                    <p:cTn id="11" fill="hold">
+                      <p:stCondLst>
+                        <p:cond delay="indefinite"/>
+                      </p:stCondLst>
+                      <p:childTnLst>
+                        <p:par>
+                          <p:cTn id="12" fill="hold">
+                            <p:stCondLst>
+                              <p:cond delay="0"/>
+                            </p:stCondLst>
+                            <p:childTnLst>
+                              <p:par>
+                                <p:cTn id="13" presetID="1" presetClass="entr" presetSubtype="0" fill="hold" nodeType="clickEffect">
+                                  <p:stCondLst>
+                                    <p:cond delay="0"/>
+                                  </p:stCondLst>
+                                  <p:childTnLst>
+                                    <p:set>
+                                      <p:cBhvr>
+                                        <p:cTn id="14" dur="1" fill="hold">
+                                          <p:stCondLst>
+                                            <p:cond delay="0"/>
+                                          </p:stCondLst>
+                                        </p:cTn>
+                                        <p:tgtEl>
+                                          <p:spTgt spid="2">
+                                            <p:txEl>
+                                              <p:pRg st="2" end="2"/>
+                                            </p:txEl>
+                                          </p:spTgt>
+                                        </p:tgtEl>
+                                        <p:attrNameLst>
+                                          <p:attrName>style.visibility</p:attrName>
+                                        </p:attrNameLst>
+                                      </p:cBhvr>
+                                      <p:to>
+                                        <p:strVal val="visible"/>
+                                      </p:to>
+                                    </p:set>
+                                  </p:childTnLst>
+                                </p:cTn>
+                              </p:par>
+                            </p:childTnLst>
+                          </p:cTn>
+                        </p:par>
+                      </p:childTnLst>
+                    </p:cTn>
+                  </p:par>
+                  <p:par>
+                    <p:cTn id="15" fill="hold">
+                      <p:stCondLst>
+                        <p:cond delay="indefinite"/>
+                      </p:stCondLst>
+                      <p:childTnLst>
+                        <p:par>
+                          <p:cTn id="16" fill="hold">
+                            <p:stCondLst>
+                              <p:cond delay="0"/>
+                            </p:stCondLst>
+                            <p:childTnLst>
+                              <p:par>
+                                <p:cTn id="17" presetID="1" presetClass="entr" presetSubtype="0" fill="hold" nodeType="clickEffect">
+                                  <p:stCondLst>
+                                    <p:cond delay="0"/>
+                                  </p:stCondLst>
+                                  <p:childTnLst>
+                                    <p:set>
+                                      <p:cBhvr>
+                                        <p:cTn id="18" dur="1" fill="hold">
+                                          <p:stCondLst>
+                                            <p:cond delay="0"/>
+                                          </p:stCondLst>
+                                        </p:cTn>
+                                        <p:tgtEl>
+                                          <p:spTgt spid="4"/>
+                                        </p:tgtEl>
+                                        <p:attrNameLst>
+                                          <p:attrName>style.visibility</p:attrName>
+                                        </p:attrNameLst>
+                                      </p:cBhvr>
+                                      <p:to>
+                                        <p:strVal val="visible"/>
+                                      </p:to>
+                                    </p:set>
+                                  </p:childTnLst>
+                                </p:cTn>
+                              </p:par>
+                            </p:childTnLst>
+                          </p:cTn>
+                        </p:par>
+                      </p:childTnLst>
+                    </p:cTn>
+                  </p:par>
+                  <p:par>
+                    <p:cTn id="19" fill="hold">
+                      <p:stCondLst>
+                        <p:cond delay="indefinite"/>
+                      </p:stCondLst>
+                      <p:childTnLst>
+                        <p:par>
+                          <p:cTn id="20" fill="hold">
+                            <p:stCondLst>
+                              <p:cond delay="0"/>
+                            </p:stCondLst>
+                            <p:childTnLst>
+                              <p:par>
+                                <p:cTn id="21" presetID="1" presetClass="entr" presetSubtype="0" fill="hold" nodeType="clickEffect">
+                                  <p:stCondLst>
+                                    <p:cond delay="0"/>
+                                  </p:stCondLst>
+                                  <p:childTnLst>
+                                    <p:set>
+                                      <p:cBhvr>
+                                        <p:cTn id="22" dur="1" fill="hold">
+                                          <p:stCondLst>
+                                            <p:cond delay="0"/>
+                                          </p:stCondLst>
+                                        </p:cTn>
+                                        <p:tgtEl>
+                                          <p:spTgt spid="5"/>
+                                        </p:tgtEl>
+                                        <p:attrNameLst>
+                                          <p:attrName>style.visibility</p:attrName>
+                                        </p:attrNameLst>
+                                      </p:cBhvr>
+                                      <p:to>
+                                        <p:strVal val="visible"/>
+                                      </p:to>
+                                    </p:set>
+                                  </p:childTnLst>
+                                </p:cTn>
+                              </p:par>
+                              <p:par>
+                                <p:cTn id="23" presetID="1" presetClass="entr" presetSubtype="0" fill="hold" grpId="0" nodeType="withEffect">
+                                  <p:stCondLst>
+                                    <p:cond delay="0"/>
+                                  </p:stCondLst>
+                                  <p:childTnLst>
+                                    <p:set>
+                                      <p:cBhvr>
+                                        <p:cTn id="24" dur="1" fill="hold">
+                                          <p:stCondLst>
+                                            <p:cond delay="0"/>
+                                          </p:stCondLst>
+                                        </p:cTn>
+                                        <p:tgtEl>
+                                          <p:spTgt spid="6"/>
+                                        </p:tgtEl>
+                                        <p:attrNameLst>
+                                          <p:attrName>style.visibility</p:attrName>
+                                        </p:attrNameLst>
+                                      </p:cBhvr>
+                                      <p:to>
+                                        <p:strVal val="visible"/>
+                                      </p:to>
+                                    </p:set>
+                                  </p:childTnLst>
+                                </p:cTn>
+                              </p:par>
+                            </p:childTnLst>
+                          </p:cTn>
+                        </p:par>
+                      </p:childTnLst>
+                    </p:cTn>
+                  </p:par>
+                </p:childTnLst>
+              </p:cTn>
+              <p:prevCondLst>
+                <p:cond evt="onPrev" delay="0">
+                  <p:tgtEl>
+                    <p:sldTgt/>
+                  </p:tgtEl>
+                </p:cond>
+              </p:prevCondLst>
+              <p:nextCondLst>
+                <p:cond evt="onNext" delay="0">
+                  <p:tgtEl>
+                    <p:sldTgt/>
+                  </p:tgtEl>
+                </p:cond>
+              </p:nextCondLst>
+            </p:seq>
+          </p:childTnLst>
+        </p:cTn>
+      </p:par>
+    </p:tnLst>
+    <p:bldLst>
+      <p:bldP spid="6" grpId="0"/>
+    </p:bldLst>
+  </p:timing>
+</p:sld>
+</file>
+
+<file path=ppt/slides/slide26.xml><?xml version="1.0" encoding="utf-8"?>
+<p:sld xmlns:a="http://schemas.openxmlformats.org/drawingml/2006/main" xmlns:r="http://schemas.openxmlformats.org/officeDocument/2006/relationships" xmlns:p="http://schemas.openxmlformats.org/presentationml/2006/main">
+  <p:cSld>
+    <p:spTree>
+      <p:nvGrpSpPr>
+        <p:cNvPr id="1" name=""/>
+        <p:cNvGrpSpPr/>
+        <p:nvPr/>
+      </p:nvGrpSpPr>
+      <p:grpSpPr>
+        <a:xfrm>
+          <a:off x="0" y="0"/>
+          <a:ext cx="0" cy="0"/>
+          <a:chOff x="0" y="0"/>
+          <a:chExt cx="0" cy="0"/>
+        </a:xfrm>
+      </p:grpSpPr>
+      <p:sp>
+        <p:nvSpPr>
+          <p:cNvPr id="2" name="Content Placeholder 1"/>
+          <p:cNvSpPr>
+            <a:spLocks noGrp="1"/>
+          </p:cNvSpPr>
+          <p:nvPr>
+            <p:ph sz="half" idx="2"/>
+          </p:nvPr>
+        </p:nvSpPr>
+        <p:spPr>
+          <a:xfrm>
+            <a:off x="541612" y="1431014"/>
+            <a:ext cx="8879225" cy="3978275"/>
+          </a:xfrm>
+        </p:spPr>
+        <p:txBody>
+          <a:bodyPr/>
+          <a:lstStyle/>
+          <a:p>
+            <a:pPr marL="0" indent="0">
+              <a:buNone/>
+            </a:pPr>
+            <a:r>
+              <a:rPr lang="en-US" i="1" dirty="0">
+                <a:solidFill>
+                  <a:srgbClr val="404040"/>
+                </a:solidFill>
+                <a:latin typeface="Segoe UI" pitchFamily="34"/>
+              </a:rPr>
+              <a:t>For Java, Scala, Kotlin, and other JVM languages use JDBC’s </a:t>
+            </a:r>
+            <a:r>
+              <a:rPr lang="en-US" i="1" dirty="0" err="1">
+                <a:solidFill>
+                  <a:srgbClr val="404040"/>
+                </a:solidFill>
+                <a:latin typeface="Segoe UI" pitchFamily="34"/>
+              </a:rPr>
+              <a:t>PreparedStatement</a:t>
+            </a:r>
+            <a:endParaRPr lang="en-US" i="1" dirty="0">
+              <a:solidFill>
+                <a:srgbClr val="404040"/>
+              </a:solidFill>
+              <a:latin typeface="Segoe UI" pitchFamily="34"/>
+            </a:endParaRPr>
+          </a:p>
+          <a:p>
+            <a:endParaRPr lang="en-US" dirty="0"/>
+          </a:p>
+        </p:txBody>
+      </p:sp>
+      <p:sp>
+        <p:nvSpPr>
+          <p:cNvPr id="3" name="Title 2"/>
+          <p:cNvSpPr>
+            <a:spLocks noGrp="1"/>
+          </p:cNvSpPr>
+          <p:nvPr>
+            <p:ph type="title"/>
+          </p:nvPr>
+        </p:nvSpPr>
+        <p:spPr/>
+        <p:txBody>
+          <a:bodyPr/>
+          <a:lstStyle/>
+          <a:p>
+            <a:r>
+              <a:rPr lang="en-US" dirty="0"/>
+              <a:t>Preventing SQL Injection</a:t>
+            </a:r>
+          </a:p>
+        </p:txBody>
+      </p:sp>
+      <p:pic>
+        <p:nvPicPr>
+          <p:cNvPr id="4" name="Picture 3"/>
+          <p:cNvPicPr>
+            <a:picLocks noChangeAspect="1"/>
+          </p:cNvPicPr>
+          <p:nvPr/>
+        </p:nvPicPr>
+        <p:blipFill>
+          <a:blip r:embed="rId2">
+            <a:lum/>
+            <a:alphaModFix/>
+          </a:blip>
+          <a:srcRect/>
+          <a:stretch>
+            <a:fillRect/>
+          </a:stretch>
+        </p:blipFill>
+        <p:spPr>
+          <a:xfrm>
+            <a:off x="541612" y="2079762"/>
+            <a:ext cx="7955280" cy="2870640"/>
+          </a:xfrm>
+          <a:prstGeom prst="rect">
+            <a:avLst/>
+          </a:prstGeom>
+          <a:noFill/>
+          <a:ln>
+            <a:noFill/>
+          </a:ln>
+        </p:spPr>
+      </p:pic>
+      <p:sp>
+        <p:nvSpPr>
+          <p:cNvPr id="5" name="TextBox 4"/>
+          <p:cNvSpPr txBox="1"/>
+          <p:nvPr/>
+        </p:nvSpPr>
+        <p:spPr>
+          <a:xfrm>
+            <a:off x="541612" y="5004553"/>
+            <a:ext cx="8152786" cy="887251"/>
+          </a:xfrm>
+          <a:prstGeom prst="rect">
+            <a:avLst/>
+          </a:prstGeom>
+          <a:noFill/>
+          <a:ln>
+            <a:noFill/>
+          </a:ln>
+        </p:spPr>
+        <p:txBody>
+          <a:bodyPr vert="horz" wrap="none" lIns="90000" tIns="45000" rIns="90000" bIns="45000" anchorCtr="0" compatLnSpc="0">
+            <a:spAutoFit/>
+          </a:bodyPr>
+          <a:lstStyle/>
+          <a:p>
+            <a:pPr marL="0" marR="0" lvl="0" indent="0" rtl="0" hangingPunct="1">
+              <a:lnSpc>
+                <a:spcPct val="100000"/>
+              </a:lnSpc>
+              <a:spcBef>
+                <a:spcPts val="0"/>
+              </a:spcBef>
+              <a:spcAft>
+                <a:spcPts val="0"/>
+              </a:spcAft>
+              <a:buNone/>
+              <a:tabLst/>
+            </a:pPr>
+            <a:r>
+              <a:rPr lang="en-US" sz="1800" b="0" i="1" u="none" strike="noStrike" kern="1200" cap="none" dirty="0">
+                <a:ln>
+                  <a:noFill/>
+                </a:ln>
+                <a:latin typeface="Source Sans Pro" pitchFamily="34"/>
+                <a:ea typeface="源ノ角ゴシック Normal" pitchFamily="2"/>
+                <a:cs typeface="FreeSans" pitchFamily="2"/>
+              </a:rPr>
+              <a:t>More info at: </a:t>
+            </a:r>
+          </a:p>
+          <a:p>
+            <a:pPr marL="0" marR="0" lvl="0" indent="0" rtl="0" hangingPunct="1">
+              <a:lnSpc>
+                <a:spcPct val="100000"/>
+              </a:lnSpc>
+              <a:spcBef>
+                <a:spcPts val="0"/>
+              </a:spcBef>
+              <a:spcAft>
+                <a:spcPts val="0"/>
+              </a:spcAft>
+              <a:buNone/>
+              <a:tabLst/>
+            </a:pPr>
+            <a:r>
+              <a:rPr lang="en-US" sz="1800" b="0" i="1" u="none" strike="noStrike" kern="1200" cap="none" dirty="0">
+                <a:ln>
+                  <a:noFill/>
+                </a:ln>
+                <a:latin typeface="Source Sans Pro" pitchFamily="34"/>
+                <a:ea typeface="源ノ角ゴシック Normal" pitchFamily="2"/>
+                <a:cs typeface="FreeSans" pitchFamily="2"/>
+                <a:hlinkClick r:id="rId3"/>
+              </a:rPr>
+              <a:t>http://tutorials.jenkov.com/jdbc/index.html</a:t>
+            </a:r>
+            <a:endParaRPr lang="en-US" sz="1800" b="0" i="1" u="none" strike="noStrike" kern="1200" cap="none" dirty="0">
+              <a:ln>
+                <a:noFill/>
+              </a:ln>
+              <a:latin typeface="Source Sans Pro" pitchFamily="34"/>
+              <a:ea typeface="源ノ角ゴシック Normal" pitchFamily="2"/>
+              <a:cs typeface="FreeSans" pitchFamily="2"/>
+            </a:endParaRPr>
+          </a:p>
+          <a:p>
+            <a:pPr lvl="0"/>
+            <a:r>
+              <a:rPr lang="en-US" i="1" dirty="0">
+                <a:latin typeface="Source Sans Pro" pitchFamily="34"/>
+                <a:ea typeface="源ノ角ゴシック Normal" pitchFamily="2"/>
+                <a:cs typeface="FreeSans" pitchFamily="2"/>
+                <a:hlinkClick r:id="rId4"/>
+              </a:rPr>
+              <a:t>http://www.marcobehler.com/make-it-so-java-db-connections-and-transactions</a:t>
+            </a:r>
+            <a:endParaRPr lang="en-US" i="1" dirty="0">
+              <a:latin typeface="Source Sans Pro" pitchFamily="34"/>
+              <a:ea typeface="源ノ角ゴシック Normal" pitchFamily="2"/>
+              <a:cs typeface="FreeSans" pitchFamily="2"/>
+            </a:endParaRPr>
+          </a:p>
+        </p:txBody>
+      </p:sp>
+    </p:spTree>
+    <p:extLst>
+      <p:ext uri="{BB962C8B-B14F-4D97-AF65-F5344CB8AC3E}">
+        <p14:creationId xmlns:p14="http://schemas.microsoft.com/office/powerpoint/2010/main" val="3368795864"/>
+      </p:ext>
+    </p:extLst>
+  </p:cSld>
+  <p:clrMapOvr>
+    <a:masterClrMapping/>
+  </p:clrMapOvr>
+</p:sld>
+</file>
+
+<file path=ppt/slides/slide27.xml><?xml version="1.0" encoding="utf-8"?>
+<p:sld xmlns:a="http://schemas.openxmlformats.org/drawingml/2006/main" xmlns:r="http://schemas.openxmlformats.org/officeDocument/2006/relationships" xmlns:p="http://schemas.openxmlformats.org/presentationml/2006/main">
+  <p:cSld>
+    <p:spTree>
+      <p:nvGrpSpPr>
+        <p:cNvPr id="1" name=""/>
+        <p:cNvGrpSpPr/>
+        <p:nvPr/>
+      </p:nvGrpSpPr>
+      <p:grpSpPr>
+        <a:xfrm>
+          <a:off x="0" y="0"/>
+          <a:ext cx="0" cy="0"/>
+          <a:chOff x="0" y="0"/>
+          <a:chExt cx="0" cy="0"/>
+        </a:xfrm>
+      </p:grpSpPr>
+      <p:sp>
+        <p:nvSpPr>
+          <p:cNvPr id="3" name="Title 2">
+            <a:extLst>
+              <a:ext uri="{FF2B5EF4-FFF2-40B4-BE49-F238E27FC236}">
+                <a16:creationId xmlns:a16="http://schemas.microsoft.com/office/drawing/2014/main" id="{01488060-F89A-4683-98CE-EC4F0F034F4D}"/>
+              </a:ext>
+            </a:extLst>
+          </p:cNvPr>
+          <p:cNvSpPr>
+            <a:spLocks noGrp="1"/>
+          </p:cNvSpPr>
+          <p:nvPr>
+            <p:ph type="title"/>
+          </p:nvPr>
+        </p:nvSpPr>
+        <p:spPr/>
+        <p:txBody>
+          <a:bodyPr/>
+          <a:lstStyle/>
+          <a:p>
+            <a:r>
+              <a:rPr lang="en-US" dirty="0"/>
+              <a:t>SQL Injection Humor</a:t>
+            </a:r>
+          </a:p>
+        </p:txBody>
+      </p:sp>
+      <p:pic>
+        <p:nvPicPr>
+          <p:cNvPr id="5" name="Picture 4">
+            <a:extLst>
+              <a:ext uri="{FF2B5EF4-FFF2-40B4-BE49-F238E27FC236}">
+                <a16:creationId xmlns:a16="http://schemas.microsoft.com/office/drawing/2014/main" id="{CE282F8B-A096-4A4D-91D5-C9E4EE414764}"/>
+              </a:ext>
+            </a:extLst>
+          </p:cNvPr>
+          <p:cNvPicPr>
+            <a:picLocks noChangeAspect="1"/>
+          </p:cNvPicPr>
+          <p:nvPr/>
+        </p:nvPicPr>
+        <p:blipFill>
+          <a:blip r:embed="rId2">
+            <a:extLst>
+              <a:ext uri="{28A0092B-C50C-407E-A947-70E740481C1C}">
+                <a14:useLocalDpi xmlns:a14="http://schemas.microsoft.com/office/drawing/2010/main" val="0"/>
+              </a:ext>
+            </a:extLst>
+          </a:blip>
+          <a:stretch>
+            <a:fillRect/>
+          </a:stretch>
+        </p:blipFill>
+        <p:spPr>
+          <a:xfrm>
+            <a:off x="521207" y="1474470"/>
+            <a:ext cx="5048250" cy="1817370"/>
+          </a:xfrm>
+          <a:prstGeom prst="rect">
+            <a:avLst/>
+          </a:prstGeom>
+        </p:spPr>
+      </p:pic>
+      <p:pic>
+        <p:nvPicPr>
+          <p:cNvPr id="7" name="Picture 6">
+            <a:extLst>
+              <a:ext uri="{FF2B5EF4-FFF2-40B4-BE49-F238E27FC236}">
+                <a16:creationId xmlns:a16="http://schemas.microsoft.com/office/drawing/2014/main" id="{64F2FB91-B8EF-463A-B9AA-1228E54BDC6B}"/>
+              </a:ext>
+            </a:extLst>
+          </p:cNvPr>
+          <p:cNvPicPr>
+            <a:picLocks noChangeAspect="1"/>
+          </p:cNvPicPr>
+          <p:nvPr/>
+        </p:nvPicPr>
+        <p:blipFill>
+          <a:blip r:embed="rId3" cstate="print">
+            <a:extLst>
+              <a:ext uri="{28A0092B-C50C-407E-A947-70E740481C1C}">
+                <a14:useLocalDpi xmlns:a14="http://schemas.microsoft.com/office/drawing/2010/main" val="0"/>
+              </a:ext>
+            </a:extLst>
+          </a:blip>
+          <a:stretch>
+            <a:fillRect/>
+          </a:stretch>
+        </p:blipFill>
+        <p:spPr>
+          <a:xfrm>
+            <a:off x="5981700" y="1441134"/>
+            <a:ext cx="5244551" cy="2970344"/>
+          </a:xfrm>
+          <a:prstGeom prst="rect">
+            <a:avLst/>
+          </a:prstGeom>
+        </p:spPr>
+      </p:pic>
+      <p:pic>
+        <p:nvPicPr>
+          <p:cNvPr id="9" name="Picture 8">
+            <a:extLst>
+              <a:ext uri="{FF2B5EF4-FFF2-40B4-BE49-F238E27FC236}">
+                <a16:creationId xmlns:a16="http://schemas.microsoft.com/office/drawing/2014/main" id="{9024049F-EDB5-4C7A-9352-53FEC948941D}"/>
+              </a:ext>
+            </a:extLst>
+          </p:cNvPr>
+          <p:cNvPicPr>
+            <a:picLocks noChangeAspect="1"/>
+          </p:cNvPicPr>
+          <p:nvPr/>
+        </p:nvPicPr>
+        <p:blipFill>
+          <a:blip r:embed="rId4">
+            <a:extLst>
+              <a:ext uri="{28A0092B-C50C-407E-A947-70E740481C1C}">
+                <a14:useLocalDpi xmlns:a14="http://schemas.microsoft.com/office/drawing/2010/main" val="0"/>
+              </a:ext>
+            </a:extLst>
+          </a:blip>
+          <a:stretch>
+            <a:fillRect/>
+          </a:stretch>
+        </p:blipFill>
+        <p:spPr>
+          <a:xfrm>
+            <a:off x="521208" y="3993638"/>
+            <a:ext cx="4495800" cy="2489549"/>
+          </a:xfrm>
+          <a:prstGeom prst="rect">
+            <a:avLst/>
+          </a:prstGeom>
+        </p:spPr>
+      </p:pic>
+      <p:pic>
+        <p:nvPicPr>
+          <p:cNvPr id="11" name="Picture 10" descr="sdfsda">
+            <a:extLst>
+              <a:ext uri="{FF2B5EF4-FFF2-40B4-BE49-F238E27FC236}">
+                <a16:creationId xmlns:a16="http://schemas.microsoft.com/office/drawing/2014/main" id="{8628AE07-3A7F-4118-81C4-3F88B9319CF6}"/>
+              </a:ext>
+            </a:extLst>
+          </p:cNvPr>
+          <p:cNvPicPr>
+            <a:picLocks noChangeAspect="1"/>
+          </p:cNvPicPr>
+          <p:nvPr/>
+        </p:nvPicPr>
+        <p:blipFill>
+          <a:blip r:embed="rId5">
+            <a:extLst>
+              <a:ext uri="{28A0092B-C50C-407E-A947-70E740481C1C}">
+                <a14:useLocalDpi xmlns:a14="http://schemas.microsoft.com/office/drawing/2010/main" val="0"/>
+              </a:ext>
+            </a:extLst>
+          </a:blip>
+          <a:stretch>
+            <a:fillRect/>
+          </a:stretch>
+        </p:blipFill>
+        <p:spPr>
+          <a:xfrm>
+            <a:off x="5283708" y="4654026"/>
+            <a:ext cx="5942543" cy="1829161"/>
+          </a:xfrm>
+          <a:prstGeom prst="rect">
+            <a:avLst/>
+          </a:prstGeom>
+        </p:spPr>
+      </p:pic>
+      <p:sp>
+        <p:nvSpPr>
+          <p:cNvPr id="2" name="TextBox 1">
+            <a:extLst>
+              <a:ext uri="{FF2B5EF4-FFF2-40B4-BE49-F238E27FC236}">
+                <a16:creationId xmlns:a16="http://schemas.microsoft.com/office/drawing/2014/main" id="{43E8F8C9-0599-44D0-AEA7-D4DBFDCD7855}"/>
+              </a:ext>
+            </a:extLst>
+          </p:cNvPr>
+          <p:cNvSpPr txBox="1"/>
+          <p:nvPr/>
+        </p:nvSpPr>
+        <p:spPr>
+          <a:xfrm>
+            <a:off x="5283708" y="6483187"/>
+            <a:ext cx="5056046" cy="276999"/>
+          </a:xfrm>
+          <a:prstGeom prst="rect">
+            <a:avLst/>
+          </a:prstGeom>
+          <a:noFill/>
+        </p:spPr>
+        <p:txBody>
+          <a:bodyPr wrap="square" rtlCol="0">
+            <a:spAutoFit/>
+          </a:bodyPr>
+          <a:lstStyle/>
+          <a:p>
+            <a:r>
+              <a:rPr lang="en-US" sz="1200" dirty="0"/>
+              <a:t>Source: https://xkcd.com/327/</a:t>
+            </a:r>
+          </a:p>
+        </p:txBody>
+      </p:sp>
+      <p:sp>
+        <p:nvSpPr>
+          <p:cNvPr id="8" name="TextBox 7">
+            <a:extLst>
+              <a:ext uri="{FF2B5EF4-FFF2-40B4-BE49-F238E27FC236}">
+                <a16:creationId xmlns:a16="http://schemas.microsoft.com/office/drawing/2014/main" id="{8476D363-65C6-4B34-B94D-440B2A400033}"/>
+              </a:ext>
+            </a:extLst>
+          </p:cNvPr>
+          <p:cNvSpPr txBox="1"/>
+          <p:nvPr/>
+        </p:nvSpPr>
+        <p:spPr>
+          <a:xfrm>
+            <a:off x="521207" y="6483187"/>
+            <a:ext cx="5056046" cy="276999"/>
+          </a:xfrm>
+          <a:prstGeom prst="rect">
+            <a:avLst/>
+          </a:prstGeom>
+          <a:noFill/>
+        </p:spPr>
+        <p:txBody>
+          <a:bodyPr wrap="square" rtlCol="0">
+            <a:spAutoFit/>
+          </a:bodyPr>
+          <a:lstStyle/>
+          <a:p>
+            <a:r>
+              <a:rPr lang="en-US" sz="1200" dirty="0"/>
+              <a:t>Source: Google Images</a:t>
+            </a:r>
+          </a:p>
+        </p:txBody>
+      </p:sp>
+    </p:spTree>
+    <p:extLst>
+      <p:ext uri="{BB962C8B-B14F-4D97-AF65-F5344CB8AC3E}">
+        <p14:creationId xmlns:p14="http://schemas.microsoft.com/office/powerpoint/2010/main" val="1926655148"/>
+      </p:ext>
+    </p:extLst>
+  </p:cSld>
+  <p:clrMapOvr>
+    <a:masterClrMapping/>
+  </p:clrMapOvr>
+</p:sld>
+</file>
+
+<file path=ppt/slides/slide28.xml><?xml version="1.0" encoding="utf-8"?>
+<p:sld xmlns:a="http://schemas.openxmlformats.org/drawingml/2006/main" xmlns:r="http://schemas.openxmlformats.org/officeDocument/2006/relationships" xmlns:p="http://schemas.openxmlformats.org/presentationml/2006/main">
+  <p:cSld>
+    <p:spTree>
+      <p:nvGrpSpPr>
+        <p:cNvPr id="1" name=""/>
+        <p:cNvGrpSpPr/>
+        <p:nvPr/>
+      </p:nvGrpSpPr>
+      <p:grpSpPr>
+        <a:xfrm>
+          <a:off x="0" y="0"/>
+          <a:ext cx="0" cy="0"/>
+          <a:chOff x="0" y="0"/>
+          <a:chExt cx="0" cy="0"/>
+        </a:xfrm>
+      </p:grpSpPr>
+      <p:sp>
+        <p:nvSpPr>
+          <p:cNvPr id="2" name="Content Placeholder 1">
+            <a:extLst>
+              <a:ext uri="{FF2B5EF4-FFF2-40B4-BE49-F238E27FC236}">
+                <a16:creationId xmlns:a16="http://schemas.microsoft.com/office/drawing/2014/main" id="{3412CC38-6DE6-430F-8950-FD747A71225E}"/>
+              </a:ext>
+            </a:extLst>
+          </p:cNvPr>
+          <p:cNvSpPr>
+            <a:spLocks noGrp="1"/>
+          </p:cNvSpPr>
+          <p:nvPr>
+            <p:ph sz="half" idx="2"/>
+          </p:nvPr>
+        </p:nvSpPr>
+        <p:spPr>
+          <a:xfrm>
+            <a:off x="541612" y="1431014"/>
+            <a:ext cx="10213074" cy="5137566"/>
+          </a:xfrm>
+        </p:spPr>
+        <p:txBody>
+          <a:bodyPr>
+            <a:normAutofit/>
+          </a:bodyPr>
+          <a:lstStyle/>
+          <a:p>
+            <a:r>
+              <a:rPr lang="en-US" dirty="0"/>
+              <a:t>Simple Voice-Command SQL Injection Hack into Alexa Application</a:t>
+            </a:r>
+          </a:p>
+          <a:p>
+            <a:pPr marL="0" lvl="1" indent="0">
+              <a:buNone/>
+            </a:pPr>
+            <a:r>
+              <a:rPr lang="en-US" dirty="0"/>
+              <a:t>           </a:t>
+            </a:r>
+            <a:r>
+              <a:rPr lang="en-US" dirty="0">
+                <a:hlinkClick r:id="rId2">
+                  <a:extLst>
+                    <a:ext uri="{A12FA001-AC4F-418D-AE19-62706E023703}">
+                      <ahyp:hlinkClr xmlns:ahyp="http://schemas.microsoft.com/office/drawing/2018/hyperlinkcolor" val="tx"/>
+                    </a:ext>
+                  </a:extLst>
+                </a:hlinkClick>
+              </a:rPr>
+              <a:t>https://securityboulevard.com/2019/09/simple-voice-command-sql-injection-hack-into-alexa-application/</a:t>
+            </a:r>
+            <a:endParaRPr lang="en-US" dirty="0"/>
+          </a:p>
+          <a:p>
+            <a:r>
+              <a:rPr lang="en-US" dirty="0"/>
+              <a:t>How a 'NULL' License Plate Landed One Hacker in Ticket Hell</a:t>
+            </a:r>
+          </a:p>
+          <a:p>
+            <a:pPr marL="457177" lvl="1" indent="0">
+              <a:buNone/>
+            </a:pPr>
+            <a:r>
+              <a:rPr lang="en-US" dirty="0">
+                <a:hlinkClick r:id="rId3">
+                  <a:extLst>
+                    <a:ext uri="{A12FA001-AC4F-418D-AE19-62706E023703}">
+                      <ahyp:hlinkClr xmlns:ahyp="http://schemas.microsoft.com/office/drawing/2018/hyperlinkcolor" val="tx"/>
+                    </a:ext>
+                  </a:extLst>
+                </a:hlinkClick>
+              </a:rPr>
+              <a:t>https://www.wired.com/story/null-license-plate-landed-one-hacker-ticket-hell/</a:t>
+            </a:r>
+            <a:endParaRPr lang="en-US" dirty="0"/>
+          </a:p>
+          <a:p>
+            <a:r>
+              <a:rPr lang="en-US" dirty="0"/>
+              <a:t>This couple cannot do the simplest things online because their last name is ‘Null’</a:t>
+            </a:r>
+          </a:p>
+          <a:p>
+            <a:pPr marL="457177" lvl="1" indent="0">
+              <a:buNone/>
+            </a:pPr>
+            <a:r>
+              <a:rPr lang="en-US" dirty="0">
+                <a:hlinkClick r:id="rId4"/>
+              </a:rPr>
+              <a:t>https://thenextweb.com/insider/2016/03/27/last-name-null-is-tough-for-computers/</a:t>
+            </a:r>
+            <a:endParaRPr lang="en-US" dirty="0"/>
+          </a:p>
+          <a:p>
+            <a:pPr marL="457177" lvl="1" indent="0">
+              <a:buNone/>
+            </a:pPr>
+            <a:endParaRPr lang="en-US" dirty="0"/>
+          </a:p>
+        </p:txBody>
+      </p:sp>
+      <p:sp>
+        <p:nvSpPr>
+          <p:cNvPr id="3" name="Title 2">
+            <a:extLst>
+              <a:ext uri="{FF2B5EF4-FFF2-40B4-BE49-F238E27FC236}">
+                <a16:creationId xmlns:a16="http://schemas.microsoft.com/office/drawing/2014/main" id="{99E88784-0E2E-4529-8C4A-3CD04E29C08B}"/>
+              </a:ext>
+            </a:extLst>
+          </p:cNvPr>
+          <p:cNvSpPr>
+            <a:spLocks noGrp="1"/>
+          </p:cNvSpPr>
+          <p:nvPr>
+            <p:ph type="title"/>
+          </p:nvPr>
+        </p:nvSpPr>
+        <p:spPr/>
+        <p:txBody>
+          <a:bodyPr/>
+          <a:lstStyle/>
+          <a:p>
+            <a:r>
+              <a:rPr lang="en-US" dirty="0"/>
+              <a:t>SQL Injection in the News</a:t>
+            </a:r>
+          </a:p>
+        </p:txBody>
+      </p:sp>
+    </p:spTree>
+    <p:extLst>
+      <p:ext uri="{BB962C8B-B14F-4D97-AF65-F5344CB8AC3E}">
+        <p14:creationId xmlns:p14="http://schemas.microsoft.com/office/powerpoint/2010/main" val="2654527223"/>
+      </p:ext>
+    </p:extLst>
+  </p:cSld>
+  <p:clrMapOvr>
+    <a:masterClrMapping/>
+  </p:clrMapOvr>
+</p:sld>
+</file>
+
+<file path=ppt/slides/slide29.xml><?xml version="1.0" encoding="utf-8"?>
+<p:sld xmlns:a="http://schemas.openxmlformats.org/drawingml/2006/main" xmlns:r="http://schemas.openxmlformats.org/officeDocument/2006/relationships" xmlns:p="http://schemas.openxmlformats.org/presentationml/2006/main">
+  <p:cSld>
+    <p:spTree>
+      <p:nvGrpSpPr>
+        <p:cNvPr id="1" name=""/>
+        <p:cNvGrpSpPr/>
+        <p:nvPr/>
+      </p:nvGrpSpPr>
+      <p:grpSpPr>
+        <a:xfrm>
+          <a:off x="0" y="0"/>
+          <a:ext cx="0" cy="0"/>
+          <a:chOff x="0" y="0"/>
+          <a:chExt cx="0" cy="0"/>
+        </a:xfrm>
+      </p:grpSpPr>
+      <p:sp>
+        <p:nvSpPr>
+          <p:cNvPr id="2" name="Title 1">
+            <a:extLst>
+              <a:ext uri="{FF2B5EF4-FFF2-40B4-BE49-F238E27FC236}">
+                <a16:creationId xmlns:a16="http://schemas.microsoft.com/office/drawing/2014/main" id="{55B00E1A-F129-4621-8683-EBC2E511D2A1}"/>
+              </a:ext>
+            </a:extLst>
+          </p:cNvPr>
+          <p:cNvSpPr>
+            <a:spLocks noGrp="1"/>
+          </p:cNvSpPr>
+          <p:nvPr>
+            <p:ph type="title"/>
+          </p:nvPr>
+        </p:nvSpPr>
+        <p:spPr/>
+        <p:txBody>
+          <a:bodyPr/>
+          <a:lstStyle/>
+          <a:p>
+            <a:r>
+              <a:rPr lang="en-US" dirty="0"/>
+              <a:t>EXERCISE</a:t>
+            </a:r>
+          </a:p>
+        </p:txBody>
+      </p:sp>
+      <p:sp>
+        <p:nvSpPr>
+          <p:cNvPr id="3" name="Content Placeholder 2">
+            <a:extLst>
+              <a:ext uri="{FF2B5EF4-FFF2-40B4-BE49-F238E27FC236}">
+                <a16:creationId xmlns:a16="http://schemas.microsoft.com/office/drawing/2014/main" id="{EF32D758-D7BA-4B2D-878C-A86A3F056615}"/>
+              </a:ext>
+            </a:extLst>
+          </p:cNvPr>
+          <p:cNvSpPr>
+            <a:spLocks noGrp="1"/>
+          </p:cNvSpPr>
+          <p:nvPr>
+            <p:ph sz="quarter" idx="10"/>
+          </p:nvPr>
+        </p:nvSpPr>
+        <p:spPr>
+          <a:xfrm>
+            <a:off x="539495" y="1435607"/>
+            <a:ext cx="10138151" cy="5105869"/>
+          </a:xfrm>
+        </p:spPr>
+        <p:txBody>
+          <a:bodyPr>
+            <a:normAutofit/>
+          </a:bodyPr>
+          <a:lstStyle/>
+          <a:p>
+            <a:r>
+              <a:rPr lang="en-US" sz="1600" b="1" dirty="0"/>
+              <a:t>If you intend on having thousands of simultaneous tasks being executed in an application, it is a good idea to create a connection for each task (TRUE/FALSE)</a:t>
+            </a:r>
+          </a:p>
+        </p:txBody>
+      </p:sp>
+    </p:spTree>
+    <p:extLst>
+      <p:ext uri="{BB962C8B-B14F-4D97-AF65-F5344CB8AC3E}">
+        <p14:creationId xmlns:p14="http://schemas.microsoft.com/office/powerpoint/2010/main" val="1609790909"/>
+      </p:ext>
+    </p:extLst>
+  </p:cSld>
+  <p:clrMapOvr>
+    <a:masterClrMapping/>
+  </p:clrMapOvr>
+</p:sld>
+</file>
+
 <file path=ppt/slides/slide3.xml><?xml version="1.0" encoding="utf-8"?>
 <p:sld xmlns:a="http://schemas.openxmlformats.org/drawingml/2006/main" xmlns:r="http://schemas.openxmlformats.org/officeDocument/2006/relationships" xmlns:p="http://schemas.openxmlformats.org/presentationml/2006/main">
   <p:cSld>
@@ -7434,6 +10327,955 @@
 </p:sld>
 </file>
 
+<file path=ppt/slides/slide30.xml><?xml version="1.0" encoding="utf-8"?>
+<p:sld xmlns:a="http://schemas.openxmlformats.org/drawingml/2006/main" xmlns:r="http://schemas.openxmlformats.org/officeDocument/2006/relationships" xmlns:p="http://schemas.openxmlformats.org/presentationml/2006/main">
+  <p:cSld>
+    <p:spTree>
+      <p:nvGrpSpPr>
+        <p:cNvPr id="1" name=""/>
+        <p:cNvGrpSpPr/>
+        <p:nvPr/>
+      </p:nvGrpSpPr>
+      <p:grpSpPr>
+        <a:xfrm>
+          <a:off x="0" y="0"/>
+          <a:ext cx="0" cy="0"/>
+          <a:chOff x="0" y="0"/>
+          <a:chExt cx="0" cy="0"/>
+        </a:xfrm>
+      </p:grpSpPr>
+      <p:sp>
+        <p:nvSpPr>
+          <p:cNvPr id="2" name="Title 1">
+            <a:extLst>
+              <a:ext uri="{FF2B5EF4-FFF2-40B4-BE49-F238E27FC236}">
+                <a16:creationId xmlns:a16="http://schemas.microsoft.com/office/drawing/2014/main" id="{55B00E1A-F129-4621-8683-EBC2E511D2A1}"/>
+              </a:ext>
+            </a:extLst>
+          </p:cNvPr>
+          <p:cNvSpPr>
+            <a:spLocks noGrp="1"/>
+          </p:cNvSpPr>
+          <p:nvPr>
+            <p:ph type="title"/>
+          </p:nvPr>
+        </p:nvSpPr>
+        <p:spPr/>
+        <p:txBody>
+          <a:bodyPr/>
+          <a:lstStyle/>
+          <a:p>
+            <a:r>
+              <a:rPr lang="en-US" dirty="0"/>
+              <a:t>EXERCISE</a:t>
+            </a:r>
+          </a:p>
+        </p:txBody>
+      </p:sp>
+      <p:sp>
+        <p:nvSpPr>
+          <p:cNvPr id="3" name="Content Placeholder 2">
+            <a:extLst>
+              <a:ext uri="{FF2B5EF4-FFF2-40B4-BE49-F238E27FC236}">
+                <a16:creationId xmlns:a16="http://schemas.microsoft.com/office/drawing/2014/main" id="{EF32D758-D7BA-4B2D-878C-A86A3F056615}"/>
+              </a:ext>
+            </a:extLst>
+          </p:cNvPr>
+          <p:cNvSpPr>
+            <a:spLocks noGrp="1"/>
+          </p:cNvSpPr>
+          <p:nvPr>
+            <p:ph sz="quarter" idx="10"/>
+          </p:nvPr>
+        </p:nvSpPr>
+        <p:spPr>
+          <a:xfrm>
+            <a:off x="539495" y="1435607"/>
+            <a:ext cx="10138151" cy="5105869"/>
+          </a:xfrm>
+        </p:spPr>
+        <p:txBody>
+          <a:bodyPr>
+            <a:normAutofit/>
+          </a:bodyPr>
+          <a:lstStyle/>
+          <a:p>
+            <a:r>
+              <a:rPr lang="en-US" sz="1600" b="1" dirty="0"/>
+              <a:t>If you intend on having thousands of simultaneous tasks being executed in an application, it is a good idea to create a connection for each task (TRUE/FALSE)</a:t>
+            </a:r>
+          </a:p>
+          <a:p>
+            <a:r>
+              <a:rPr lang="en-US" sz="1600" dirty="0">
+                <a:solidFill>
+                  <a:srgbClr val="FF0000"/>
+                </a:solidFill>
+              </a:rPr>
+              <a:t>FALSE! Creating thousands of connections to process thousands of tasks can be computationally expensive and cause crashes on the application side and server side. It is better to pool a limited number of connections (e.g. 12-24 connections) and reuse those connections to process the tasks. </a:t>
+            </a:r>
+          </a:p>
+          <a:p>
+            <a:endParaRPr lang="en-US" sz="1600" b="1" dirty="0"/>
+          </a:p>
+          <a:p>
+            <a:endParaRPr lang="en-US" sz="1600" b="1" dirty="0"/>
+          </a:p>
+          <a:p>
+            <a:pPr marL="285750" indent="-285750">
+              <a:buFont typeface="Arial" panose="020B0604020202020204" pitchFamily="34" charset="0"/>
+              <a:buChar char="•"/>
+            </a:pPr>
+            <a:endParaRPr lang="en-US" sz="1600" dirty="0"/>
+          </a:p>
+          <a:p>
+            <a:pPr marL="285750" indent="-285750">
+              <a:buFont typeface="Arial" panose="020B0604020202020204" pitchFamily="34" charset="0"/>
+              <a:buChar char="•"/>
+            </a:pPr>
+            <a:endParaRPr lang="en-US" sz="1600" dirty="0"/>
+          </a:p>
+          <a:p>
+            <a:endParaRPr lang="en-US" sz="1600" dirty="0"/>
+          </a:p>
+          <a:p>
+            <a:endParaRPr lang="en-US" sz="1600" dirty="0"/>
+          </a:p>
+          <a:p>
+            <a:pPr marL="285750" indent="-285750">
+              <a:buFont typeface="Arial" panose="020B0604020202020204" pitchFamily="34" charset="0"/>
+              <a:buChar char="•"/>
+            </a:pPr>
+            <a:endParaRPr lang="en-US" sz="1600" dirty="0"/>
+          </a:p>
+          <a:p>
+            <a:endParaRPr lang="en-US" sz="1600" dirty="0"/>
+          </a:p>
+        </p:txBody>
+      </p:sp>
+    </p:spTree>
+    <p:extLst>
+      <p:ext uri="{BB962C8B-B14F-4D97-AF65-F5344CB8AC3E}">
+        <p14:creationId xmlns:p14="http://schemas.microsoft.com/office/powerpoint/2010/main" val="1847715091"/>
+      </p:ext>
+    </p:extLst>
+  </p:cSld>
+  <p:clrMapOvr>
+    <a:masterClrMapping/>
+  </p:clrMapOvr>
+</p:sld>
+</file>
+
+<file path=ppt/slides/slide31.xml><?xml version="1.0" encoding="utf-8"?>
+<p:sld xmlns:a="http://schemas.openxmlformats.org/drawingml/2006/main" xmlns:r="http://schemas.openxmlformats.org/officeDocument/2006/relationships" xmlns:p="http://schemas.openxmlformats.org/presentationml/2006/main">
+  <p:cSld>
+    <p:spTree>
+      <p:nvGrpSpPr>
+        <p:cNvPr id="1" name=""/>
+        <p:cNvGrpSpPr/>
+        <p:nvPr/>
+      </p:nvGrpSpPr>
+      <p:grpSpPr>
+        <a:xfrm>
+          <a:off x="0" y="0"/>
+          <a:ext cx="0" cy="0"/>
+          <a:chOff x="0" y="0"/>
+          <a:chExt cx="0" cy="0"/>
+        </a:xfrm>
+      </p:grpSpPr>
+      <p:sp>
+        <p:nvSpPr>
+          <p:cNvPr id="2" name="Title 1">
+            <a:extLst>
+              <a:ext uri="{FF2B5EF4-FFF2-40B4-BE49-F238E27FC236}">
+                <a16:creationId xmlns:a16="http://schemas.microsoft.com/office/drawing/2014/main" id="{55B00E1A-F129-4621-8683-EBC2E511D2A1}"/>
+              </a:ext>
+            </a:extLst>
+          </p:cNvPr>
+          <p:cNvSpPr>
+            <a:spLocks noGrp="1"/>
+          </p:cNvSpPr>
+          <p:nvPr>
+            <p:ph type="title"/>
+          </p:nvPr>
+        </p:nvSpPr>
+        <p:spPr/>
+        <p:txBody>
+          <a:bodyPr/>
+          <a:lstStyle/>
+          <a:p>
+            <a:r>
+              <a:rPr lang="en-US" dirty="0"/>
+              <a:t>EXERCISE</a:t>
+            </a:r>
+          </a:p>
+        </p:txBody>
+      </p:sp>
+      <p:sp>
+        <p:nvSpPr>
+          <p:cNvPr id="3" name="Content Placeholder 2">
+            <a:extLst>
+              <a:ext uri="{FF2B5EF4-FFF2-40B4-BE49-F238E27FC236}">
+                <a16:creationId xmlns:a16="http://schemas.microsoft.com/office/drawing/2014/main" id="{EF32D758-D7BA-4B2D-878C-A86A3F056615}"/>
+              </a:ext>
+            </a:extLst>
+          </p:cNvPr>
+          <p:cNvSpPr>
+            <a:spLocks noGrp="1"/>
+          </p:cNvSpPr>
+          <p:nvPr>
+            <p:ph sz="quarter" idx="10"/>
+          </p:nvPr>
+        </p:nvSpPr>
+        <p:spPr>
+          <a:xfrm>
+            <a:off x="539495" y="1435607"/>
+            <a:ext cx="10138151" cy="5105869"/>
+          </a:xfrm>
+        </p:spPr>
+        <p:txBody>
+          <a:bodyPr>
+            <a:normAutofit/>
+          </a:bodyPr>
+          <a:lstStyle/>
+          <a:p>
+            <a:r>
+              <a:rPr lang="en-US" sz="1600" b="1" dirty="0"/>
+              <a:t>Which of the following are benefits of connection pools? </a:t>
+            </a:r>
+          </a:p>
+          <a:p>
+            <a:pPr marL="342900" indent="-342900">
+              <a:buAutoNum type="alphaUcParenR"/>
+            </a:pPr>
+            <a:r>
+              <a:rPr lang="en-US" sz="1600" dirty="0"/>
+              <a:t>They reuse connections making the application more efficient</a:t>
+            </a:r>
+          </a:p>
+          <a:p>
+            <a:pPr marL="342900" indent="-342900">
+              <a:buAutoNum type="alphaUcParenR"/>
+            </a:pPr>
+            <a:r>
+              <a:rPr lang="en-US" sz="1600" dirty="0"/>
+              <a:t>Timed out connections will automatically get disposed and replaced</a:t>
+            </a:r>
+          </a:p>
+          <a:p>
+            <a:pPr marL="342900" indent="-342900">
+              <a:buAutoNum type="alphaUcParenR"/>
+            </a:pPr>
+            <a:r>
+              <a:rPr lang="en-US" sz="1600" dirty="0"/>
+              <a:t>Thread safety is enforced with database connection resources</a:t>
+            </a:r>
+          </a:p>
+          <a:p>
+            <a:pPr marL="342900" indent="-342900">
+              <a:buAutoNum type="alphaUcParenR"/>
+            </a:pPr>
+            <a:r>
+              <a:rPr lang="en-US" sz="1600" dirty="0"/>
+              <a:t>They will automatically take threads back from tasks when tasks are complete. </a:t>
+            </a:r>
+          </a:p>
+          <a:p>
+            <a:pPr marL="342900" indent="-342900">
+              <a:buAutoNum type="alphaUcParenR"/>
+            </a:pPr>
+            <a:r>
+              <a:rPr lang="en-US" sz="1600" dirty="0"/>
+              <a:t>Multiple database queries/updates can be executed simultaneously and safely</a:t>
+            </a:r>
+          </a:p>
+          <a:p>
+            <a:pPr marL="342900" indent="-342900">
+              <a:buAutoNum type="alphaUcParenR"/>
+            </a:pPr>
+            <a:endParaRPr lang="en-US" sz="1600" dirty="0"/>
+          </a:p>
+          <a:p>
+            <a:pPr marL="342900" indent="-342900">
+              <a:buAutoNum type="alphaUcParenR"/>
+            </a:pPr>
+            <a:endParaRPr lang="en-US" sz="1600" dirty="0"/>
+          </a:p>
+        </p:txBody>
+      </p:sp>
+    </p:spTree>
+    <p:extLst>
+      <p:ext uri="{BB962C8B-B14F-4D97-AF65-F5344CB8AC3E}">
+        <p14:creationId xmlns:p14="http://schemas.microsoft.com/office/powerpoint/2010/main" val="3623942304"/>
+      </p:ext>
+    </p:extLst>
+  </p:cSld>
+  <p:clrMapOvr>
+    <a:masterClrMapping/>
+  </p:clrMapOvr>
+</p:sld>
+</file>
+
+<file path=ppt/slides/slide32.xml><?xml version="1.0" encoding="utf-8"?>
+<p:sld xmlns:a="http://schemas.openxmlformats.org/drawingml/2006/main" xmlns:r="http://schemas.openxmlformats.org/officeDocument/2006/relationships" xmlns:p="http://schemas.openxmlformats.org/presentationml/2006/main">
+  <p:cSld>
+    <p:spTree>
+      <p:nvGrpSpPr>
+        <p:cNvPr id="1" name=""/>
+        <p:cNvGrpSpPr/>
+        <p:nvPr/>
+      </p:nvGrpSpPr>
+      <p:grpSpPr>
+        <a:xfrm>
+          <a:off x="0" y="0"/>
+          <a:ext cx="0" cy="0"/>
+          <a:chOff x="0" y="0"/>
+          <a:chExt cx="0" cy="0"/>
+        </a:xfrm>
+      </p:grpSpPr>
+      <p:sp>
+        <p:nvSpPr>
+          <p:cNvPr id="2" name="Title 1">
+            <a:extLst>
+              <a:ext uri="{FF2B5EF4-FFF2-40B4-BE49-F238E27FC236}">
+                <a16:creationId xmlns:a16="http://schemas.microsoft.com/office/drawing/2014/main" id="{55B00E1A-F129-4621-8683-EBC2E511D2A1}"/>
+              </a:ext>
+            </a:extLst>
+          </p:cNvPr>
+          <p:cNvSpPr>
+            <a:spLocks noGrp="1"/>
+          </p:cNvSpPr>
+          <p:nvPr>
+            <p:ph type="title"/>
+          </p:nvPr>
+        </p:nvSpPr>
+        <p:spPr/>
+        <p:txBody>
+          <a:bodyPr/>
+          <a:lstStyle/>
+          <a:p>
+            <a:r>
+              <a:rPr lang="en-US" dirty="0"/>
+              <a:t>EXERCISE</a:t>
+            </a:r>
+          </a:p>
+        </p:txBody>
+      </p:sp>
+      <p:sp>
+        <p:nvSpPr>
+          <p:cNvPr id="3" name="Content Placeholder 2">
+            <a:extLst>
+              <a:ext uri="{FF2B5EF4-FFF2-40B4-BE49-F238E27FC236}">
+                <a16:creationId xmlns:a16="http://schemas.microsoft.com/office/drawing/2014/main" id="{EF32D758-D7BA-4B2D-878C-A86A3F056615}"/>
+              </a:ext>
+            </a:extLst>
+          </p:cNvPr>
+          <p:cNvSpPr>
+            <a:spLocks noGrp="1"/>
+          </p:cNvSpPr>
+          <p:nvPr>
+            <p:ph sz="quarter" idx="10"/>
+          </p:nvPr>
+        </p:nvSpPr>
+        <p:spPr>
+          <a:xfrm>
+            <a:off x="824879" y="1447181"/>
+            <a:ext cx="10138151" cy="5105869"/>
+          </a:xfrm>
+        </p:spPr>
+        <p:txBody>
+          <a:bodyPr>
+            <a:normAutofit/>
+          </a:bodyPr>
+          <a:lstStyle/>
+          <a:p>
+            <a:r>
+              <a:rPr lang="en-US" sz="1600" b="1" dirty="0"/>
+              <a:t>Which of the following are benefits of connection pools? </a:t>
+            </a:r>
+          </a:p>
+          <a:p>
+            <a:pPr marL="342900" indent="-342900">
+              <a:buAutoNum type="alphaUcParenR"/>
+            </a:pPr>
+            <a:r>
+              <a:rPr lang="en-US" sz="1600" dirty="0"/>
+              <a:t>They reuse connections making the application more efficient </a:t>
+            </a:r>
+          </a:p>
+          <a:p>
+            <a:pPr marL="342900" indent="-342900">
+              <a:buAutoNum type="alphaUcParenR"/>
+            </a:pPr>
+            <a:r>
+              <a:rPr lang="en-US" sz="1600" dirty="0"/>
+              <a:t>Timed out connections will automatically get disposed and replaced</a:t>
+            </a:r>
+          </a:p>
+          <a:p>
+            <a:pPr marL="342900" indent="-342900">
+              <a:buAutoNum type="alphaUcParenR"/>
+            </a:pPr>
+            <a:r>
+              <a:rPr lang="en-US" sz="1600" dirty="0"/>
+              <a:t>Thread safety is enforced with database connection resources</a:t>
+            </a:r>
+          </a:p>
+          <a:p>
+            <a:pPr marL="342900" indent="-342900">
+              <a:buAutoNum type="alphaUcParenR"/>
+            </a:pPr>
+            <a:r>
+              <a:rPr lang="en-US" sz="1600" dirty="0"/>
+              <a:t>They will automatically take threads back from tasks when tasks are complete. </a:t>
+            </a:r>
+          </a:p>
+          <a:p>
+            <a:pPr marL="342900" indent="-342900">
+              <a:buAutoNum type="alphaUcParenR"/>
+            </a:pPr>
+            <a:r>
+              <a:rPr lang="en-US" sz="1600" dirty="0"/>
+              <a:t>Multiple database queries/updates can be executed simultaneously and safely</a:t>
+            </a:r>
+          </a:p>
+          <a:p>
+            <a:r>
+              <a:rPr lang="en-US" sz="1600" b="1" dirty="0"/>
+              <a:t>All the above are benefits of connection pools except for item “D”. The coded task is responsible for releasing a connection back to the connection pool so another task can use it. </a:t>
+            </a:r>
+          </a:p>
+          <a:p>
+            <a:pPr marL="342900" indent="-342900">
+              <a:buAutoNum type="alphaUcParenR"/>
+            </a:pPr>
+            <a:endParaRPr lang="en-US" sz="1600" dirty="0"/>
+          </a:p>
+        </p:txBody>
+      </p:sp>
+      <p:pic>
+        <p:nvPicPr>
+          <p:cNvPr id="5" name="Graphic 4" descr="Checkmark">
+            <a:extLst>
+              <a:ext uri="{FF2B5EF4-FFF2-40B4-BE49-F238E27FC236}">
+                <a16:creationId xmlns:a16="http://schemas.microsoft.com/office/drawing/2014/main" id="{6153C8D1-5A6B-4EED-AA32-D133EED40F97}"/>
+              </a:ext>
+            </a:extLst>
+          </p:cNvPr>
+          <p:cNvPicPr>
+            <a:picLocks noChangeAspect="1"/>
+          </p:cNvPicPr>
+          <p:nvPr/>
+        </p:nvPicPr>
+        <p:blipFill>
+          <a:blip r:embed="rId2" cstate="print">
+            <a:extLst>
+              <a:ext uri="{28A0092B-C50C-407E-A947-70E740481C1C}">
+                <a14:useLocalDpi xmlns:a14="http://schemas.microsoft.com/office/drawing/2010/main" val="0"/>
+              </a:ext>
+              <a:ext uri="{96DAC541-7B7A-43D3-8B79-37D633B846F1}">
+                <asvg:svgBlip xmlns:asvg="http://schemas.microsoft.com/office/drawing/2016/SVG/main" r:embed="rId3"/>
+              </a:ext>
+            </a:extLst>
+          </a:blip>
+          <a:stretch>
+            <a:fillRect/>
+          </a:stretch>
+        </p:blipFill>
+        <p:spPr>
+          <a:xfrm>
+            <a:off x="561882" y="2121949"/>
+            <a:ext cx="366376" cy="366376"/>
+          </a:xfrm>
+          <a:prstGeom prst="rect">
+            <a:avLst/>
+          </a:prstGeom>
+        </p:spPr>
+      </p:pic>
+      <p:pic>
+        <p:nvPicPr>
+          <p:cNvPr id="7" name="Graphic 6" descr="Close">
+            <a:extLst>
+              <a:ext uri="{FF2B5EF4-FFF2-40B4-BE49-F238E27FC236}">
+                <a16:creationId xmlns:a16="http://schemas.microsoft.com/office/drawing/2014/main" id="{9D938372-EA10-4048-AB4F-DDF5383C6A44}"/>
+              </a:ext>
+            </a:extLst>
+          </p:cNvPr>
+          <p:cNvPicPr>
+            <a:picLocks noChangeAspect="1"/>
+          </p:cNvPicPr>
+          <p:nvPr/>
+        </p:nvPicPr>
+        <p:blipFill>
+          <a:blip r:embed="rId4" cstate="print">
+            <a:extLst>
+              <a:ext uri="{28A0092B-C50C-407E-A947-70E740481C1C}">
+                <a14:useLocalDpi xmlns:a14="http://schemas.microsoft.com/office/drawing/2010/main" val="0"/>
+              </a:ext>
+              <a:ext uri="{96DAC541-7B7A-43D3-8B79-37D633B846F1}">
+                <asvg:svgBlip xmlns:asvg="http://schemas.microsoft.com/office/drawing/2016/SVG/main" r:embed="rId5"/>
+              </a:ext>
+            </a:extLst>
+          </a:blip>
+          <a:stretch>
+            <a:fillRect/>
+          </a:stretch>
+        </p:blipFill>
+        <p:spPr>
+          <a:xfrm>
+            <a:off x="521207" y="4114799"/>
+            <a:ext cx="344347" cy="344347"/>
+          </a:xfrm>
+          <a:prstGeom prst="rect">
+            <a:avLst/>
+          </a:prstGeom>
+        </p:spPr>
+      </p:pic>
+      <p:pic>
+        <p:nvPicPr>
+          <p:cNvPr id="8" name="Graphic 7" descr="Checkmark">
+            <a:extLst>
+              <a:ext uri="{FF2B5EF4-FFF2-40B4-BE49-F238E27FC236}">
+                <a16:creationId xmlns:a16="http://schemas.microsoft.com/office/drawing/2014/main" id="{CF27A401-C67B-494E-8087-CF955073E38E}"/>
+              </a:ext>
+            </a:extLst>
+          </p:cNvPr>
+          <p:cNvPicPr>
+            <a:picLocks noChangeAspect="1"/>
+          </p:cNvPicPr>
+          <p:nvPr/>
+        </p:nvPicPr>
+        <p:blipFill>
+          <a:blip r:embed="rId2" cstate="print">
+            <a:extLst>
+              <a:ext uri="{28A0092B-C50C-407E-A947-70E740481C1C}">
+                <a14:useLocalDpi xmlns:a14="http://schemas.microsoft.com/office/drawing/2010/main" val="0"/>
+              </a:ext>
+              <a:ext uri="{96DAC541-7B7A-43D3-8B79-37D633B846F1}">
+                <asvg:svgBlip xmlns:asvg="http://schemas.microsoft.com/office/drawing/2016/SVG/main" r:embed="rId3"/>
+              </a:ext>
+            </a:extLst>
+          </a:blip>
+          <a:stretch>
+            <a:fillRect/>
+          </a:stretch>
+        </p:blipFill>
+        <p:spPr>
+          <a:xfrm>
+            <a:off x="561882" y="2835796"/>
+            <a:ext cx="366376" cy="366376"/>
+          </a:xfrm>
+          <a:prstGeom prst="rect">
+            <a:avLst/>
+          </a:prstGeom>
+        </p:spPr>
+      </p:pic>
+      <p:pic>
+        <p:nvPicPr>
+          <p:cNvPr id="9" name="Graphic 8" descr="Checkmark">
+            <a:extLst>
+              <a:ext uri="{FF2B5EF4-FFF2-40B4-BE49-F238E27FC236}">
+                <a16:creationId xmlns:a16="http://schemas.microsoft.com/office/drawing/2014/main" id="{26F6155B-2EB2-4F35-8B4E-8DCC9E845959}"/>
+              </a:ext>
+            </a:extLst>
+          </p:cNvPr>
+          <p:cNvPicPr>
+            <a:picLocks noChangeAspect="1"/>
+          </p:cNvPicPr>
+          <p:nvPr/>
+        </p:nvPicPr>
+        <p:blipFill>
+          <a:blip r:embed="rId2" cstate="print">
+            <a:extLst>
+              <a:ext uri="{28A0092B-C50C-407E-A947-70E740481C1C}">
+                <a14:useLocalDpi xmlns:a14="http://schemas.microsoft.com/office/drawing/2010/main" val="0"/>
+              </a:ext>
+              <a:ext uri="{96DAC541-7B7A-43D3-8B79-37D633B846F1}">
+                <asvg:svgBlip xmlns:asvg="http://schemas.microsoft.com/office/drawing/2016/SVG/main" r:embed="rId3"/>
+              </a:ext>
+            </a:extLst>
+          </a:blip>
+          <a:stretch>
+            <a:fillRect/>
+          </a:stretch>
+        </p:blipFill>
+        <p:spPr>
+          <a:xfrm>
+            <a:off x="561882" y="3440574"/>
+            <a:ext cx="366376" cy="366376"/>
+          </a:xfrm>
+          <a:prstGeom prst="rect">
+            <a:avLst/>
+          </a:prstGeom>
+        </p:spPr>
+      </p:pic>
+      <p:pic>
+        <p:nvPicPr>
+          <p:cNvPr id="10" name="Graphic 9" descr="Checkmark">
+            <a:extLst>
+              <a:ext uri="{FF2B5EF4-FFF2-40B4-BE49-F238E27FC236}">
+                <a16:creationId xmlns:a16="http://schemas.microsoft.com/office/drawing/2014/main" id="{D8CA4B74-7EC0-41D8-8497-C7EB2316D8FB}"/>
+              </a:ext>
+            </a:extLst>
+          </p:cNvPr>
+          <p:cNvPicPr>
+            <a:picLocks noChangeAspect="1"/>
+          </p:cNvPicPr>
+          <p:nvPr/>
+        </p:nvPicPr>
+        <p:blipFill>
+          <a:blip r:embed="rId2" cstate="print">
+            <a:extLst>
+              <a:ext uri="{28A0092B-C50C-407E-A947-70E740481C1C}">
+                <a14:useLocalDpi xmlns:a14="http://schemas.microsoft.com/office/drawing/2010/main" val="0"/>
+              </a:ext>
+              <a:ext uri="{96DAC541-7B7A-43D3-8B79-37D633B846F1}">
+                <asvg:svgBlip xmlns:asvg="http://schemas.microsoft.com/office/drawing/2016/SVG/main" r:embed="rId3"/>
+              </a:ext>
+            </a:extLst>
+          </a:blip>
+          <a:stretch>
+            <a:fillRect/>
+          </a:stretch>
+        </p:blipFill>
+        <p:spPr>
+          <a:xfrm>
+            <a:off x="561882" y="4766995"/>
+            <a:ext cx="366376" cy="366376"/>
+          </a:xfrm>
+          <a:prstGeom prst="rect">
+            <a:avLst/>
+          </a:prstGeom>
+        </p:spPr>
+      </p:pic>
+    </p:spTree>
+    <p:extLst>
+      <p:ext uri="{BB962C8B-B14F-4D97-AF65-F5344CB8AC3E}">
+        <p14:creationId xmlns:p14="http://schemas.microsoft.com/office/powerpoint/2010/main" val="1170999584"/>
+      </p:ext>
+    </p:extLst>
+  </p:cSld>
+  <p:clrMapOvr>
+    <a:masterClrMapping/>
+  </p:clrMapOvr>
+</p:sld>
+</file>
+
+<file path=ppt/slides/slide33.xml><?xml version="1.0" encoding="utf-8"?>
+<p:sld xmlns:a="http://schemas.openxmlformats.org/drawingml/2006/main" xmlns:r="http://schemas.openxmlformats.org/officeDocument/2006/relationships" xmlns:p="http://schemas.openxmlformats.org/presentationml/2006/main">
+  <p:cSld>
+    <p:spTree>
+      <p:nvGrpSpPr>
+        <p:cNvPr id="1" name=""/>
+        <p:cNvGrpSpPr/>
+        <p:nvPr/>
+      </p:nvGrpSpPr>
+      <p:grpSpPr>
+        <a:xfrm>
+          <a:off x="0" y="0"/>
+          <a:ext cx="0" cy="0"/>
+          <a:chOff x="0" y="0"/>
+          <a:chExt cx="0" cy="0"/>
+        </a:xfrm>
+      </p:grpSpPr>
+      <p:sp>
+        <p:nvSpPr>
+          <p:cNvPr id="2" name="Title 1">
+            <a:extLst>
+              <a:ext uri="{FF2B5EF4-FFF2-40B4-BE49-F238E27FC236}">
+                <a16:creationId xmlns:a16="http://schemas.microsoft.com/office/drawing/2014/main" id="{55B00E1A-F129-4621-8683-EBC2E511D2A1}"/>
+              </a:ext>
+            </a:extLst>
+          </p:cNvPr>
+          <p:cNvSpPr>
+            <a:spLocks noGrp="1"/>
+          </p:cNvSpPr>
+          <p:nvPr>
+            <p:ph type="title"/>
+          </p:nvPr>
+        </p:nvSpPr>
+        <p:spPr/>
+        <p:txBody>
+          <a:bodyPr/>
+          <a:lstStyle/>
+          <a:p>
+            <a:r>
+              <a:rPr lang="en-US" dirty="0"/>
+              <a:t>HOMEWORK</a:t>
+            </a:r>
+          </a:p>
+        </p:txBody>
+      </p:sp>
+      <p:sp>
+        <p:nvSpPr>
+          <p:cNvPr id="3" name="Content Placeholder 2">
+            <a:extLst>
+              <a:ext uri="{FF2B5EF4-FFF2-40B4-BE49-F238E27FC236}">
+                <a16:creationId xmlns:a16="http://schemas.microsoft.com/office/drawing/2014/main" id="{EF32D758-D7BA-4B2D-878C-A86A3F056615}"/>
+              </a:ext>
+            </a:extLst>
+          </p:cNvPr>
+          <p:cNvSpPr>
+            <a:spLocks noGrp="1"/>
+          </p:cNvSpPr>
+          <p:nvPr>
+            <p:ph sz="quarter" idx="10"/>
+          </p:nvPr>
+        </p:nvSpPr>
+        <p:spPr>
+          <a:xfrm>
+            <a:off x="539495" y="1435607"/>
+            <a:ext cx="10138151" cy="5105869"/>
+          </a:xfrm>
+        </p:spPr>
+        <p:txBody>
+          <a:bodyPr>
+            <a:normAutofit/>
+          </a:bodyPr>
+          <a:lstStyle/>
+          <a:p>
+            <a:r>
+              <a:rPr lang="en-US" sz="1600" b="1" dirty="0"/>
+              <a:t>Use your knowledge of SQL, SQLite, and your favorite programming language to build a personal banking app. </a:t>
+            </a:r>
+          </a:p>
+          <a:p>
+            <a:pPr marL="342900" indent="-342900">
+              <a:buAutoNum type="alphaUcParenR"/>
+            </a:pPr>
+            <a:r>
+              <a:rPr lang="en-US" sz="1600" dirty="0"/>
+              <a:t>Be able to enter bank transactions (with a date, description, and currency amount) and save them to a SQLite database.</a:t>
+            </a:r>
+          </a:p>
+          <a:p>
+            <a:pPr marL="342900" indent="-342900">
+              <a:buAutoNum type="alphaUcParenR"/>
+            </a:pPr>
+            <a:r>
+              <a:rPr lang="en-US" sz="1600" dirty="0"/>
+              <a:t>Create a table of categories (grocery, utilities, mortgage, </a:t>
+            </a:r>
+            <a:r>
+              <a:rPr lang="en-US" sz="1600" dirty="0" err="1"/>
+              <a:t>etc</a:t>
+            </a:r>
+            <a:r>
+              <a:rPr lang="en-US" sz="1600" dirty="0"/>
+              <a:t>) and be able to attach them to the transactions</a:t>
+            </a:r>
+          </a:p>
+          <a:p>
+            <a:pPr marL="342900" indent="-342900">
+              <a:buAutoNum type="alphaUcParenR"/>
+            </a:pPr>
+            <a:r>
+              <a:rPr lang="en-US" sz="1600" dirty="0"/>
+              <a:t>Create spending reports by category across day/week/month/year.</a:t>
+            </a:r>
+          </a:p>
+          <a:p>
+            <a:r>
+              <a:rPr lang="en-US" sz="1600" b="1" dirty="0"/>
+              <a:t>Depending on your comfort, you can choose to make this application completely in a command-line environment, a desktop application, or an HTML frontend. </a:t>
+            </a:r>
+          </a:p>
+          <a:p>
+            <a:pPr marL="342900" indent="-342900">
+              <a:buAutoNum type="alphaUcParenR"/>
+            </a:pPr>
+            <a:endParaRPr lang="en-US" sz="1600" dirty="0"/>
+          </a:p>
+          <a:p>
+            <a:pPr marL="342900" indent="-342900">
+              <a:buAutoNum type="alphaUcParenR"/>
+            </a:pPr>
+            <a:endParaRPr lang="en-US" sz="1600" dirty="0"/>
+          </a:p>
+        </p:txBody>
+      </p:sp>
+    </p:spTree>
+    <p:extLst>
+      <p:ext uri="{BB962C8B-B14F-4D97-AF65-F5344CB8AC3E}">
+        <p14:creationId xmlns:p14="http://schemas.microsoft.com/office/powerpoint/2010/main" val="1630006672"/>
+      </p:ext>
+    </p:extLst>
+  </p:cSld>
+  <p:clrMapOvr>
+    <a:masterClrMapping/>
+  </p:clrMapOvr>
+</p:sld>
+</file>
+
+<file path=ppt/slides/slide34.xml><?xml version="1.0" encoding="utf-8"?>
+<p:sld xmlns:a="http://schemas.openxmlformats.org/drawingml/2006/main" xmlns:r="http://schemas.openxmlformats.org/officeDocument/2006/relationships" xmlns:p="http://schemas.openxmlformats.org/presentationml/2006/main">
+  <p:cSld>
+    <p:spTree>
+      <p:nvGrpSpPr>
+        <p:cNvPr id="1" name=""/>
+        <p:cNvGrpSpPr/>
+        <p:nvPr/>
+      </p:nvGrpSpPr>
+      <p:grpSpPr>
+        <a:xfrm>
+          <a:off x="0" y="0"/>
+          <a:ext cx="0" cy="0"/>
+          <a:chOff x="0" y="0"/>
+          <a:chExt cx="0" cy="0"/>
+        </a:xfrm>
+      </p:grpSpPr>
+      <p:sp>
+        <p:nvSpPr>
+          <p:cNvPr id="3" name="Title 2">
+            <a:extLst>
+              <a:ext uri="{FF2B5EF4-FFF2-40B4-BE49-F238E27FC236}">
+                <a16:creationId xmlns:a16="http://schemas.microsoft.com/office/drawing/2014/main" id="{CC07F219-B5BF-4967-ABA5-17731638BBB3}"/>
+              </a:ext>
+            </a:extLst>
+          </p:cNvPr>
+          <p:cNvSpPr>
+            <a:spLocks noGrp="1"/>
+          </p:cNvSpPr>
+          <p:nvPr>
+            <p:ph type="title"/>
+          </p:nvPr>
+        </p:nvSpPr>
+        <p:spPr/>
+        <p:txBody>
+          <a:bodyPr>
+            <a:normAutofit fontScale="90000"/>
+          </a:bodyPr>
+          <a:lstStyle/>
+          <a:p>
+            <a:r>
+              <a:rPr lang="en-US" dirty="0"/>
+              <a:t>Other Online Trainings by Thomas Nield</a:t>
+            </a:r>
+          </a:p>
+        </p:txBody>
+      </p:sp>
+      <p:sp>
+        <p:nvSpPr>
+          <p:cNvPr id="2" name="Rectangle 1"/>
+          <p:cNvSpPr/>
+          <p:nvPr/>
+        </p:nvSpPr>
+        <p:spPr>
+          <a:xfrm>
+            <a:off x="753373" y="1283688"/>
+            <a:ext cx="6096000" cy="4487382"/>
+          </a:xfrm>
+          <a:prstGeom prst="rect">
+            <a:avLst/>
+          </a:prstGeom>
+        </p:spPr>
+        <p:txBody>
+          <a:bodyPr>
+            <a:spAutoFit/>
+          </a:bodyPr>
+          <a:lstStyle/>
+          <a:p>
+            <a:pPr marL="154951" lvl="1" indent="0">
+              <a:lnSpc>
+                <a:spcPct val="170000"/>
+              </a:lnSpc>
+              <a:buNone/>
+            </a:pPr>
+            <a:r>
+              <a:rPr lang="en-US" sz="2400" i="1" dirty="0">
+                <a:hlinkClick r:id="rId2"/>
+              </a:rPr>
+              <a:t>SQL Fundamentals for Data</a:t>
+            </a:r>
+            <a:endParaRPr lang="en-US" sz="2400" i="1" dirty="0"/>
+          </a:p>
+          <a:p>
+            <a:pPr marL="154951" lvl="1" indent="0">
+              <a:lnSpc>
+                <a:spcPct val="170000"/>
+              </a:lnSpc>
+              <a:buNone/>
+            </a:pPr>
+            <a:endParaRPr lang="en-US" sz="2400" i="1" dirty="0"/>
+          </a:p>
+          <a:p>
+            <a:pPr marL="154951" lvl="1" indent="0">
+              <a:lnSpc>
+                <a:spcPct val="170000"/>
+              </a:lnSpc>
+              <a:buNone/>
+            </a:pPr>
+            <a:r>
+              <a:rPr lang="en-US" sz="2400" i="1" dirty="0">
+                <a:hlinkClick r:id="rId3"/>
+              </a:rPr>
+              <a:t>Intermediate SQL for Data Analytics</a:t>
+            </a:r>
+            <a:endParaRPr lang="en-US" sz="2400" i="1" dirty="0"/>
+          </a:p>
+          <a:p>
+            <a:pPr marL="154951" lvl="1" indent="0">
+              <a:lnSpc>
+                <a:spcPct val="170000"/>
+              </a:lnSpc>
+              <a:buNone/>
+            </a:pPr>
+            <a:endParaRPr lang="en-US" sz="2400" i="1" dirty="0"/>
+          </a:p>
+          <a:p>
+            <a:pPr marL="154951" lvl="1" indent="0">
+              <a:lnSpc>
+                <a:spcPct val="170000"/>
+              </a:lnSpc>
+              <a:buNone/>
+            </a:pPr>
+            <a:r>
+              <a:rPr lang="en-US" sz="2400" i="1" dirty="0">
+                <a:hlinkClick r:id="rId4"/>
+              </a:rPr>
+              <a:t>Intro to Mathematical Optimization</a:t>
+            </a:r>
+            <a:endParaRPr lang="en-US" sz="2400" i="1" dirty="0"/>
+          </a:p>
+          <a:p>
+            <a:pPr marL="154951" lvl="1" indent="0">
+              <a:lnSpc>
+                <a:spcPct val="170000"/>
+              </a:lnSpc>
+              <a:buNone/>
+            </a:pPr>
+            <a:endParaRPr lang="en-US" sz="2400" i="1" dirty="0"/>
+          </a:p>
+          <a:p>
+            <a:pPr marL="154951" lvl="1" indent="0">
+              <a:lnSpc>
+                <a:spcPct val="170000"/>
+              </a:lnSpc>
+              <a:buNone/>
+            </a:pPr>
+            <a:r>
+              <a:rPr lang="en-US" sz="2400" i="1" dirty="0">
+                <a:hlinkClick r:id="rId5"/>
+              </a:rPr>
+              <a:t>Machine Learning from Scratch</a:t>
+            </a:r>
+            <a:endParaRPr lang="en-US" sz="2400" i="1" dirty="0"/>
+          </a:p>
+        </p:txBody>
+      </p:sp>
+    </p:spTree>
+    <p:extLst>
+      <p:ext uri="{BB962C8B-B14F-4D97-AF65-F5344CB8AC3E}">
+        <p14:creationId xmlns:p14="http://schemas.microsoft.com/office/powerpoint/2010/main" val="2334423469"/>
+      </p:ext>
+    </p:extLst>
+  </p:cSld>
+  <p:clrMapOvr>
+    <a:masterClrMapping/>
+  </p:clrMapOvr>
+</p:sld>
+</file>
+
 <file path=ppt/slides/slide4.xml><?xml version="1.0" encoding="utf-8"?>
 <p:sld xmlns:a="http://schemas.openxmlformats.org/drawingml/2006/main" xmlns:r="http://schemas.openxmlformats.org/officeDocument/2006/relationships" xmlns:p="http://schemas.openxmlformats.org/presentationml/2006/main">
   <p:cSld>
@@ -7842,7 +11684,7 @@
             </a:pPr>
             <a:r>
               <a:rPr lang="en-US" sz="1600" b="1" dirty="0"/>
-              <a:t>If you want to follow along, have your favorite R environment set up:</a:t>
+              <a:t>If you want to follow along, have your favorite Python environment set up:</a:t>
             </a:r>
           </a:p>
           <a:p>

--- a/oreilly_programming_with_sql.pptx
+++ b/oreilly_programming_with_sql.pptx
@@ -275,7 +275,7 @@
           <a:p>
             <a:fld id="{80680FBE-A8DF-4758-9AC4-3A9E1039168F}" type="datetimeFigureOut">
               <a:rPr lang="en-US" smtClean="0"/>
-              <a:t>2/25/2020</a:t>
+              <a:t>2/26/2020</a:t>
             </a:fld>
             <a:endParaRPr lang="en-US"/>
           </a:p>
@@ -440,7 +440,7 @@
           <a:p>
             <a:fld id="{EC13577B-6902-467D-A26C-08A0DD5E4E03}" type="datetimeFigureOut">
               <a:rPr lang="en-US" smtClean="0"/>
-              <a:t>2/25/2020</a:t>
+              <a:t>2/26/2020</a:t>
             </a:fld>
             <a:endParaRPr lang="en-US"/>
           </a:p>
@@ -1590,7 +1590,7 @@
             <a:fld id="{8BEEBAAA-29B5-4AF5-BC5F-7E580C29002D}" type="datetimeFigureOut">
               <a:rPr lang="en-US" smtClean="0"/>
               <a:pPr/>
-              <a:t>2/25/2020</a:t>
+              <a:t>2/26/2020</a:t>
             </a:fld>
             <a:endParaRPr lang="en-US" dirty="0"/>
           </a:p>
@@ -2595,7 +2595,7 @@
             <a:fld id="{8BEEBAAA-29B5-4AF5-BC5F-7E580C29002D}" type="datetimeFigureOut">
               <a:rPr lang="en-US" smtClean="0"/>
               <a:pPr/>
-              <a:t>2/25/2020</a:t>
+              <a:t>2/26/2020</a:t>
             </a:fld>
             <a:endParaRPr lang="en-US" dirty="0"/>
           </a:p>
@@ -7253,7 +7253,7 @@
           <a:p>
             <a:r>
               <a:rPr lang="en-US" dirty="0"/>
-              <a:t>When available, libraries and specialized language features can automatically handle the disposal of connections in a block of code as well. </a:t>
+              <a:t>When available, libraries and specialized language features can automatically handle the disposal of connections in a block of code as well (e.g. Java has try-with-resources).</a:t>
             </a:r>
           </a:p>
         </p:txBody>

--- a/oreilly_programming_with_sql.pptx
+++ b/oreilly_programming_with_sql.pptx
@@ -275,7 +275,7 @@
           <a:p>
             <a:fld id="{80680FBE-A8DF-4758-9AC4-3A9E1039168F}" type="datetimeFigureOut">
               <a:rPr lang="en-US" smtClean="0"/>
-              <a:t>2/26/2020</a:t>
+              <a:t>10/1/2020</a:t>
             </a:fld>
             <a:endParaRPr lang="en-US"/>
           </a:p>
@@ -440,7 +440,7 @@
           <a:p>
             <a:fld id="{EC13577B-6902-467D-A26C-08A0DD5E4E03}" type="datetimeFigureOut">
               <a:rPr lang="en-US" smtClean="0"/>
-              <a:t>2/26/2020</a:t>
+              <a:t>10/1/2020</a:t>
             </a:fld>
             <a:endParaRPr lang="en-US"/>
           </a:p>
@@ -1590,7 +1590,7 @@
             <a:fld id="{8BEEBAAA-29B5-4AF5-BC5F-7E580C29002D}" type="datetimeFigureOut">
               <a:rPr lang="en-US" smtClean="0"/>
               <a:pPr/>
-              <a:t>2/26/2020</a:t>
+              <a:t>10/1/2020</a:t>
             </a:fld>
             <a:endParaRPr lang="en-US" dirty="0"/>
           </a:p>
@@ -2595,7 +2595,7 @@
             <a:fld id="{8BEEBAAA-29B5-4AF5-BC5F-7E580C29002D}" type="datetimeFigureOut">
               <a:rPr lang="en-US" smtClean="0"/>
               <a:pPr/>
-              <a:t>2/26/2020</a:t>
+              <a:t>10/1/2020</a:t>
             </a:fld>
             <a:endParaRPr lang="en-US" dirty="0"/>
           </a:p>
@@ -10577,7 +10577,7 @@
             </a:pPr>
             <a:r>
               <a:rPr lang="en-US" sz="1600" dirty="0"/>
-              <a:t>They will automatically take threads back from tasks when tasks are complete. </a:t>
+              <a:t>They will automatically take connections back from tasks when tasks are complete. </a:t>
             </a:r>
           </a:p>
           <a:p>
@@ -10727,7 +10727,7 @@
             </a:pPr>
             <a:r>
               <a:rPr lang="en-US" sz="1600" dirty="0"/>
-              <a:t>They will automatically take threads back from tasks when tasks are complete. </a:t>
+              <a:t>They will automatically take connections back from tasks when tasks are complete. </a:t>
             </a:r>
           </a:p>
           <a:p>

--- a/oreilly_programming_with_sql.pptx
+++ b/oreilly_programming_with_sql.pptx
@@ -5,10 +5,10 @@
     <p:sldMasterId id="2147483660" r:id="rId1"/>
   </p:sldMasterIdLst>
   <p:notesMasterIdLst>
-    <p:notesMasterId r:id="rId36"/>
+    <p:notesMasterId r:id="rId34"/>
   </p:notesMasterIdLst>
   <p:handoutMasterIdLst>
-    <p:handoutMasterId r:id="rId37"/>
+    <p:handoutMasterId r:id="rId35"/>
   </p:handoutMasterIdLst>
   <p:sldIdLst>
     <p:sldId id="256" r:id="rId2"/>
@@ -27,24 +27,22 @@
     <p:sldId id="521" r:id="rId15"/>
     <p:sldId id="527" r:id="rId16"/>
     <p:sldId id="528" r:id="rId17"/>
-    <p:sldId id="529" r:id="rId18"/>
-    <p:sldId id="530" r:id="rId19"/>
-    <p:sldId id="522" r:id="rId20"/>
-    <p:sldId id="531" r:id="rId21"/>
-    <p:sldId id="532" r:id="rId22"/>
-    <p:sldId id="533" r:id="rId23"/>
-    <p:sldId id="535" r:id="rId24"/>
-    <p:sldId id="534" r:id="rId25"/>
-    <p:sldId id="346" r:id="rId26"/>
-    <p:sldId id="347" r:id="rId27"/>
-    <p:sldId id="350" r:id="rId28"/>
-    <p:sldId id="351" r:id="rId29"/>
-    <p:sldId id="536" r:id="rId30"/>
-    <p:sldId id="537" r:id="rId31"/>
-    <p:sldId id="538" r:id="rId32"/>
-    <p:sldId id="539" r:id="rId33"/>
-    <p:sldId id="540" r:id="rId34"/>
-    <p:sldId id="352" r:id="rId35"/>
+    <p:sldId id="522" r:id="rId18"/>
+    <p:sldId id="531" r:id="rId19"/>
+    <p:sldId id="532" r:id="rId20"/>
+    <p:sldId id="533" r:id="rId21"/>
+    <p:sldId id="535" r:id="rId22"/>
+    <p:sldId id="534" r:id="rId23"/>
+    <p:sldId id="346" r:id="rId24"/>
+    <p:sldId id="347" r:id="rId25"/>
+    <p:sldId id="350" r:id="rId26"/>
+    <p:sldId id="351" r:id="rId27"/>
+    <p:sldId id="536" r:id="rId28"/>
+    <p:sldId id="537" r:id="rId29"/>
+    <p:sldId id="538" r:id="rId30"/>
+    <p:sldId id="539" r:id="rId31"/>
+    <p:sldId id="540" r:id="rId32"/>
+    <p:sldId id="352" r:id="rId33"/>
   </p:sldIdLst>
   <p:sldSz cx="12192000" cy="6858000"/>
   <p:notesSz cx="6858000" cy="9144000"/>
@@ -185,12 +183,55 @@
 </p:cmAuthorLst>
 </file>
 
-<file path=ppt/revisionInfo.xml><?xml version="1.0" encoding="utf-8"?>
-<p1510:revInfo xmlns:a="http://schemas.openxmlformats.org/drawingml/2006/main" xmlns:r="http://schemas.openxmlformats.org/officeDocument/2006/relationships" xmlns:p1510="http://schemas.microsoft.com/office/powerpoint/2015/10/main">
-  <p1510:revLst>
-    <p1510:client id="{222E53D9-DD3D-43EE-A8F5-5658C051FF30}" v="26" dt="2020-01-30T21:07:03.983"/>
-  </p1510:revLst>
-</p1510:revInfo>
+<file path=ppt/changesInfos/changesInfo1.xml><?xml version="1.0" encoding="utf-8"?>
+<pc:chgInfo xmlns:a="http://schemas.openxmlformats.org/drawingml/2006/main" xmlns:r="http://schemas.openxmlformats.org/officeDocument/2006/relationships" xmlns:ac="http://schemas.microsoft.com/office/drawing/2013/main/command" xmlns:pc="http://schemas.microsoft.com/office/powerpoint/2013/main/command">
+  <pc:docChgLst>
+    <pc:chgData name="Thomas Nield" userId="e7924354f0a44a8c" providerId="LiveId" clId="{D94A5AD3-1E01-44FB-BEA3-24658671C7C5}"/>
+    <pc:docChg chg="custSel delSld modSld">
+      <pc:chgData name="Thomas Nield" userId="e7924354f0a44a8c" providerId="LiveId" clId="{D94A5AD3-1E01-44FB-BEA3-24658671C7C5}" dt="2021-02-22T16:04:59.165" v="51" actId="1076"/>
+      <pc:docMkLst>
+        <pc:docMk/>
+      </pc:docMkLst>
+      <pc:sldChg chg="del">
+        <pc:chgData name="Thomas Nield" userId="e7924354f0a44a8c" providerId="LiveId" clId="{D94A5AD3-1E01-44FB-BEA3-24658671C7C5}" dt="2021-02-22T16:04:17.523" v="0" actId="47"/>
+        <pc:sldMkLst>
+          <pc:docMk/>
+          <pc:sldMk cId="3479628533" sldId="529"/>
+        </pc:sldMkLst>
+      </pc:sldChg>
+      <pc:sldChg chg="del">
+        <pc:chgData name="Thomas Nield" userId="e7924354f0a44a8c" providerId="LiveId" clId="{D94A5AD3-1E01-44FB-BEA3-24658671C7C5}" dt="2021-02-22T16:04:17.523" v="0" actId="47"/>
+        <pc:sldMkLst>
+          <pc:docMk/>
+          <pc:sldMk cId="207121011" sldId="530"/>
+        </pc:sldMkLst>
+      </pc:sldChg>
+      <pc:sldChg chg="modSp mod">
+        <pc:chgData name="Thomas Nield" userId="e7924354f0a44a8c" providerId="LiveId" clId="{D94A5AD3-1E01-44FB-BEA3-24658671C7C5}" dt="2021-02-22T16:04:59.165" v="51" actId="1076"/>
+        <pc:sldMkLst>
+          <pc:docMk/>
+          <pc:sldMk cId="1328373837" sldId="533"/>
+        </pc:sldMkLst>
+        <pc:spChg chg="mod">
+          <ac:chgData name="Thomas Nield" userId="e7924354f0a44a8c" providerId="LiveId" clId="{D94A5AD3-1E01-44FB-BEA3-24658671C7C5}" dt="2021-02-22T16:04:57.549" v="50" actId="27636"/>
+          <ac:spMkLst>
+            <pc:docMk/>
+            <pc:sldMk cId="1328373837" sldId="533"/>
+            <ac:spMk id="3" creationId="{D80A5A31-96D4-4B0B-AC8D-634022A4FA22}"/>
+          </ac:spMkLst>
+        </pc:spChg>
+        <pc:picChg chg="mod">
+          <ac:chgData name="Thomas Nield" userId="e7924354f0a44a8c" providerId="LiveId" clId="{D94A5AD3-1E01-44FB-BEA3-24658671C7C5}" dt="2021-02-22T16:04:59.165" v="51" actId="1076"/>
+          <ac:picMkLst>
+            <pc:docMk/>
+            <pc:sldMk cId="1328373837" sldId="533"/>
+            <ac:picMk id="9" creationId="{8481146B-3FA7-405B-A434-D0F694386A3A}"/>
+          </ac:picMkLst>
+        </pc:picChg>
+      </pc:sldChg>
+    </pc:docChg>
+  </pc:docChgLst>
+</pc:chgInfo>
 </file>
 
 <file path=ppt/handoutMasters/handoutMaster1.xml><?xml version="1.0" encoding="utf-8"?>
@@ -275,7 +316,7 @@
           <a:p>
             <a:fld id="{80680FBE-A8DF-4758-9AC4-3A9E1039168F}" type="datetimeFigureOut">
               <a:rPr lang="en-US" smtClean="0"/>
-              <a:t>10/1/2020</a:t>
+              <a:t>2/22/2021</a:t>
             </a:fld>
             <a:endParaRPr lang="en-US"/>
           </a:p>
@@ -440,7 +481,7 @@
           <a:p>
             <a:fld id="{EC13577B-6902-467D-A26C-08A0DD5E4E03}" type="datetimeFigureOut">
               <a:rPr lang="en-US" smtClean="0"/>
-              <a:t>10/1/2020</a:t>
+              <a:t>2/22/2021</a:t>
             </a:fld>
             <a:endParaRPr lang="en-US"/>
           </a:p>
@@ -1133,7 +1174,7 @@
           <a:p>
             <a:fld id="{DF61EA0F-A667-4B49-8422-0062BC55E249}" type="slidenum">
               <a:rPr lang="en-US" smtClean="0"/>
-              <a:t>19</a:t>
+              <a:t>17</a:t>
             </a:fld>
             <a:endParaRPr lang="en-US"/>
           </a:p>
@@ -1590,7 +1631,7 @@
             <a:fld id="{8BEEBAAA-29B5-4AF5-BC5F-7E580C29002D}" type="datetimeFigureOut">
               <a:rPr lang="en-US" smtClean="0"/>
               <a:pPr/>
-              <a:t>10/1/2020</a:t>
+              <a:t>2/22/2021</a:t>
             </a:fld>
             <a:endParaRPr lang="en-US" dirty="0"/>
           </a:p>
@@ -2595,7 +2636,7 @@
             <a:fld id="{8BEEBAAA-29B5-4AF5-BC5F-7E580C29002D}" type="datetimeFigureOut">
               <a:rPr lang="en-US" smtClean="0"/>
               <a:pPr/>
-              <a:t>10/1/2020</a:t>
+              <a:t>2/22/2021</a:t>
             </a:fld>
             <a:endParaRPr lang="en-US" dirty="0"/>
           </a:p>
@@ -5081,891 +5122,6 @@
       </p:grpSpPr>
       <p:sp>
         <p:nvSpPr>
-          <p:cNvPr id="2" name="Title 1">
-            <a:extLst>
-              <a:ext uri="{FF2B5EF4-FFF2-40B4-BE49-F238E27FC236}">
-                <a16:creationId xmlns:a16="http://schemas.microsoft.com/office/drawing/2014/main" id="{55B00E1A-F129-4621-8683-EBC2E511D2A1}"/>
-              </a:ext>
-            </a:extLst>
-          </p:cNvPr>
-          <p:cNvSpPr>
-            <a:spLocks noGrp="1"/>
-          </p:cNvSpPr>
-          <p:nvPr>
-            <p:ph type="title"/>
-          </p:nvPr>
-        </p:nvSpPr>
-        <p:spPr/>
-        <p:txBody>
-          <a:bodyPr/>
-          <a:lstStyle/>
-          <a:p>
-            <a:r>
-              <a:rPr lang="en-US" dirty="0"/>
-              <a:t>EXERCISE – R Solution </a:t>
-            </a:r>
-          </a:p>
-        </p:txBody>
-      </p:sp>
-      <p:sp>
-        <p:nvSpPr>
-          <p:cNvPr id="4" name="Rectangle 3">
-            <a:extLst>
-              <a:ext uri="{FF2B5EF4-FFF2-40B4-BE49-F238E27FC236}">
-                <a16:creationId xmlns:a16="http://schemas.microsoft.com/office/drawing/2014/main" id="{D46B7E1A-1723-4FE2-8ABC-C430EC6BE1AE}"/>
-              </a:ext>
-            </a:extLst>
-          </p:cNvPr>
-          <p:cNvSpPr/>
-          <p:nvPr/>
-        </p:nvSpPr>
-        <p:spPr>
-          <a:xfrm>
-            <a:off x="914400" y="1736549"/>
-            <a:ext cx="10648709" cy="4247317"/>
-          </a:xfrm>
-          <a:prstGeom prst="rect">
-            <a:avLst/>
-          </a:prstGeom>
-        </p:spPr>
-        <p:txBody>
-          <a:bodyPr wrap="square">
-            <a:spAutoFit/>
-          </a:bodyPr>
-          <a:lstStyle/>
-          <a:p>
-            <a:r>
-              <a:rPr lang="en-US" dirty="0">
-                <a:latin typeface="Consolas" panose="020B0609020204030204" pitchFamily="49" charset="0"/>
-              </a:rPr>
-              <a:t>library(DBI)</a:t>
-            </a:r>
-          </a:p>
-          <a:p>
-            <a:r>
-              <a:rPr lang="en-US" dirty="0">
-                <a:latin typeface="Consolas" panose="020B0609020204030204" pitchFamily="49" charset="0"/>
-              </a:rPr>
-              <a:t>library(</a:t>
-            </a:r>
-            <a:r>
-              <a:rPr lang="en-US" dirty="0" err="1">
-                <a:latin typeface="Consolas" panose="020B0609020204030204" pitchFamily="49" charset="0"/>
-              </a:rPr>
-              <a:t>RSQLite</a:t>
-            </a:r>
-            <a:r>
-              <a:rPr lang="en-US" dirty="0">
-                <a:latin typeface="Consolas" panose="020B0609020204030204" pitchFamily="49" charset="0"/>
-              </a:rPr>
-              <a:t>)</a:t>
-            </a:r>
-          </a:p>
-          <a:p>
-            <a:endParaRPr lang="en-US" dirty="0">
-              <a:latin typeface="Consolas" panose="020B0609020204030204" pitchFamily="49" charset="0"/>
-            </a:endParaRPr>
-          </a:p>
-          <a:p>
-            <a:r>
-              <a:rPr lang="en-US" dirty="0" err="1">
-                <a:latin typeface="Consolas" panose="020B0609020204030204" pitchFamily="49" charset="0"/>
-              </a:rPr>
-              <a:t>db</a:t>
-            </a:r>
-            <a:r>
-              <a:rPr lang="en-US" dirty="0">
-                <a:latin typeface="Consolas" panose="020B0609020204030204" pitchFamily="49" charset="0"/>
-              </a:rPr>
-              <a:t> &lt;- </a:t>
-            </a:r>
-            <a:r>
-              <a:rPr lang="en-US" dirty="0" err="1">
-                <a:latin typeface="Consolas" panose="020B0609020204030204" pitchFamily="49" charset="0"/>
-              </a:rPr>
-              <a:t>dbConnect</a:t>
-            </a:r>
-            <a:r>
-              <a:rPr lang="en-US" dirty="0">
-                <a:latin typeface="Consolas" panose="020B0609020204030204" pitchFamily="49" charset="0"/>
-              </a:rPr>
-              <a:t>(SQLite(), </a:t>
-            </a:r>
-            <a:r>
-              <a:rPr lang="en-US" dirty="0" err="1">
-                <a:latin typeface="Consolas" panose="020B0609020204030204" pitchFamily="49" charset="0"/>
-              </a:rPr>
-              <a:t>dbname</a:t>
-            </a:r>
-            <a:r>
-              <a:rPr lang="en-US" dirty="0">
-                <a:latin typeface="Consolas" panose="020B0609020204030204" pitchFamily="49" charset="0"/>
-              </a:rPr>
-              <a:t>='</a:t>
-            </a:r>
-            <a:r>
-              <a:rPr lang="en-US" dirty="0" err="1">
-                <a:latin typeface="Consolas" panose="020B0609020204030204" pitchFamily="49" charset="0"/>
-              </a:rPr>
-              <a:t>thunderbird_manufacturing.db</a:t>
-            </a:r>
-            <a:r>
-              <a:rPr lang="en-US" dirty="0">
-                <a:latin typeface="Consolas" panose="020B0609020204030204" pitchFamily="49" charset="0"/>
-              </a:rPr>
-              <a:t>')</a:t>
-            </a:r>
-          </a:p>
-          <a:p>
-            <a:endParaRPr lang="en-US" dirty="0">
-              <a:latin typeface="Consolas" panose="020B0609020204030204" pitchFamily="49" charset="0"/>
-            </a:endParaRPr>
-          </a:p>
-          <a:p>
-            <a:r>
-              <a:rPr lang="en-US" dirty="0" err="1">
-                <a:latin typeface="Consolas" panose="020B0609020204030204" pitchFamily="49" charset="0"/>
-              </a:rPr>
-              <a:t>my_query</a:t>
-            </a:r>
-            <a:r>
-              <a:rPr lang="en-US" dirty="0">
-                <a:latin typeface="Consolas" panose="020B0609020204030204" pitchFamily="49" charset="0"/>
-              </a:rPr>
-              <a:t> &lt;- </a:t>
-            </a:r>
-            <a:r>
-              <a:rPr lang="en-US" dirty="0" err="1">
-                <a:latin typeface="Consolas" panose="020B0609020204030204" pitchFamily="49" charset="0"/>
-              </a:rPr>
-              <a:t>dbSendQuery</a:t>
-            </a:r>
-            <a:r>
-              <a:rPr lang="en-US" dirty="0">
-                <a:latin typeface="Consolas" panose="020B0609020204030204" pitchFamily="49" charset="0"/>
-              </a:rPr>
-              <a:t>(</a:t>
-            </a:r>
-            <a:r>
-              <a:rPr lang="en-US" dirty="0" err="1">
-                <a:latin typeface="Consolas" panose="020B0609020204030204" pitchFamily="49" charset="0"/>
-              </a:rPr>
-              <a:t>db</a:t>
-            </a:r>
-            <a:r>
-              <a:rPr lang="en-US" dirty="0">
-                <a:latin typeface="Consolas" panose="020B0609020204030204" pitchFamily="49" charset="0"/>
-              </a:rPr>
-              <a:t>, "SELECT * FROM PRODUCT WHERE PRICE &gt;= 100")</a:t>
-            </a:r>
-          </a:p>
-          <a:p>
-            <a:endParaRPr lang="en-US" dirty="0">
-              <a:latin typeface="Consolas" panose="020B0609020204030204" pitchFamily="49" charset="0"/>
-            </a:endParaRPr>
-          </a:p>
-          <a:p>
-            <a:r>
-              <a:rPr lang="en-US" dirty="0" err="1">
-                <a:latin typeface="Consolas" panose="020B0609020204030204" pitchFamily="49" charset="0"/>
-              </a:rPr>
-              <a:t>my_data</a:t>
-            </a:r>
-            <a:r>
-              <a:rPr lang="en-US" dirty="0">
-                <a:latin typeface="Consolas" panose="020B0609020204030204" pitchFamily="49" charset="0"/>
-              </a:rPr>
-              <a:t> &lt;- </a:t>
-            </a:r>
-            <a:r>
-              <a:rPr lang="en-US" dirty="0" err="1">
-                <a:latin typeface="Consolas" panose="020B0609020204030204" pitchFamily="49" charset="0"/>
-              </a:rPr>
-              <a:t>dbFetch</a:t>
-            </a:r>
-            <a:r>
-              <a:rPr lang="en-US" dirty="0">
-                <a:latin typeface="Consolas" panose="020B0609020204030204" pitchFamily="49" charset="0"/>
-              </a:rPr>
-              <a:t>(</a:t>
-            </a:r>
-            <a:r>
-              <a:rPr lang="en-US" dirty="0" err="1">
-                <a:latin typeface="Consolas" panose="020B0609020204030204" pitchFamily="49" charset="0"/>
-              </a:rPr>
-              <a:t>my_query</a:t>
-            </a:r>
-            <a:r>
-              <a:rPr lang="en-US" dirty="0">
-                <a:latin typeface="Consolas" panose="020B0609020204030204" pitchFamily="49" charset="0"/>
-              </a:rPr>
-              <a:t>, n = -1)</a:t>
-            </a:r>
-          </a:p>
-          <a:p>
-            <a:endParaRPr lang="en-US" dirty="0">
-              <a:latin typeface="Consolas" panose="020B0609020204030204" pitchFamily="49" charset="0"/>
-            </a:endParaRPr>
-          </a:p>
-          <a:p>
-            <a:r>
-              <a:rPr lang="en-US" dirty="0" err="1">
-                <a:latin typeface="Consolas" panose="020B0609020204030204" pitchFamily="49" charset="0"/>
-              </a:rPr>
-              <a:t>dbClearResult</a:t>
-            </a:r>
-            <a:r>
-              <a:rPr lang="en-US" dirty="0">
-                <a:latin typeface="Consolas" panose="020B0609020204030204" pitchFamily="49" charset="0"/>
-              </a:rPr>
-              <a:t>(</a:t>
-            </a:r>
-            <a:r>
-              <a:rPr lang="en-US" dirty="0" err="1">
-                <a:latin typeface="Consolas" panose="020B0609020204030204" pitchFamily="49" charset="0"/>
-              </a:rPr>
-              <a:t>my_query</a:t>
-            </a:r>
-            <a:r>
-              <a:rPr lang="en-US" dirty="0">
-                <a:latin typeface="Consolas" panose="020B0609020204030204" pitchFamily="49" charset="0"/>
-              </a:rPr>
-              <a:t>)</a:t>
-            </a:r>
-          </a:p>
-          <a:p>
-            <a:endParaRPr lang="en-US" dirty="0">
-              <a:latin typeface="Consolas" panose="020B0609020204030204" pitchFamily="49" charset="0"/>
-            </a:endParaRPr>
-          </a:p>
-          <a:p>
-            <a:r>
-              <a:rPr lang="en-US" dirty="0">
-                <a:latin typeface="Consolas" panose="020B0609020204030204" pitchFamily="49" charset="0"/>
-              </a:rPr>
-              <a:t>print(</a:t>
-            </a:r>
-            <a:r>
-              <a:rPr lang="en-US" dirty="0" err="1">
-                <a:latin typeface="Consolas" panose="020B0609020204030204" pitchFamily="49" charset="0"/>
-              </a:rPr>
-              <a:t>my_data</a:t>
-            </a:r>
-            <a:r>
-              <a:rPr lang="en-US" dirty="0">
-                <a:latin typeface="Consolas" panose="020B0609020204030204" pitchFamily="49" charset="0"/>
-              </a:rPr>
-              <a:t>)</a:t>
-            </a:r>
-          </a:p>
-          <a:p>
-            <a:endParaRPr lang="en-US" dirty="0">
-              <a:latin typeface="Consolas" panose="020B0609020204030204" pitchFamily="49" charset="0"/>
-            </a:endParaRPr>
-          </a:p>
-          <a:p>
-            <a:r>
-              <a:rPr lang="en-US" dirty="0">
-                <a:latin typeface="Consolas" panose="020B0609020204030204" pitchFamily="49" charset="0"/>
-              </a:rPr>
-              <a:t>remove(</a:t>
-            </a:r>
-            <a:r>
-              <a:rPr lang="en-US" dirty="0" err="1">
-                <a:latin typeface="Consolas" panose="020B0609020204030204" pitchFamily="49" charset="0"/>
-              </a:rPr>
-              <a:t>my_query</a:t>
-            </a:r>
-            <a:r>
-              <a:rPr lang="en-US" dirty="0">
-                <a:latin typeface="Consolas" panose="020B0609020204030204" pitchFamily="49" charset="0"/>
-              </a:rPr>
-              <a:t>)</a:t>
-            </a:r>
-          </a:p>
-          <a:p>
-            <a:r>
-              <a:rPr lang="en-US" dirty="0" err="1">
-                <a:latin typeface="Consolas" panose="020B0609020204030204" pitchFamily="49" charset="0"/>
-              </a:rPr>
-              <a:t>dbDisconnect</a:t>
-            </a:r>
-            <a:r>
-              <a:rPr lang="en-US" dirty="0">
-                <a:latin typeface="Consolas" panose="020B0609020204030204" pitchFamily="49" charset="0"/>
-              </a:rPr>
-              <a:t>(</a:t>
-            </a:r>
-            <a:r>
-              <a:rPr lang="en-US" dirty="0" err="1">
-                <a:latin typeface="Consolas" panose="020B0609020204030204" pitchFamily="49" charset="0"/>
-              </a:rPr>
-              <a:t>db</a:t>
-            </a:r>
-            <a:r>
-              <a:rPr lang="en-US" dirty="0">
-                <a:latin typeface="Consolas" panose="020B0609020204030204" pitchFamily="49" charset="0"/>
-              </a:rPr>
-              <a:t>)</a:t>
-            </a:r>
-          </a:p>
-        </p:txBody>
-      </p:sp>
-    </p:spTree>
-    <p:extLst>
-      <p:ext uri="{BB962C8B-B14F-4D97-AF65-F5344CB8AC3E}">
-        <p14:creationId xmlns:p14="http://schemas.microsoft.com/office/powerpoint/2010/main" val="3479628533"/>
-      </p:ext>
-    </p:extLst>
-  </p:cSld>
-  <p:clrMapOvr>
-    <a:masterClrMapping/>
-  </p:clrMapOvr>
-</p:sld>
-</file>
-
-<file path=ppt/slides/slide18.xml><?xml version="1.0" encoding="utf-8"?>
-<p:sld xmlns:a="http://schemas.openxmlformats.org/drawingml/2006/main" xmlns:r="http://schemas.openxmlformats.org/officeDocument/2006/relationships" xmlns:p="http://schemas.openxmlformats.org/presentationml/2006/main">
-  <p:cSld>
-    <p:spTree>
-      <p:nvGrpSpPr>
-        <p:cNvPr id="1" name=""/>
-        <p:cNvGrpSpPr/>
-        <p:nvPr/>
-      </p:nvGrpSpPr>
-      <p:grpSpPr>
-        <a:xfrm>
-          <a:off x="0" y="0"/>
-          <a:ext cx="0" cy="0"/>
-          <a:chOff x="0" y="0"/>
-          <a:chExt cx="0" cy="0"/>
-        </a:xfrm>
-      </p:grpSpPr>
-      <p:sp>
-        <p:nvSpPr>
-          <p:cNvPr id="2" name="Title 1">
-            <a:extLst>
-              <a:ext uri="{FF2B5EF4-FFF2-40B4-BE49-F238E27FC236}">
-                <a16:creationId xmlns:a16="http://schemas.microsoft.com/office/drawing/2014/main" id="{55B00E1A-F129-4621-8683-EBC2E511D2A1}"/>
-              </a:ext>
-            </a:extLst>
-          </p:cNvPr>
-          <p:cNvSpPr>
-            <a:spLocks noGrp="1"/>
-          </p:cNvSpPr>
-          <p:nvPr>
-            <p:ph type="title"/>
-          </p:nvPr>
-        </p:nvSpPr>
-        <p:spPr/>
-        <p:txBody>
-          <a:bodyPr/>
-          <a:lstStyle/>
-          <a:p>
-            <a:r>
-              <a:rPr lang="en-US" dirty="0"/>
-              <a:t>EXERCISE – Java Solution </a:t>
-            </a:r>
-          </a:p>
-        </p:txBody>
-      </p:sp>
-      <p:sp>
-        <p:nvSpPr>
-          <p:cNvPr id="4" name="Rectangle 3">
-            <a:extLst>
-              <a:ext uri="{FF2B5EF4-FFF2-40B4-BE49-F238E27FC236}">
-                <a16:creationId xmlns:a16="http://schemas.microsoft.com/office/drawing/2014/main" id="{D46B7E1A-1723-4FE2-8ABC-C430EC6BE1AE}"/>
-              </a:ext>
-            </a:extLst>
-          </p:cNvPr>
-          <p:cNvSpPr/>
-          <p:nvPr/>
-        </p:nvSpPr>
-        <p:spPr>
-          <a:xfrm>
-            <a:off x="910541" y="1516297"/>
-            <a:ext cx="10502097" cy="4893647"/>
-          </a:xfrm>
-          <a:prstGeom prst="rect">
-            <a:avLst/>
-          </a:prstGeom>
-        </p:spPr>
-        <p:txBody>
-          <a:bodyPr wrap="square">
-            <a:spAutoFit/>
-          </a:bodyPr>
-          <a:lstStyle/>
-          <a:p>
-            <a:r>
-              <a:rPr lang="en-US" sz="1200" dirty="0">
-                <a:latin typeface="Consolas" panose="020B0609020204030204" pitchFamily="49" charset="0"/>
-              </a:rPr>
-              <a:t>import </a:t>
-            </a:r>
-            <a:r>
-              <a:rPr lang="en-US" sz="1200" dirty="0" err="1">
-                <a:latin typeface="Consolas" panose="020B0609020204030204" pitchFamily="49" charset="0"/>
-              </a:rPr>
-              <a:t>java.sql.Connection</a:t>
-            </a:r>
-            <a:r>
-              <a:rPr lang="en-US" sz="1200" dirty="0">
-                <a:latin typeface="Consolas" panose="020B0609020204030204" pitchFamily="49" charset="0"/>
-              </a:rPr>
-              <a:t>;</a:t>
-            </a:r>
-          </a:p>
-          <a:p>
-            <a:r>
-              <a:rPr lang="en-US" sz="1200" dirty="0">
-                <a:latin typeface="Consolas" panose="020B0609020204030204" pitchFamily="49" charset="0"/>
-              </a:rPr>
-              <a:t>import </a:t>
-            </a:r>
-            <a:r>
-              <a:rPr lang="en-US" sz="1200" dirty="0" err="1">
-                <a:latin typeface="Consolas" panose="020B0609020204030204" pitchFamily="49" charset="0"/>
-              </a:rPr>
-              <a:t>java.sql.DriverManager</a:t>
-            </a:r>
-            <a:r>
-              <a:rPr lang="en-US" sz="1200" dirty="0">
-                <a:latin typeface="Consolas" panose="020B0609020204030204" pitchFamily="49" charset="0"/>
-              </a:rPr>
-              <a:t>;</a:t>
-            </a:r>
-          </a:p>
-          <a:p>
-            <a:r>
-              <a:rPr lang="en-US" sz="1200" dirty="0">
-                <a:latin typeface="Consolas" panose="020B0609020204030204" pitchFamily="49" charset="0"/>
-              </a:rPr>
-              <a:t>import </a:t>
-            </a:r>
-            <a:r>
-              <a:rPr lang="en-US" sz="1200" dirty="0" err="1">
-                <a:latin typeface="Consolas" panose="020B0609020204030204" pitchFamily="49" charset="0"/>
-              </a:rPr>
-              <a:t>java.sql.ResultSet</a:t>
-            </a:r>
-            <a:r>
-              <a:rPr lang="en-US" sz="1200" dirty="0">
-                <a:latin typeface="Consolas" panose="020B0609020204030204" pitchFamily="49" charset="0"/>
-              </a:rPr>
-              <a:t>;</a:t>
-            </a:r>
-          </a:p>
-          <a:p>
-            <a:r>
-              <a:rPr lang="en-US" sz="1200" dirty="0">
-                <a:latin typeface="Consolas" panose="020B0609020204030204" pitchFamily="49" charset="0"/>
-              </a:rPr>
-              <a:t>import </a:t>
-            </a:r>
-            <a:r>
-              <a:rPr lang="en-US" sz="1200" dirty="0" err="1">
-                <a:latin typeface="Consolas" panose="020B0609020204030204" pitchFamily="49" charset="0"/>
-              </a:rPr>
-              <a:t>java.sql.Statement</a:t>
-            </a:r>
-            <a:r>
-              <a:rPr lang="en-US" sz="1200" dirty="0">
-                <a:latin typeface="Consolas" panose="020B0609020204030204" pitchFamily="49" charset="0"/>
-              </a:rPr>
-              <a:t>;</a:t>
-            </a:r>
-          </a:p>
-          <a:p>
-            <a:endParaRPr lang="en-US" sz="1200" dirty="0">
-              <a:latin typeface="Consolas" panose="020B0609020204030204" pitchFamily="49" charset="0"/>
-            </a:endParaRPr>
-          </a:p>
-          <a:p>
-            <a:r>
-              <a:rPr lang="en-US" sz="1200" dirty="0">
-                <a:latin typeface="Consolas" panose="020B0609020204030204" pitchFamily="49" charset="0"/>
-              </a:rPr>
-              <a:t>public class </a:t>
-            </a:r>
-            <a:r>
-              <a:rPr lang="en-US" sz="1200" dirty="0" err="1">
-                <a:latin typeface="Consolas" panose="020B0609020204030204" pitchFamily="49" charset="0"/>
-              </a:rPr>
-              <a:t>JavaLauncher</a:t>
-            </a:r>
-            <a:r>
-              <a:rPr lang="en-US" sz="1200" dirty="0">
-                <a:latin typeface="Consolas" panose="020B0609020204030204" pitchFamily="49" charset="0"/>
-              </a:rPr>
-              <a:t> {</a:t>
-            </a:r>
-          </a:p>
-          <a:p>
-            <a:endParaRPr lang="en-US" sz="1200" dirty="0">
-              <a:latin typeface="Consolas" panose="020B0609020204030204" pitchFamily="49" charset="0"/>
-            </a:endParaRPr>
-          </a:p>
-          <a:p>
-            <a:r>
-              <a:rPr lang="en-US" sz="1200" dirty="0">
-                <a:latin typeface="Consolas" panose="020B0609020204030204" pitchFamily="49" charset="0"/>
-              </a:rPr>
-              <a:t>    public static void main(String[] </a:t>
-            </a:r>
-            <a:r>
-              <a:rPr lang="en-US" sz="1200" dirty="0" err="1">
-                <a:latin typeface="Consolas" panose="020B0609020204030204" pitchFamily="49" charset="0"/>
-              </a:rPr>
-              <a:t>args</a:t>
-            </a:r>
-            <a:r>
-              <a:rPr lang="en-US" sz="1200" dirty="0">
-                <a:latin typeface="Consolas" panose="020B0609020204030204" pitchFamily="49" charset="0"/>
-              </a:rPr>
-              <a:t>) {</a:t>
-            </a:r>
-          </a:p>
-          <a:p>
-            <a:endParaRPr lang="en-US" sz="1200" dirty="0">
-              <a:latin typeface="Consolas" panose="020B0609020204030204" pitchFamily="49" charset="0"/>
-            </a:endParaRPr>
-          </a:p>
-          <a:p>
-            <a:r>
-              <a:rPr lang="en-US" sz="1200" dirty="0">
-                <a:latin typeface="Consolas" panose="020B0609020204030204" pitchFamily="49" charset="0"/>
-              </a:rPr>
-              <a:t>        try {</a:t>
-            </a:r>
-          </a:p>
-          <a:p>
-            <a:r>
-              <a:rPr lang="en-US" sz="1200" dirty="0">
-                <a:latin typeface="Consolas" panose="020B0609020204030204" pitchFamily="49" charset="0"/>
-              </a:rPr>
-              <a:t>            Connection conn = </a:t>
-            </a:r>
-            <a:r>
-              <a:rPr lang="en-US" sz="1200" dirty="0" err="1">
-                <a:latin typeface="Consolas" panose="020B0609020204030204" pitchFamily="49" charset="0"/>
-              </a:rPr>
-              <a:t>DriverManager.getConnection</a:t>
-            </a:r>
-            <a:r>
-              <a:rPr lang="en-US" sz="1200" dirty="0">
-                <a:latin typeface="Consolas" panose="020B0609020204030204" pitchFamily="49" charset="0"/>
-              </a:rPr>
-              <a:t>("</a:t>
-            </a:r>
-            <a:r>
-              <a:rPr lang="en-US" sz="1200" dirty="0" err="1">
-                <a:latin typeface="Consolas" panose="020B0609020204030204" pitchFamily="49" charset="0"/>
-              </a:rPr>
-              <a:t>jdbc:sqlite</a:t>
-            </a:r>
-            <a:r>
-              <a:rPr lang="en-US" sz="1200" dirty="0">
-                <a:latin typeface="Consolas" panose="020B0609020204030204" pitchFamily="49" charset="0"/>
-              </a:rPr>
-              <a:t>:/c:/</a:t>
-            </a:r>
-            <a:r>
-              <a:rPr lang="en-US" sz="1200" dirty="0" err="1">
-                <a:latin typeface="Consolas" panose="020B0609020204030204" pitchFamily="49" charset="0"/>
-              </a:rPr>
-              <a:t>my_folder</a:t>
-            </a:r>
-            <a:r>
-              <a:rPr lang="en-US" sz="1200" dirty="0">
-                <a:latin typeface="Consolas" panose="020B0609020204030204" pitchFamily="49" charset="0"/>
-              </a:rPr>
-              <a:t>/</a:t>
-            </a:r>
-            <a:r>
-              <a:rPr lang="en-US" sz="1200" dirty="0" err="1">
-                <a:latin typeface="Consolas" panose="020B0609020204030204" pitchFamily="49" charset="0"/>
-              </a:rPr>
-              <a:t>thunderbird_manufacturing.db</a:t>
-            </a:r>
-            <a:r>
-              <a:rPr lang="en-US" sz="1200" dirty="0">
-                <a:latin typeface="Consolas" panose="020B0609020204030204" pitchFamily="49" charset="0"/>
-              </a:rPr>
-              <a:t>");</a:t>
-            </a:r>
-          </a:p>
-          <a:p>
-            <a:r>
-              <a:rPr lang="en-US" sz="1200" dirty="0">
-                <a:latin typeface="Consolas" panose="020B0609020204030204" pitchFamily="49" charset="0"/>
-              </a:rPr>
-              <a:t>            Statement </a:t>
-            </a:r>
-            <a:r>
-              <a:rPr lang="en-US" sz="1200" dirty="0" err="1">
-                <a:latin typeface="Consolas" panose="020B0609020204030204" pitchFamily="49" charset="0"/>
-              </a:rPr>
-              <a:t>stmt</a:t>
-            </a:r>
-            <a:r>
-              <a:rPr lang="en-US" sz="1200" dirty="0">
-                <a:latin typeface="Consolas" panose="020B0609020204030204" pitchFamily="49" charset="0"/>
-              </a:rPr>
-              <a:t> = </a:t>
-            </a:r>
-            <a:r>
-              <a:rPr lang="en-US" sz="1200" dirty="0" err="1">
-                <a:latin typeface="Consolas" panose="020B0609020204030204" pitchFamily="49" charset="0"/>
-              </a:rPr>
-              <a:t>conn.createStatement</a:t>
-            </a:r>
-            <a:r>
-              <a:rPr lang="en-US" sz="1200" dirty="0">
-                <a:latin typeface="Consolas" panose="020B0609020204030204" pitchFamily="49" charset="0"/>
-              </a:rPr>
-              <a:t>();</a:t>
-            </a:r>
-          </a:p>
-          <a:p>
-            <a:r>
-              <a:rPr lang="en-US" sz="1200" dirty="0">
-                <a:latin typeface="Consolas" panose="020B0609020204030204" pitchFamily="49" charset="0"/>
-              </a:rPr>
-              <a:t>            </a:t>
-            </a:r>
-            <a:r>
-              <a:rPr lang="en-US" sz="1200" dirty="0" err="1">
-                <a:latin typeface="Consolas" panose="020B0609020204030204" pitchFamily="49" charset="0"/>
-              </a:rPr>
-              <a:t>ResultSet</a:t>
-            </a:r>
-            <a:r>
-              <a:rPr lang="en-US" sz="1200" dirty="0">
-                <a:latin typeface="Consolas" panose="020B0609020204030204" pitchFamily="49" charset="0"/>
-              </a:rPr>
-              <a:t> </a:t>
-            </a:r>
-            <a:r>
-              <a:rPr lang="en-US" sz="1200" dirty="0" err="1">
-                <a:latin typeface="Consolas" panose="020B0609020204030204" pitchFamily="49" charset="0"/>
-              </a:rPr>
-              <a:t>rs</a:t>
-            </a:r>
-            <a:r>
-              <a:rPr lang="en-US" sz="1200" dirty="0">
-                <a:latin typeface="Consolas" panose="020B0609020204030204" pitchFamily="49" charset="0"/>
-              </a:rPr>
-              <a:t> = </a:t>
-            </a:r>
-            <a:r>
-              <a:rPr lang="en-US" sz="1200" dirty="0" err="1">
-                <a:latin typeface="Consolas" panose="020B0609020204030204" pitchFamily="49" charset="0"/>
-              </a:rPr>
-              <a:t>stmt.executeQuery</a:t>
-            </a:r>
-            <a:r>
-              <a:rPr lang="en-US" sz="1200" dirty="0">
-                <a:latin typeface="Consolas" panose="020B0609020204030204" pitchFamily="49" charset="0"/>
-              </a:rPr>
-              <a:t>("SELECT * from PRODUCT WHERE PRICE &gt;= 100");</a:t>
-            </a:r>
-          </a:p>
-          <a:p>
-            <a:endParaRPr lang="en-US" sz="1200" dirty="0">
-              <a:latin typeface="Consolas" panose="020B0609020204030204" pitchFamily="49" charset="0"/>
-            </a:endParaRPr>
-          </a:p>
-          <a:p>
-            <a:r>
-              <a:rPr lang="en-US" sz="1200" dirty="0">
-                <a:latin typeface="Consolas" panose="020B0609020204030204" pitchFamily="49" charset="0"/>
-              </a:rPr>
-              <a:t>            while (</a:t>
-            </a:r>
-            <a:r>
-              <a:rPr lang="en-US" sz="1200" dirty="0" err="1">
-                <a:latin typeface="Consolas" panose="020B0609020204030204" pitchFamily="49" charset="0"/>
-              </a:rPr>
-              <a:t>rs.next</a:t>
-            </a:r>
-            <a:r>
-              <a:rPr lang="en-US" sz="1200" dirty="0">
-                <a:latin typeface="Consolas" panose="020B0609020204030204" pitchFamily="49" charset="0"/>
-              </a:rPr>
-              <a:t>()) {</a:t>
-            </a:r>
-          </a:p>
-          <a:p>
-            <a:r>
-              <a:rPr lang="en-US" sz="1200" dirty="0">
-                <a:latin typeface="Consolas" panose="020B0609020204030204" pitchFamily="49" charset="0"/>
-              </a:rPr>
-              <a:t>                </a:t>
-            </a:r>
-            <a:r>
-              <a:rPr lang="en-US" sz="1200" dirty="0" err="1">
-                <a:latin typeface="Consolas" panose="020B0609020204030204" pitchFamily="49" charset="0"/>
-              </a:rPr>
-              <a:t>System.out.println</a:t>
-            </a:r>
-            <a:r>
-              <a:rPr lang="en-US" sz="1200" dirty="0">
-                <a:latin typeface="Consolas" panose="020B0609020204030204" pitchFamily="49" charset="0"/>
-              </a:rPr>
-              <a:t>(</a:t>
-            </a:r>
-            <a:r>
-              <a:rPr lang="en-US" sz="1200" dirty="0" err="1">
-                <a:latin typeface="Consolas" panose="020B0609020204030204" pitchFamily="49" charset="0"/>
-              </a:rPr>
-              <a:t>rs.getString</a:t>
-            </a:r>
-            <a:r>
-              <a:rPr lang="en-US" sz="1200" dirty="0">
-                <a:latin typeface="Consolas" panose="020B0609020204030204" pitchFamily="49" charset="0"/>
-              </a:rPr>
-              <a:t>("PRODUCT_NAME") + " " + </a:t>
-            </a:r>
-            <a:r>
-              <a:rPr lang="en-US" sz="1200" dirty="0" err="1">
-                <a:latin typeface="Consolas" panose="020B0609020204030204" pitchFamily="49" charset="0"/>
-              </a:rPr>
-              <a:t>rs.getString</a:t>
-            </a:r>
-            <a:r>
-              <a:rPr lang="en-US" sz="1200" dirty="0">
-                <a:latin typeface="Consolas" panose="020B0609020204030204" pitchFamily="49" charset="0"/>
-              </a:rPr>
-              <a:t>("PRICE"));</a:t>
-            </a:r>
-          </a:p>
-          <a:p>
-            <a:r>
-              <a:rPr lang="en-US" sz="1200" dirty="0">
-                <a:latin typeface="Consolas" panose="020B0609020204030204" pitchFamily="49" charset="0"/>
-              </a:rPr>
-              <a:t>            }</a:t>
-            </a:r>
-          </a:p>
-          <a:p>
-            <a:r>
-              <a:rPr lang="en-US" sz="1200" dirty="0">
-                <a:latin typeface="Consolas" panose="020B0609020204030204" pitchFamily="49" charset="0"/>
-              </a:rPr>
-              <a:t>            //release connection</a:t>
-            </a:r>
-          </a:p>
-          <a:p>
-            <a:r>
-              <a:rPr lang="en-US" sz="1200" dirty="0">
-                <a:latin typeface="Consolas" panose="020B0609020204030204" pitchFamily="49" charset="0"/>
-              </a:rPr>
-              <a:t>            </a:t>
-            </a:r>
-            <a:r>
-              <a:rPr lang="en-US" sz="1200" dirty="0" err="1">
-                <a:latin typeface="Consolas" panose="020B0609020204030204" pitchFamily="49" charset="0"/>
-              </a:rPr>
-              <a:t>conn.close</a:t>
-            </a:r>
-            <a:r>
-              <a:rPr lang="en-US" sz="1200" dirty="0">
-                <a:latin typeface="Consolas" panose="020B0609020204030204" pitchFamily="49" charset="0"/>
-              </a:rPr>
-              <a:t>();</a:t>
-            </a:r>
-          </a:p>
-          <a:p>
-            <a:endParaRPr lang="en-US" sz="1200" dirty="0">
-              <a:latin typeface="Consolas" panose="020B0609020204030204" pitchFamily="49" charset="0"/>
-            </a:endParaRPr>
-          </a:p>
-          <a:p>
-            <a:r>
-              <a:rPr lang="en-US" sz="1200" dirty="0">
-                <a:latin typeface="Consolas" panose="020B0609020204030204" pitchFamily="49" charset="0"/>
-              </a:rPr>
-              <a:t>        } catch (Exception e) {</a:t>
-            </a:r>
-          </a:p>
-          <a:p>
-            <a:r>
-              <a:rPr lang="en-US" sz="1200" dirty="0">
-                <a:latin typeface="Consolas" panose="020B0609020204030204" pitchFamily="49" charset="0"/>
-              </a:rPr>
-              <a:t>            </a:t>
-            </a:r>
-            <a:r>
-              <a:rPr lang="en-US" sz="1200" dirty="0" err="1">
-                <a:latin typeface="Consolas" panose="020B0609020204030204" pitchFamily="49" charset="0"/>
-              </a:rPr>
-              <a:t>e.printStackTrace</a:t>
-            </a:r>
-            <a:r>
-              <a:rPr lang="en-US" sz="1200" dirty="0">
-                <a:latin typeface="Consolas" panose="020B0609020204030204" pitchFamily="49" charset="0"/>
-              </a:rPr>
-              <a:t>();</a:t>
-            </a:r>
-          </a:p>
-          <a:p>
-            <a:r>
-              <a:rPr lang="en-US" sz="1200" dirty="0">
-                <a:latin typeface="Consolas" panose="020B0609020204030204" pitchFamily="49" charset="0"/>
-              </a:rPr>
-              <a:t>        }</a:t>
-            </a:r>
-          </a:p>
-          <a:p>
-            <a:r>
-              <a:rPr lang="en-US" sz="1200" dirty="0">
-                <a:latin typeface="Consolas" panose="020B0609020204030204" pitchFamily="49" charset="0"/>
-              </a:rPr>
-              <a:t>    }</a:t>
-            </a:r>
-          </a:p>
-          <a:p>
-            <a:r>
-              <a:rPr lang="en-US" sz="1200" dirty="0">
-                <a:latin typeface="Consolas" panose="020B0609020204030204" pitchFamily="49" charset="0"/>
-              </a:rPr>
-              <a:t>}</a:t>
-            </a:r>
-          </a:p>
-        </p:txBody>
-      </p:sp>
-    </p:spTree>
-    <p:extLst>
-      <p:ext uri="{BB962C8B-B14F-4D97-AF65-F5344CB8AC3E}">
-        <p14:creationId xmlns:p14="http://schemas.microsoft.com/office/powerpoint/2010/main" val="207121011"/>
-      </p:ext>
-    </p:extLst>
-  </p:cSld>
-  <p:clrMapOvr>
-    <a:masterClrMapping/>
-  </p:clrMapOvr>
-</p:sld>
-</file>
-
-<file path=ppt/slides/slide19.xml><?xml version="1.0" encoding="utf-8"?>
-<p:sld xmlns:a="http://schemas.openxmlformats.org/drawingml/2006/main" xmlns:r="http://schemas.openxmlformats.org/officeDocument/2006/relationships" xmlns:p="http://schemas.openxmlformats.org/presentationml/2006/main">
-  <p:cSld>
-    <p:spTree>
-      <p:nvGrpSpPr>
-        <p:cNvPr id="1" name=""/>
-        <p:cNvGrpSpPr/>
-        <p:nvPr/>
-      </p:nvGrpSpPr>
-      <p:grpSpPr>
-        <a:xfrm>
-          <a:off x="0" y="0"/>
-          <a:ext cx="0" cy="0"/>
-          <a:chOff x="0" y="0"/>
-          <a:chExt cx="0" cy="0"/>
-        </a:xfrm>
-      </p:grpSpPr>
-      <p:sp>
-        <p:nvSpPr>
           <p:cNvPr id="2" name="Title 1"/>
           <p:cNvSpPr>
             <a:spLocks noGrp="1"/>
@@ -6025,85 +5181,7 @@
 </p:sld>
 </file>
 
-<file path=ppt/slides/slide2.xml><?xml version="1.0" encoding="utf-8"?>
-<p:sld xmlns:a="http://schemas.openxmlformats.org/drawingml/2006/main" xmlns:r="http://schemas.openxmlformats.org/officeDocument/2006/relationships" xmlns:p="http://schemas.openxmlformats.org/presentationml/2006/main">
-  <p:cSld>
-    <p:spTree>
-      <p:nvGrpSpPr>
-        <p:cNvPr id="1" name=""/>
-        <p:cNvGrpSpPr/>
-        <p:nvPr/>
-      </p:nvGrpSpPr>
-      <p:grpSpPr>
-        <a:xfrm>
-          <a:off x="0" y="0"/>
-          <a:ext cx="0" cy="0"/>
-          <a:chOff x="0" y="0"/>
-          <a:chExt cx="0" cy="0"/>
-        </a:xfrm>
-      </p:grpSpPr>
-      <p:sp>
-        <p:nvSpPr>
-          <p:cNvPr id="2" name="Title 1"/>
-          <p:cNvSpPr>
-            <a:spLocks noGrp="1"/>
-          </p:cNvSpPr>
-          <p:nvPr>
-            <p:ph type="ctrTitle"/>
-          </p:nvPr>
-        </p:nvSpPr>
-        <p:spPr>
-          <a:xfrm>
-            <a:off x="838200" y="1164324"/>
-            <a:ext cx="10515600" cy="2387600"/>
-          </a:xfrm>
-        </p:spPr>
-        <p:txBody>
-          <a:bodyPr anchor="ctr" anchorCtr="0">
-            <a:normAutofit/>
-          </a:bodyPr>
-          <a:lstStyle/>
-          <a:p>
-            <a:r>
-              <a:rPr lang="en-US" sz="4400" dirty="0">
-                <a:solidFill>
-                  <a:schemeClr val="bg1"/>
-                </a:solidFill>
-              </a:rPr>
-              <a:t>Section I</a:t>
-            </a:r>
-            <a:br>
-              <a:rPr lang="en-US" sz="4400" dirty="0">
-                <a:solidFill>
-                  <a:schemeClr val="bg1"/>
-                </a:solidFill>
-              </a:rPr>
-            </a:br>
-            <a:r>
-              <a:rPr lang="en-US" sz="4400" dirty="0">
-                <a:solidFill>
-                  <a:schemeClr val="bg1"/>
-                </a:solidFill>
-              </a:rPr>
-              <a:t>Overview</a:t>
-            </a:r>
-          </a:p>
-        </p:txBody>
-      </p:sp>
-    </p:spTree>
-    <p:extLst>
-      <p:ext uri="{BB962C8B-B14F-4D97-AF65-F5344CB8AC3E}">
-        <p14:creationId xmlns:p14="http://schemas.microsoft.com/office/powerpoint/2010/main" val="3615721245"/>
-      </p:ext>
-    </p:extLst>
-  </p:cSld>
-  <p:clrMapOvr>
-    <a:masterClrMapping/>
-  </p:clrMapOvr>
-</p:sld>
-</file>
-
-<file path=ppt/slides/slide20.xml><?xml version="1.0" encoding="utf-8"?>
+<file path=ppt/slides/slide18.xml><?xml version="1.0" encoding="utf-8"?>
 <p:sld xmlns:a="http://schemas.openxmlformats.org/drawingml/2006/main" xmlns:r="http://schemas.openxmlformats.org/officeDocument/2006/relationships" xmlns:p="http://schemas.openxmlformats.org/presentationml/2006/main">
   <p:cSld>
     <p:spTree>
@@ -6600,7 +5678,7 @@
 </p:sld>
 </file>
 
-<file path=ppt/slides/slide21.xml><?xml version="1.0" encoding="utf-8"?>
+<file path=ppt/slides/slide19.xml><?xml version="1.0" encoding="utf-8"?>
 <p:sld xmlns:a="http://schemas.openxmlformats.org/drawingml/2006/main" xmlns:r="http://schemas.openxmlformats.org/officeDocument/2006/relationships" xmlns:p="http://schemas.openxmlformats.org/presentationml/2006/main">
   <p:cSld>
     <p:spTree>
@@ -6788,7 +5866,85 @@
 </p:sld>
 </file>
 
-<file path=ppt/slides/slide22.xml><?xml version="1.0" encoding="utf-8"?>
+<file path=ppt/slides/slide2.xml><?xml version="1.0" encoding="utf-8"?>
+<p:sld xmlns:a="http://schemas.openxmlformats.org/drawingml/2006/main" xmlns:r="http://schemas.openxmlformats.org/officeDocument/2006/relationships" xmlns:p="http://schemas.openxmlformats.org/presentationml/2006/main">
+  <p:cSld>
+    <p:spTree>
+      <p:nvGrpSpPr>
+        <p:cNvPr id="1" name=""/>
+        <p:cNvGrpSpPr/>
+        <p:nvPr/>
+      </p:nvGrpSpPr>
+      <p:grpSpPr>
+        <a:xfrm>
+          <a:off x="0" y="0"/>
+          <a:ext cx="0" cy="0"/>
+          <a:chOff x="0" y="0"/>
+          <a:chExt cx="0" cy="0"/>
+        </a:xfrm>
+      </p:grpSpPr>
+      <p:sp>
+        <p:nvSpPr>
+          <p:cNvPr id="2" name="Title 1"/>
+          <p:cNvSpPr>
+            <a:spLocks noGrp="1"/>
+          </p:cNvSpPr>
+          <p:nvPr>
+            <p:ph type="ctrTitle"/>
+          </p:nvPr>
+        </p:nvSpPr>
+        <p:spPr>
+          <a:xfrm>
+            <a:off x="838200" y="1164324"/>
+            <a:ext cx="10515600" cy="2387600"/>
+          </a:xfrm>
+        </p:spPr>
+        <p:txBody>
+          <a:bodyPr anchor="ctr" anchorCtr="0">
+            <a:normAutofit/>
+          </a:bodyPr>
+          <a:lstStyle/>
+          <a:p>
+            <a:r>
+              <a:rPr lang="en-US" sz="4400" dirty="0">
+                <a:solidFill>
+                  <a:schemeClr val="bg1"/>
+                </a:solidFill>
+              </a:rPr>
+              <a:t>Section I</a:t>
+            </a:r>
+            <a:br>
+              <a:rPr lang="en-US" sz="4400" dirty="0">
+                <a:solidFill>
+                  <a:schemeClr val="bg1"/>
+                </a:solidFill>
+              </a:rPr>
+            </a:br>
+            <a:r>
+              <a:rPr lang="en-US" sz="4400" dirty="0">
+                <a:solidFill>
+                  <a:schemeClr val="bg1"/>
+                </a:solidFill>
+              </a:rPr>
+              <a:t>Overview</a:t>
+            </a:r>
+          </a:p>
+        </p:txBody>
+      </p:sp>
+    </p:spTree>
+    <p:extLst>
+      <p:ext uri="{BB962C8B-B14F-4D97-AF65-F5344CB8AC3E}">
+        <p14:creationId xmlns:p14="http://schemas.microsoft.com/office/powerpoint/2010/main" val="3615721245"/>
+      </p:ext>
+    </p:extLst>
+  </p:cSld>
+  <p:clrMapOvr>
+    <a:masterClrMapping/>
+  </p:clrMapOvr>
+</p:sld>
+</file>
+
+<file path=ppt/slides/slide20.xml><?xml version="1.0" encoding="utf-8"?>
 <p:sld xmlns:a="http://schemas.openxmlformats.org/drawingml/2006/main" xmlns:r="http://schemas.openxmlformats.org/officeDocument/2006/relationships" xmlns:p="http://schemas.openxmlformats.org/presentationml/2006/main">
   <p:cSld>
     <p:spTree>
@@ -6851,8 +6007,8 @@
         </p:nvSpPr>
         <p:spPr>
           <a:xfrm>
-            <a:off x="539495" y="1435608"/>
-            <a:ext cx="7504910" cy="5277708"/>
+            <a:off x="539494" y="1435608"/>
+            <a:ext cx="7769849" cy="5277708"/>
           </a:xfrm>
         </p:spPr>
         <p:txBody>
@@ -6887,7 +6043,7 @@
             </a:r>
             <a:r>
               <a:rPr lang="en-US" b="1" dirty="0"/>
-              <a:t>that maintains several threads. </a:t>
+              <a:t>that maintains several connections to support several threads.</a:t>
             </a:r>
           </a:p>
           <a:p>
@@ -6977,7 +6133,7 @@
         </p:blipFill>
         <p:spPr>
           <a:xfrm>
-            <a:off x="8169576" y="1435608"/>
+            <a:off x="8309343" y="1435608"/>
             <a:ext cx="3374221" cy="2245489"/>
           </a:xfrm>
           <a:prstGeom prst="rect">
@@ -6998,7 +6154,7 @@
 </p:sld>
 </file>
 
-<file path=ppt/slides/slide23.xml><?xml version="1.0" encoding="utf-8"?>
+<file path=ppt/slides/slide21.xml><?xml version="1.0" encoding="utf-8"?>
 <p:sld xmlns:a="http://schemas.openxmlformats.org/drawingml/2006/main" xmlns:r="http://schemas.openxmlformats.org/officeDocument/2006/relationships" xmlns:p="http://schemas.openxmlformats.org/presentationml/2006/main">
   <p:cSld>
     <p:spTree>
@@ -7142,7 +6298,7 @@
 </p:sld>
 </file>
 
-<file path=ppt/slides/slide24.xml><?xml version="1.0" encoding="utf-8"?>
+<file path=ppt/slides/slide22.xml><?xml version="1.0" encoding="utf-8"?>
 <p:sld xmlns:a="http://schemas.openxmlformats.org/drawingml/2006/main" xmlns:r="http://schemas.openxmlformats.org/officeDocument/2006/relationships" xmlns:p="http://schemas.openxmlformats.org/presentationml/2006/main">
   <p:cSld>
     <p:spTree>
@@ -7307,7 +6463,7 @@
 </p:sld>
 </file>
 
-<file path=ppt/slides/slide25.xml><?xml version="1.0" encoding="utf-8"?>
+<file path=ppt/slides/slide23.xml><?xml version="1.0" encoding="utf-8"?>
 <p:sld xmlns:a="http://schemas.openxmlformats.org/drawingml/2006/main" xmlns:r="http://schemas.openxmlformats.org/officeDocument/2006/relationships" xmlns:p="http://schemas.openxmlformats.org/presentationml/2006/main">
   <p:cSld>
     <p:spTree>
@@ -7866,7 +7022,7 @@
 </p:sld>
 </file>
 
-<file path=ppt/slides/slide26.xml><?xml version="1.0" encoding="utf-8"?>
+<file path=ppt/slides/slide24.xml><?xml version="1.0" encoding="utf-8"?>
 <p:sld xmlns:a="http://schemas.openxmlformats.org/drawingml/2006/main" xmlns:r="http://schemas.openxmlformats.org/officeDocument/2006/relationships" xmlns:p="http://schemas.openxmlformats.org/presentationml/2006/main">
   <p:cSld>
     <p:spTree>
@@ -8107,7 +7263,7 @@
 </p:sld>
 </file>
 
-<file path=ppt/slides/slide27.xml><?xml version="1.0" encoding="utf-8"?>
+<file path=ppt/slides/slide25.xml><?xml version="1.0" encoding="utf-8"?>
 <p:sld xmlns:a="http://schemas.openxmlformats.org/drawingml/2006/main" xmlns:r="http://schemas.openxmlformats.org/officeDocument/2006/relationships" xmlns:p="http://schemas.openxmlformats.org/presentationml/2006/main">
   <p:cSld>
     <p:spTree>
@@ -8379,7 +7535,7 @@
 </p:sld>
 </file>
 
-<file path=ppt/slides/slide28.xml><?xml version="1.0" encoding="utf-8"?>
+<file path=ppt/slides/slide26.xml><?xml version="1.0" encoding="utf-8"?>
 <p:sld xmlns:a="http://schemas.openxmlformats.org/drawingml/2006/main" xmlns:r="http://schemas.openxmlformats.org/officeDocument/2006/relationships" xmlns:p="http://schemas.openxmlformats.org/presentationml/2006/main">
   <p:cSld>
     <p:spTree>
@@ -8533,6 +7689,238 @@
     <p:extLst>
       <p:ext uri="{BB962C8B-B14F-4D97-AF65-F5344CB8AC3E}">
         <p14:creationId xmlns:p14="http://schemas.microsoft.com/office/powerpoint/2010/main" val="2654527223"/>
+      </p:ext>
+    </p:extLst>
+  </p:cSld>
+  <p:clrMapOvr>
+    <a:masterClrMapping/>
+  </p:clrMapOvr>
+</p:sld>
+</file>
+
+<file path=ppt/slides/slide27.xml><?xml version="1.0" encoding="utf-8"?>
+<p:sld xmlns:a="http://schemas.openxmlformats.org/drawingml/2006/main" xmlns:r="http://schemas.openxmlformats.org/officeDocument/2006/relationships" xmlns:p="http://schemas.openxmlformats.org/presentationml/2006/main">
+  <p:cSld>
+    <p:spTree>
+      <p:nvGrpSpPr>
+        <p:cNvPr id="1" name=""/>
+        <p:cNvGrpSpPr/>
+        <p:nvPr/>
+      </p:nvGrpSpPr>
+      <p:grpSpPr>
+        <a:xfrm>
+          <a:off x="0" y="0"/>
+          <a:ext cx="0" cy="0"/>
+          <a:chOff x="0" y="0"/>
+          <a:chExt cx="0" cy="0"/>
+        </a:xfrm>
+      </p:grpSpPr>
+      <p:sp>
+        <p:nvSpPr>
+          <p:cNvPr id="2" name="Title 1">
+            <a:extLst>
+              <a:ext uri="{FF2B5EF4-FFF2-40B4-BE49-F238E27FC236}">
+                <a16:creationId xmlns:a16="http://schemas.microsoft.com/office/drawing/2014/main" id="{55B00E1A-F129-4621-8683-EBC2E511D2A1}"/>
+              </a:ext>
+            </a:extLst>
+          </p:cNvPr>
+          <p:cNvSpPr>
+            <a:spLocks noGrp="1"/>
+          </p:cNvSpPr>
+          <p:nvPr>
+            <p:ph type="title"/>
+          </p:nvPr>
+        </p:nvSpPr>
+        <p:spPr/>
+        <p:txBody>
+          <a:bodyPr/>
+          <a:lstStyle/>
+          <a:p>
+            <a:r>
+              <a:rPr lang="en-US" dirty="0"/>
+              <a:t>EXERCISE</a:t>
+            </a:r>
+          </a:p>
+        </p:txBody>
+      </p:sp>
+      <p:sp>
+        <p:nvSpPr>
+          <p:cNvPr id="3" name="Content Placeholder 2">
+            <a:extLst>
+              <a:ext uri="{FF2B5EF4-FFF2-40B4-BE49-F238E27FC236}">
+                <a16:creationId xmlns:a16="http://schemas.microsoft.com/office/drawing/2014/main" id="{EF32D758-D7BA-4B2D-878C-A86A3F056615}"/>
+              </a:ext>
+            </a:extLst>
+          </p:cNvPr>
+          <p:cNvSpPr>
+            <a:spLocks noGrp="1"/>
+          </p:cNvSpPr>
+          <p:nvPr>
+            <p:ph sz="quarter" idx="10"/>
+          </p:nvPr>
+        </p:nvSpPr>
+        <p:spPr>
+          <a:xfrm>
+            <a:off x="539495" y="1435607"/>
+            <a:ext cx="10138151" cy="5105869"/>
+          </a:xfrm>
+        </p:spPr>
+        <p:txBody>
+          <a:bodyPr>
+            <a:normAutofit/>
+          </a:bodyPr>
+          <a:lstStyle/>
+          <a:p>
+            <a:r>
+              <a:rPr lang="en-US" sz="1600" b="1" dirty="0"/>
+              <a:t>If you intend on having thousands of simultaneous tasks being executed in an application, it is a good idea to create a connection for each task (TRUE/FALSE)</a:t>
+            </a:r>
+          </a:p>
+        </p:txBody>
+      </p:sp>
+    </p:spTree>
+    <p:extLst>
+      <p:ext uri="{BB962C8B-B14F-4D97-AF65-F5344CB8AC3E}">
+        <p14:creationId xmlns:p14="http://schemas.microsoft.com/office/powerpoint/2010/main" val="1609790909"/>
+      </p:ext>
+    </p:extLst>
+  </p:cSld>
+  <p:clrMapOvr>
+    <a:masterClrMapping/>
+  </p:clrMapOvr>
+</p:sld>
+</file>
+
+<file path=ppt/slides/slide28.xml><?xml version="1.0" encoding="utf-8"?>
+<p:sld xmlns:a="http://schemas.openxmlformats.org/drawingml/2006/main" xmlns:r="http://schemas.openxmlformats.org/officeDocument/2006/relationships" xmlns:p="http://schemas.openxmlformats.org/presentationml/2006/main">
+  <p:cSld>
+    <p:spTree>
+      <p:nvGrpSpPr>
+        <p:cNvPr id="1" name=""/>
+        <p:cNvGrpSpPr/>
+        <p:nvPr/>
+      </p:nvGrpSpPr>
+      <p:grpSpPr>
+        <a:xfrm>
+          <a:off x="0" y="0"/>
+          <a:ext cx="0" cy="0"/>
+          <a:chOff x="0" y="0"/>
+          <a:chExt cx="0" cy="0"/>
+        </a:xfrm>
+      </p:grpSpPr>
+      <p:sp>
+        <p:nvSpPr>
+          <p:cNvPr id="2" name="Title 1">
+            <a:extLst>
+              <a:ext uri="{FF2B5EF4-FFF2-40B4-BE49-F238E27FC236}">
+                <a16:creationId xmlns:a16="http://schemas.microsoft.com/office/drawing/2014/main" id="{55B00E1A-F129-4621-8683-EBC2E511D2A1}"/>
+              </a:ext>
+            </a:extLst>
+          </p:cNvPr>
+          <p:cNvSpPr>
+            <a:spLocks noGrp="1"/>
+          </p:cNvSpPr>
+          <p:nvPr>
+            <p:ph type="title"/>
+          </p:nvPr>
+        </p:nvSpPr>
+        <p:spPr/>
+        <p:txBody>
+          <a:bodyPr/>
+          <a:lstStyle/>
+          <a:p>
+            <a:r>
+              <a:rPr lang="en-US" dirty="0"/>
+              <a:t>EXERCISE</a:t>
+            </a:r>
+          </a:p>
+        </p:txBody>
+      </p:sp>
+      <p:sp>
+        <p:nvSpPr>
+          <p:cNvPr id="3" name="Content Placeholder 2">
+            <a:extLst>
+              <a:ext uri="{FF2B5EF4-FFF2-40B4-BE49-F238E27FC236}">
+                <a16:creationId xmlns:a16="http://schemas.microsoft.com/office/drawing/2014/main" id="{EF32D758-D7BA-4B2D-878C-A86A3F056615}"/>
+              </a:ext>
+            </a:extLst>
+          </p:cNvPr>
+          <p:cNvSpPr>
+            <a:spLocks noGrp="1"/>
+          </p:cNvSpPr>
+          <p:nvPr>
+            <p:ph sz="quarter" idx="10"/>
+          </p:nvPr>
+        </p:nvSpPr>
+        <p:spPr>
+          <a:xfrm>
+            <a:off x="539495" y="1435607"/>
+            <a:ext cx="10138151" cy="5105869"/>
+          </a:xfrm>
+        </p:spPr>
+        <p:txBody>
+          <a:bodyPr>
+            <a:normAutofit/>
+          </a:bodyPr>
+          <a:lstStyle/>
+          <a:p>
+            <a:r>
+              <a:rPr lang="en-US" sz="1600" b="1" dirty="0"/>
+              <a:t>If you intend on having thousands of simultaneous tasks being executed in an application, it is a good idea to create a connection for each task (TRUE/FALSE)</a:t>
+            </a:r>
+          </a:p>
+          <a:p>
+            <a:r>
+              <a:rPr lang="en-US" sz="1600" dirty="0">
+                <a:solidFill>
+                  <a:srgbClr val="FF0000"/>
+                </a:solidFill>
+              </a:rPr>
+              <a:t>FALSE! Creating thousands of connections to process thousands of tasks can be computationally expensive and cause crashes on the application side and server side. It is better to pool a limited number of connections (e.g. 12-24 connections) and reuse those connections to process the tasks. </a:t>
+            </a:r>
+          </a:p>
+          <a:p>
+            <a:endParaRPr lang="en-US" sz="1600" b="1" dirty="0"/>
+          </a:p>
+          <a:p>
+            <a:endParaRPr lang="en-US" sz="1600" b="1" dirty="0"/>
+          </a:p>
+          <a:p>
+            <a:pPr marL="285750" indent="-285750">
+              <a:buFont typeface="Arial" panose="020B0604020202020204" pitchFamily="34" charset="0"/>
+              <a:buChar char="•"/>
+            </a:pPr>
+            <a:endParaRPr lang="en-US" sz="1600" dirty="0"/>
+          </a:p>
+          <a:p>
+            <a:pPr marL="285750" indent="-285750">
+              <a:buFont typeface="Arial" panose="020B0604020202020204" pitchFamily="34" charset="0"/>
+              <a:buChar char="•"/>
+            </a:pPr>
+            <a:endParaRPr lang="en-US" sz="1600" dirty="0"/>
+          </a:p>
+          <a:p>
+            <a:endParaRPr lang="en-US" sz="1600" dirty="0"/>
+          </a:p>
+          <a:p>
+            <a:endParaRPr lang="en-US" sz="1600" dirty="0"/>
+          </a:p>
+          <a:p>
+            <a:pPr marL="285750" indent="-285750">
+              <a:buFont typeface="Arial" panose="020B0604020202020204" pitchFamily="34" charset="0"/>
+              <a:buChar char="•"/>
+            </a:pPr>
+            <a:endParaRPr lang="en-US" sz="1600" dirty="0"/>
+          </a:p>
+          <a:p>
+            <a:endParaRPr lang="en-US" sz="1600" dirty="0"/>
+          </a:p>
+        </p:txBody>
+      </p:sp>
+    </p:spTree>
+    <p:extLst>
+      <p:ext uri="{BB962C8B-B14F-4D97-AF65-F5344CB8AC3E}">
+        <p14:creationId xmlns:p14="http://schemas.microsoft.com/office/powerpoint/2010/main" val="1847715091"/>
       </p:ext>
     </p:extLst>
   </p:cSld>
@@ -8617,15 +8005,72 @@
           <a:p>
             <a:r>
               <a:rPr lang="en-US" sz="1600" b="1" dirty="0"/>
-              <a:t>If you intend on having thousands of simultaneous tasks being executed in an application, it is a good idea to create a connection for each task (TRUE/FALSE)</a:t>
-            </a:r>
+              <a:t>Which of the following are benefits of connection pools? </a:t>
+            </a:r>
+          </a:p>
+          <a:p>
+            <a:pPr marL="342900" indent="-342900">
+              <a:buAutoNum type="alphaUcParenR"/>
+            </a:pPr>
+            <a:r>
+              <a:rPr lang="en-US" sz="1600" dirty="0"/>
+              <a:t>They reuse connections making the application more efficient</a:t>
+            </a:r>
+          </a:p>
+          <a:p>
+            <a:pPr marL="342900" indent="-342900">
+              <a:buAutoNum type="alphaUcParenR"/>
+            </a:pPr>
+            <a:r>
+              <a:rPr lang="en-US" sz="1600" dirty="0"/>
+              <a:t>Timed out connections will automatically get disposed and replaced</a:t>
+            </a:r>
+          </a:p>
+          <a:p>
+            <a:pPr marL="342900" indent="-342900">
+              <a:buAutoNum type="alphaUcParenR"/>
+            </a:pPr>
+            <a:r>
+              <a:rPr lang="en-US" sz="1600" dirty="0"/>
+              <a:t>Thread safety is enforced with database connection resources</a:t>
+            </a:r>
+          </a:p>
+          <a:p>
+            <a:pPr marL="342900" indent="-342900">
+              <a:buAutoNum type="alphaUcParenR"/>
+            </a:pPr>
+            <a:r>
+              <a:rPr lang="en-US" sz="1600" dirty="0"/>
+              <a:t>They will automatically take connections back from tasks when tasks are complete. </a:t>
+            </a:r>
+          </a:p>
+          <a:p>
+            <a:pPr marL="342900" indent="-342900">
+              <a:buAutoNum type="alphaUcParenR"/>
+            </a:pPr>
+            <a:r>
+              <a:rPr lang="en-US" sz="1600" dirty="0"/>
+              <a:t>Multiple database queries/updates can be executed simultaneously and safely</a:t>
+            </a:r>
+          </a:p>
+          <a:p>
+            <a:pPr marL="342900" indent="-342900">
+              <a:buAutoNum type="alphaUcParenR"/>
+            </a:pPr>
+            <a:endParaRPr lang="en-US" sz="1600" dirty="0"/>
+          </a:p>
+          <a:p>
+            <a:pPr marL="342900" indent="-342900">
+              <a:buAutoNum type="alphaUcParenR"/>
+            </a:pPr>
+            <a:endParaRPr lang="en-US" sz="1600" dirty="0"/>
           </a:p>
         </p:txBody>
       </p:sp>
     </p:spTree>
     <p:extLst>
       <p:ext uri="{BB962C8B-B14F-4D97-AF65-F5344CB8AC3E}">
-        <p14:creationId xmlns:p14="http://schemas.microsoft.com/office/powerpoint/2010/main" val="1609790909"/>
+        <p14:creationId xmlns:p14="http://schemas.microsoft.com/office/powerpoint/2010/main" val="3623942304"/>
       </p:ext>
     </p:extLst>
   </p:cSld>
@@ -10390,295 +9835,6 @@
         </p:nvSpPr>
         <p:spPr>
           <a:xfrm>
-            <a:off x="539495" y="1435607"/>
-            <a:ext cx="10138151" cy="5105869"/>
-          </a:xfrm>
-        </p:spPr>
-        <p:txBody>
-          <a:bodyPr>
-            <a:normAutofit/>
-          </a:bodyPr>
-          <a:lstStyle/>
-          <a:p>
-            <a:r>
-              <a:rPr lang="en-US" sz="1600" b="1" dirty="0"/>
-              <a:t>If you intend on having thousands of simultaneous tasks being executed in an application, it is a good idea to create a connection for each task (TRUE/FALSE)</a:t>
-            </a:r>
-          </a:p>
-          <a:p>
-            <a:r>
-              <a:rPr lang="en-US" sz="1600" dirty="0">
-                <a:solidFill>
-                  <a:srgbClr val="FF0000"/>
-                </a:solidFill>
-              </a:rPr>
-              <a:t>FALSE! Creating thousands of connections to process thousands of tasks can be computationally expensive and cause crashes on the application side and server side. It is better to pool a limited number of connections (e.g. 12-24 connections) and reuse those connections to process the tasks. </a:t>
-            </a:r>
-          </a:p>
-          <a:p>
-            <a:endParaRPr lang="en-US" sz="1600" b="1" dirty="0"/>
-          </a:p>
-          <a:p>
-            <a:endParaRPr lang="en-US" sz="1600" b="1" dirty="0"/>
-          </a:p>
-          <a:p>
-            <a:pPr marL="285750" indent="-285750">
-              <a:buFont typeface="Arial" panose="020B0604020202020204" pitchFamily="34" charset="0"/>
-              <a:buChar char="•"/>
-            </a:pPr>
-            <a:endParaRPr lang="en-US" sz="1600" dirty="0"/>
-          </a:p>
-          <a:p>
-            <a:pPr marL="285750" indent="-285750">
-              <a:buFont typeface="Arial" panose="020B0604020202020204" pitchFamily="34" charset="0"/>
-              <a:buChar char="•"/>
-            </a:pPr>
-            <a:endParaRPr lang="en-US" sz="1600" dirty="0"/>
-          </a:p>
-          <a:p>
-            <a:endParaRPr lang="en-US" sz="1600" dirty="0"/>
-          </a:p>
-          <a:p>
-            <a:endParaRPr lang="en-US" sz="1600" dirty="0"/>
-          </a:p>
-          <a:p>
-            <a:pPr marL="285750" indent="-285750">
-              <a:buFont typeface="Arial" panose="020B0604020202020204" pitchFamily="34" charset="0"/>
-              <a:buChar char="•"/>
-            </a:pPr>
-            <a:endParaRPr lang="en-US" sz="1600" dirty="0"/>
-          </a:p>
-          <a:p>
-            <a:endParaRPr lang="en-US" sz="1600" dirty="0"/>
-          </a:p>
-        </p:txBody>
-      </p:sp>
-    </p:spTree>
-    <p:extLst>
-      <p:ext uri="{BB962C8B-B14F-4D97-AF65-F5344CB8AC3E}">
-        <p14:creationId xmlns:p14="http://schemas.microsoft.com/office/powerpoint/2010/main" val="1847715091"/>
-      </p:ext>
-    </p:extLst>
-  </p:cSld>
-  <p:clrMapOvr>
-    <a:masterClrMapping/>
-  </p:clrMapOvr>
-</p:sld>
-</file>
-
-<file path=ppt/slides/slide31.xml><?xml version="1.0" encoding="utf-8"?>
-<p:sld xmlns:a="http://schemas.openxmlformats.org/drawingml/2006/main" xmlns:r="http://schemas.openxmlformats.org/officeDocument/2006/relationships" xmlns:p="http://schemas.openxmlformats.org/presentationml/2006/main">
-  <p:cSld>
-    <p:spTree>
-      <p:nvGrpSpPr>
-        <p:cNvPr id="1" name=""/>
-        <p:cNvGrpSpPr/>
-        <p:nvPr/>
-      </p:nvGrpSpPr>
-      <p:grpSpPr>
-        <a:xfrm>
-          <a:off x="0" y="0"/>
-          <a:ext cx="0" cy="0"/>
-          <a:chOff x="0" y="0"/>
-          <a:chExt cx="0" cy="0"/>
-        </a:xfrm>
-      </p:grpSpPr>
-      <p:sp>
-        <p:nvSpPr>
-          <p:cNvPr id="2" name="Title 1">
-            <a:extLst>
-              <a:ext uri="{FF2B5EF4-FFF2-40B4-BE49-F238E27FC236}">
-                <a16:creationId xmlns:a16="http://schemas.microsoft.com/office/drawing/2014/main" id="{55B00E1A-F129-4621-8683-EBC2E511D2A1}"/>
-              </a:ext>
-            </a:extLst>
-          </p:cNvPr>
-          <p:cNvSpPr>
-            <a:spLocks noGrp="1"/>
-          </p:cNvSpPr>
-          <p:nvPr>
-            <p:ph type="title"/>
-          </p:nvPr>
-        </p:nvSpPr>
-        <p:spPr/>
-        <p:txBody>
-          <a:bodyPr/>
-          <a:lstStyle/>
-          <a:p>
-            <a:r>
-              <a:rPr lang="en-US" dirty="0"/>
-              <a:t>EXERCISE</a:t>
-            </a:r>
-          </a:p>
-        </p:txBody>
-      </p:sp>
-      <p:sp>
-        <p:nvSpPr>
-          <p:cNvPr id="3" name="Content Placeholder 2">
-            <a:extLst>
-              <a:ext uri="{FF2B5EF4-FFF2-40B4-BE49-F238E27FC236}">
-                <a16:creationId xmlns:a16="http://schemas.microsoft.com/office/drawing/2014/main" id="{EF32D758-D7BA-4B2D-878C-A86A3F056615}"/>
-              </a:ext>
-            </a:extLst>
-          </p:cNvPr>
-          <p:cNvSpPr>
-            <a:spLocks noGrp="1"/>
-          </p:cNvSpPr>
-          <p:nvPr>
-            <p:ph sz="quarter" idx="10"/>
-          </p:nvPr>
-        </p:nvSpPr>
-        <p:spPr>
-          <a:xfrm>
-            <a:off x="539495" y="1435607"/>
-            <a:ext cx="10138151" cy="5105869"/>
-          </a:xfrm>
-        </p:spPr>
-        <p:txBody>
-          <a:bodyPr>
-            <a:normAutofit/>
-          </a:bodyPr>
-          <a:lstStyle/>
-          <a:p>
-            <a:r>
-              <a:rPr lang="en-US" sz="1600" b="1" dirty="0"/>
-              <a:t>Which of the following are benefits of connection pools? </a:t>
-            </a:r>
-          </a:p>
-          <a:p>
-            <a:pPr marL="342900" indent="-342900">
-              <a:buAutoNum type="alphaUcParenR"/>
-            </a:pPr>
-            <a:r>
-              <a:rPr lang="en-US" sz="1600" dirty="0"/>
-              <a:t>They reuse connections making the application more efficient</a:t>
-            </a:r>
-          </a:p>
-          <a:p>
-            <a:pPr marL="342900" indent="-342900">
-              <a:buAutoNum type="alphaUcParenR"/>
-            </a:pPr>
-            <a:r>
-              <a:rPr lang="en-US" sz="1600" dirty="0"/>
-              <a:t>Timed out connections will automatically get disposed and replaced</a:t>
-            </a:r>
-          </a:p>
-          <a:p>
-            <a:pPr marL="342900" indent="-342900">
-              <a:buAutoNum type="alphaUcParenR"/>
-            </a:pPr>
-            <a:r>
-              <a:rPr lang="en-US" sz="1600" dirty="0"/>
-              <a:t>Thread safety is enforced with database connection resources</a:t>
-            </a:r>
-          </a:p>
-          <a:p>
-            <a:pPr marL="342900" indent="-342900">
-              <a:buAutoNum type="alphaUcParenR"/>
-            </a:pPr>
-            <a:r>
-              <a:rPr lang="en-US" sz="1600" dirty="0"/>
-              <a:t>They will automatically take connections back from tasks when tasks are complete. </a:t>
-            </a:r>
-          </a:p>
-          <a:p>
-            <a:pPr marL="342900" indent="-342900">
-              <a:buAutoNum type="alphaUcParenR"/>
-            </a:pPr>
-            <a:r>
-              <a:rPr lang="en-US" sz="1600" dirty="0"/>
-              <a:t>Multiple database queries/updates can be executed simultaneously and safely</a:t>
-            </a:r>
-          </a:p>
-          <a:p>
-            <a:pPr marL="342900" indent="-342900">
-              <a:buAutoNum type="alphaUcParenR"/>
-            </a:pPr>
-            <a:endParaRPr lang="en-US" sz="1600" dirty="0"/>
-          </a:p>
-          <a:p>
-            <a:pPr marL="342900" indent="-342900">
-              <a:buAutoNum type="alphaUcParenR"/>
-            </a:pPr>
-            <a:endParaRPr lang="en-US" sz="1600" dirty="0"/>
-          </a:p>
-        </p:txBody>
-      </p:sp>
-    </p:spTree>
-    <p:extLst>
-      <p:ext uri="{BB962C8B-B14F-4D97-AF65-F5344CB8AC3E}">
-        <p14:creationId xmlns:p14="http://schemas.microsoft.com/office/powerpoint/2010/main" val="3623942304"/>
-      </p:ext>
-    </p:extLst>
-  </p:cSld>
-  <p:clrMapOvr>
-    <a:masterClrMapping/>
-  </p:clrMapOvr>
-</p:sld>
-</file>
-
-<file path=ppt/slides/slide32.xml><?xml version="1.0" encoding="utf-8"?>
-<p:sld xmlns:a="http://schemas.openxmlformats.org/drawingml/2006/main" xmlns:r="http://schemas.openxmlformats.org/officeDocument/2006/relationships" xmlns:p="http://schemas.openxmlformats.org/presentationml/2006/main">
-  <p:cSld>
-    <p:spTree>
-      <p:nvGrpSpPr>
-        <p:cNvPr id="1" name=""/>
-        <p:cNvGrpSpPr/>
-        <p:nvPr/>
-      </p:nvGrpSpPr>
-      <p:grpSpPr>
-        <a:xfrm>
-          <a:off x="0" y="0"/>
-          <a:ext cx="0" cy="0"/>
-          <a:chOff x="0" y="0"/>
-          <a:chExt cx="0" cy="0"/>
-        </a:xfrm>
-      </p:grpSpPr>
-      <p:sp>
-        <p:nvSpPr>
-          <p:cNvPr id="2" name="Title 1">
-            <a:extLst>
-              <a:ext uri="{FF2B5EF4-FFF2-40B4-BE49-F238E27FC236}">
-                <a16:creationId xmlns:a16="http://schemas.microsoft.com/office/drawing/2014/main" id="{55B00E1A-F129-4621-8683-EBC2E511D2A1}"/>
-              </a:ext>
-            </a:extLst>
-          </p:cNvPr>
-          <p:cNvSpPr>
-            <a:spLocks noGrp="1"/>
-          </p:cNvSpPr>
-          <p:nvPr>
-            <p:ph type="title"/>
-          </p:nvPr>
-        </p:nvSpPr>
-        <p:spPr/>
-        <p:txBody>
-          <a:bodyPr/>
-          <a:lstStyle/>
-          <a:p>
-            <a:r>
-              <a:rPr lang="en-US" dirty="0"/>
-              <a:t>EXERCISE</a:t>
-            </a:r>
-          </a:p>
-        </p:txBody>
-      </p:sp>
-      <p:sp>
-        <p:nvSpPr>
-          <p:cNvPr id="3" name="Content Placeholder 2">
-            <a:extLst>
-              <a:ext uri="{FF2B5EF4-FFF2-40B4-BE49-F238E27FC236}">
-                <a16:creationId xmlns:a16="http://schemas.microsoft.com/office/drawing/2014/main" id="{EF32D758-D7BA-4B2D-878C-A86A3F056615}"/>
-              </a:ext>
-            </a:extLst>
-          </p:cNvPr>
-          <p:cNvSpPr>
-            <a:spLocks noGrp="1"/>
-          </p:cNvSpPr>
-          <p:nvPr>
-            <p:ph sz="quarter" idx="10"/>
-          </p:nvPr>
-        </p:nvSpPr>
-        <p:spPr>
-          <a:xfrm>
             <a:off x="824879" y="1447181"/>
             <a:ext cx="10138151" cy="5105869"/>
           </a:xfrm>
@@ -10961,7 +10117,7 @@
 </p:sld>
 </file>
 
-<file path=ppt/slides/slide33.xml><?xml version="1.0" encoding="utf-8"?>
+<file path=ppt/slides/slide31.xml><?xml version="1.0" encoding="utf-8"?>
 <p:sld xmlns:a="http://schemas.openxmlformats.org/drawingml/2006/main" xmlns:r="http://schemas.openxmlformats.org/officeDocument/2006/relationships" xmlns:p="http://schemas.openxmlformats.org/presentationml/2006/main">
   <p:cSld>
     <p:spTree>
@@ -11107,7 +10263,7 @@
 </p:sld>
 </file>
 
-<file path=ppt/slides/slide34.xml><?xml version="1.0" encoding="utf-8"?>
+<file path=ppt/slides/slide32.xml><?xml version="1.0" encoding="utf-8"?>
 <p:sld xmlns:a="http://schemas.openxmlformats.org/drawingml/2006/main" xmlns:r="http://schemas.openxmlformats.org/officeDocument/2006/relationships" xmlns:p="http://schemas.openxmlformats.org/presentationml/2006/main">
   <p:cSld>
     <p:spTree>
